--- a/submitted papers/ICRA/Sept-2017/Figures_ICRA_2017_v03.pptx
+++ b/submitted papers/ICRA/Sept-2017/Figures_ICRA_2017_v03.pptx
@@ -262,7 +262,7 @@
           <a:p>
             <a:fld id="{7DA993D9-1F0C-4508-93CB-A134BFC004B3}" type="datetimeFigureOut">
               <a:rPr lang="en-US" smtClean="0"/>
-              <a:t>8/16/17</a:t>
+              <a:t>8/23/17</a:t>
             </a:fld>
             <a:endParaRPr lang="en-US"/>
           </a:p>
@@ -460,7 +460,7 @@
           <a:p>
             <a:fld id="{7DA993D9-1F0C-4508-93CB-A134BFC004B3}" type="datetimeFigureOut">
               <a:rPr lang="en-US" smtClean="0"/>
-              <a:t>8/16/17</a:t>
+              <a:t>8/23/17</a:t>
             </a:fld>
             <a:endParaRPr lang="en-US"/>
           </a:p>
@@ -668,7 +668,7 @@
           <a:p>
             <a:fld id="{7DA993D9-1F0C-4508-93CB-A134BFC004B3}" type="datetimeFigureOut">
               <a:rPr lang="en-US" smtClean="0"/>
-              <a:t>8/16/17</a:t>
+              <a:t>8/23/17</a:t>
             </a:fld>
             <a:endParaRPr lang="en-US"/>
           </a:p>
@@ -866,7 +866,7 @@
           <a:p>
             <a:fld id="{7DA993D9-1F0C-4508-93CB-A134BFC004B3}" type="datetimeFigureOut">
               <a:rPr lang="en-US" smtClean="0"/>
-              <a:t>8/16/17</a:t>
+              <a:t>8/23/17</a:t>
             </a:fld>
             <a:endParaRPr lang="en-US"/>
           </a:p>
@@ -1141,7 +1141,7 @@
           <a:p>
             <a:fld id="{7DA993D9-1F0C-4508-93CB-A134BFC004B3}" type="datetimeFigureOut">
               <a:rPr lang="en-US" smtClean="0"/>
-              <a:t>8/16/17</a:t>
+              <a:t>8/23/17</a:t>
             </a:fld>
             <a:endParaRPr lang="en-US"/>
           </a:p>
@@ -1406,7 +1406,7 @@
           <a:p>
             <a:fld id="{7DA993D9-1F0C-4508-93CB-A134BFC004B3}" type="datetimeFigureOut">
               <a:rPr lang="en-US" smtClean="0"/>
-              <a:t>8/16/17</a:t>
+              <a:t>8/23/17</a:t>
             </a:fld>
             <a:endParaRPr lang="en-US"/>
           </a:p>
@@ -1818,7 +1818,7 @@
           <a:p>
             <a:fld id="{7DA993D9-1F0C-4508-93CB-A134BFC004B3}" type="datetimeFigureOut">
               <a:rPr lang="en-US" smtClean="0"/>
-              <a:t>8/16/17</a:t>
+              <a:t>8/23/17</a:t>
             </a:fld>
             <a:endParaRPr lang="en-US"/>
           </a:p>
@@ -1959,7 +1959,7 @@
           <a:p>
             <a:fld id="{7DA993D9-1F0C-4508-93CB-A134BFC004B3}" type="datetimeFigureOut">
               <a:rPr lang="en-US" smtClean="0"/>
-              <a:t>8/16/17</a:t>
+              <a:t>8/23/17</a:t>
             </a:fld>
             <a:endParaRPr lang="en-US"/>
           </a:p>
@@ -2072,7 +2072,7 @@
           <a:p>
             <a:fld id="{7DA993D9-1F0C-4508-93CB-A134BFC004B3}" type="datetimeFigureOut">
               <a:rPr lang="en-US" smtClean="0"/>
-              <a:t>8/16/17</a:t>
+              <a:t>8/23/17</a:t>
             </a:fld>
             <a:endParaRPr lang="en-US"/>
           </a:p>
@@ -2383,7 +2383,7 @@
           <a:p>
             <a:fld id="{7DA993D9-1F0C-4508-93CB-A134BFC004B3}" type="datetimeFigureOut">
               <a:rPr lang="en-US" smtClean="0"/>
-              <a:t>8/16/17</a:t>
+              <a:t>8/23/17</a:t>
             </a:fld>
             <a:endParaRPr lang="en-US"/>
           </a:p>
@@ -2671,7 +2671,7 @@
           <a:p>
             <a:fld id="{7DA993D9-1F0C-4508-93CB-A134BFC004B3}" type="datetimeFigureOut">
               <a:rPr lang="en-US" smtClean="0"/>
-              <a:t>8/16/17</a:t>
+              <a:t>8/23/17</a:t>
             </a:fld>
             <a:endParaRPr lang="en-US"/>
           </a:p>
@@ -2912,7 +2912,7 @@
           <a:p>
             <a:fld id="{7DA993D9-1F0C-4508-93CB-A134BFC004B3}" type="datetimeFigureOut">
               <a:rPr lang="en-US" smtClean="0"/>
-              <a:t>8/16/17</a:t>
+              <a:t>8/23/17</a:t>
             </a:fld>
             <a:endParaRPr lang="en-US"/>
           </a:p>
@@ -5084,8 +5084,8 @@
           </a:p>
         </p:txBody>
       </p:sp>
-      <mc:AlternateContent xmlns:mc="http://schemas.openxmlformats.org/markup-compatibility/2006">
-        <mc:Choice xmlns:a14="http://schemas.microsoft.com/office/drawing/2010/main" Requires="a14">
+      <mc:AlternateContent xmlns:mc="http://schemas.openxmlformats.org/markup-compatibility/2006" xmlns:a14="http://schemas.microsoft.com/office/drawing/2010/main">
+        <mc:Choice Requires="a14">
           <p:sp>
             <p:nvSpPr>
               <p:cNvPr id="48" name="TextBox 47">
@@ -5208,7 +5208,7 @@
             </p:txBody>
           </p:sp>
         </mc:Choice>
-        <mc:Fallback>
+        <mc:Fallback xmlns="">
           <p:sp>
             <p:nvSpPr>
               <p:cNvPr id="48" name="TextBox 47">
@@ -5449,8 +5449,8 @@
           </a:p>
         </p:txBody>
       </p:sp>
-      <mc:AlternateContent xmlns:mc="http://schemas.openxmlformats.org/markup-compatibility/2006">
-        <mc:Choice xmlns:a14="http://schemas.microsoft.com/office/drawing/2010/main" Requires="a14">
+      <mc:AlternateContent xmlns:mc="http://schemas.openxmlformats.org/markup-compatibility/2006" xmlns:a14="http://schemas.microsoft.com/office/drawing/2010/main">
+        <mc:Choice Requires="a14">
           <p:sp>
             <p:nvSpPr>
               <p:cNvPr id="59" name="TextBox 58">
@@ -5539,7 +5539,7 @@
             </p:txBody>
           </p:sp>
         </mc:Choice>
-        <mc:Fallback>
+        <mc:Fallback xmlns="">
           <p:sp>
             <p:nvSpPr>
               <p:cNvPr id="59" name="TextBox 58">
@@ -9194,8 +9194,8 @@
           </a:p>
         </p:txBody>
       </p:sp>
-      <mc:AlternateContent xmlns:mc="http://schemas.openxmlformats.org/markup-compatibility/2006">
-        <mc:Choice xmlns:a14="http://schemas.microsoft.com/office/drawing/2010/main" Requires="a14">
+      <mc:AlternateContent xmlns:mc="http://schemas.openxmlformats.org/markup-compatibility/2006" xmlns:a14="http://schemas.microsoft.com/office/drawing/2010/main">
+        <mc:Choice Requires="a14">
           <p:sp>
             <p:nvSpPr>
               <p:cNvPr id="8" name="TextBox 7">
@@ -9284,7 +9284,7 @@
             </p:txBody>
           </p:sp>
         </mc:Choice>
-        <mc:Fallback>
+        <mc:Fallback xmlns="">
           <p:sp>
             <p:nvSpPr>
               <p:cNvPr id="8" name="TextBox 7">
@@ -12234,109 +12234,6 @@
           <a:chExt cx="0" cy="0"/>
         </a:xfrm>
       </p:grpSpPr>
-      <p:grpSp>
-        <p:nvGrpSpPr>
-          <p:cNvPr id="24" name="Group 23"/>
-          <p:cNvGrpSpPr/>
-          <p:nvPr/>
-        </p:nvGrpSpPr>
-        <p:grpSpPr>
-          <a:xfrm>
-            <a:off x="5947445" y="3045964"/>
-            <a:ext cx="1885444" cy="1046258"/>
-            <a:chOff x="7976517" y="2821326"/>
-            <a:chExt cx="1885444" cy="1046258"/>
-          </a:xfrm>
-        </p:grpSpPr>
-        <p:pic>
-          <p:nvPicPr>
-            <p:cNvPr id="37" name="Picture 36">
-              <a:extLst>
-                <a:ext uri="{FF2B5EF4-FFF2-40B4-BE49-F238E27FC236}">
-                  <a16:creationId xmlns="" xmlns:a16="http://schemas.microsoft.com/office/drawing/2014/main" id="{AC488463-B633-436F-A4FD-1A1411D49C8B}"/>
-                </a:ext>
-              </a:extLst>
-            </p:cNvPr>
-            <p:cNvPicPr>
-              <a:picLocks noChangeAspect="1"/>
-            </p:cNvPicPr>
-            <p:nvPr/>
-          </p:nvPicPr>
-          <p:blipFill rotWithShape="1">
-            <a:blip r:embed="rId2">
-              <a:clrChange>
-                <a:clrFrom>
-                  <a:srgbClr val="E6E6DB"/>
-                </a:clrFrom>
-                <a:clrTo>
-                  <a:srgbClr val="E6E6DB">
-                    <a:alpha val="0"/>
-                  </a:srgbClr>
-                </a:clrTo>
-              </a:clrChange>
-            </a:blip>
-            <a:srcRect l="52728" t="16992" r="28943" b="67751"/>
-            <a:stretch/>
-          </p:blipFill>
-          <p:spPr>
-            <a:xfrm rot="19625047">
-              <a:off x="7976517" y="2821326"/>
-              <a:ext cx="1885444" cy="1046258"/>
-            </a:xfrm>
-            <a:prstGeom prst="rect">
-              <a:avLst/>
-            </a:prstGeom>
-          </p:spPr>
-        </p:pic>
-        <p:sp>
-          <p:nvSpPr>
-            <p:cNvPr id="21" name="Rectangle 20"/>
-            <p:cNvSpPr/>
-            <p:nvPr/>
-          </p:nvSpPr>
-          <p:spPr>
-            <a:xfrm rot="19703640">
-              <a:off x="9213052" y="3409881"/>
-              <a:ext cx="533993" cy="431448"/>
-            </a:xfrm>
-            <a:prstGeom prst="rect">
-              <a:avLst/>
-            </a:prstGeom>
-            <a:solidFill>
-              <a:schemeClr val="bg1"/>
-            </a:solidFill>
-            <a:ln>
-              <a:solidFill>
-                <a:schemeClr val="bg1"/>
-              </a:solidFill>
-            </a:ln>
-          </p:spPr>
-          <p:style>
-            <a:lnRef idx="2">
-              <a:schemeClr val="accent1">
-                <a:shade val="50000"/>
-              </a:schemeClr>
-            </a:lnRef>
-            <a:fillRef idx="1">
-              <a:schemeClr val="accent1"/>
-            </a:fillRef>
-            <a:effectRef idx="0">
-              <a:schemeClr val="accent1"/>
-            </a:effectRef>
-            <a:fontRef idx="minor">
-              <a:schemeClr val="lt1"/>
-            </a:fontRef>
-          </p:style>
-          <p:txBody>
-            <a:bodyPr rtlCol="0" anchor="ctr"/>
-            <a:lstStyle/>
-            <a:p>
-              <a:pPr algn="ctr"/>
-              <a:endParaRPr lang="en-US"/>
-            </a:p>
-          </p:txBody>
-        </p:sp>
-      </p:grpSp>
       <p:pic>
         <p:nvPicPr>
           <p:cNvPr id="4" name="Picture 3">
@@ -13608,86 +13505,418 @@
           </a:prstGeom>
         </p:spPr>
       </p:pic>
+      <p:grpSp>
+        <p:nvGrpSpPr>
+          <p:cNvPr id="15" name="Group 14"/>
+          <p:cNvGrpSpPr/>
+          <p:nvPr/>
+        </p:nvGrpSpPr>
+        <p:grpSpPr>
+          <a:xfrm>
+            <a:off x="6038681" y="3414922"/>
+            <a:ext cx="2002724" cy="2734606"/>
+            <a:chOff x="6038681" y="3414922"/>
+            <a:chExt cx="2002724" cy="2734606"/>
+          </a:xfrm>
+        </p:grpSpPr>
+        <p:pic>
+          <p:nvPicPr>
+            <p:cNvPr id="35" name="Picture 34">
+              <a:extLst>
+                <a:ext uri="{FF2B5EF4-FFF2-40B4-BE49-F238E27FC236}">
+                  <a16:creationId xmlns="" xmlns:a16="http://schemas.microsoft.com/office/drawing/2014/main" id="{AC488463-B633-436F-A4FD-1A1411D49C8B}"/>
+                </a:ext>
+              </a:extLst>
+            </p:cNvPr>
+            <p:cNvPicPr>
+              <a:picLocks noChangeAspect="1"/>
+            </p:cNvPicPr>
+            <p:nvPr/>
+          </p:nvPicPr>
+          <p:blipFill rotWithShape="1">
+            <a:blip r:embed="rId2">
+              <a:clrChange>
+                <a:clrFrom>
+                  <a:srgbClr val="E6E6DB"/>
+                </a:clrFrom>
+                <a:clrTo>
+                  <a:srgbClr val="E6E6DB">
+                    <a:alpha val="0"/>
+                  </a:srgbClr>
+                </a:clrTo>
+              </a:clrChange>
+            </a:blip>
+            <a:srcRect l="52727" t="29265" r="28543" b="33924"/>
+            <a:stretch/>
+          </p:blipFill>
+          <p:spPr>
+            <a:xfrm>
+              <a:off x="6114728" y="3624944"/>
+              <a:ext cx="1926677" cy="2524584"/>
+            </a:xfrm>
+            <a:prstGeom prst="rect">
+              <a:avLst/>
+            </a:prstGeom>
+          </p:spPr>
+        </p:pic>
+        <p:sp>
+          <p:nvSpPr>
+            <p:cNvPr id="14" name="Oval 13"/>
+            <p:cNvSpPr/>
+            <p:nvPr/>
+          </p:nvSpPr>
+          <p:spPr>
+            <a:xfrm rot="18917286">
+              <a:off x="6038681" y="3414922"/>
+              <a:ext cx="805542" cy="434732"/>
+            </a:xfrm>
+            <a:prstGeom prst="ellipse">
+              <a:avLst/>
+            </a:prstGeom>
+            <a:solidFill>
+              <a:schemeClr val="bg1"/>
+            </a:solidFill>
+            <a:ln>
+              <a:noFill/>
+            </a:ln>
+          </p:spPr>
+          <p:style>
+            <a:lnRef idx="2">
+              <a:schemeClr val="accent1">
+                <a:shade val="50000"/>
+              </a:schemeClr>
+            </a:lnRef>
+            <a:fillRef idx="1">
+              <a:schemeClr val="accent1"/>
+            </a:fillRef>
+            <a:effectRef idx="0">
+              <a:schemeClr val="accent1"/>
+            </a:effectRef>
+            <a:fontRef idx="minor">
+              <a:schemeClr val="lt1"/>
+            </a:fontRef>
+          </p:style>
+          <p:txBody>
+            <a:bodyPr rtlCol="0" anchor="ctr"/>
+            <a:lstStyle/>
+            <a:p>
+              <a:pPr algn="ctr"/>
+              <a:endParaRPr lang="en-US"/>
+            </a:p>
+          </p:txBody>
+        </p:sp>
+      </p:grpSp>
+      <p:grpSp>
+        <p:nvGrpSpPr>
+          <p:cNvPr id="38" name="Group 37"/>
+          <p:cNvGrpSpPr/>
+          <p:nvPr/>
+        </p:nvGrpSpPr>
+        <p:grpSpPr>
+          <a:xfrm>
+            <a:off x="8671538" y="1934174"/>
+            <a:ext cx="1529869" cy="1105183"/>
+            <a:chOff x="7793035" y="1347422"/>
+            <a:chExt cx="1529869" cy="1105183"/>
+          </a:xfrm>
+        </p:grpSpPr>
+        <p:cxnSp>
+          <p:nvCxnSpPr>
+            <p:cNvPr id="32" name="Straight Connector 31"/>
+            <p:cNvCxnSpPr/>
+            <p:nvPr/>
+          </p:nvCxnSpPr>
+          <p:spPr>
+            <a:xfrm>
+              <a:off x="7793035" y="2452605"/>
+              <a:ext cx="1529869" cy="0"/>
+            </a:xfrm>
+            <a:prstGeom prst="line">
+              <a:avLst/>
+            </a:prstGeom>
+          </p:spPr>
+          <p:style>
+            <a:lnRef idx="1">
+              <a:schemeClr val="accent1"/>
+            </a:lnRef>
+            <a:fillRef idx="0">
+              <a:schemeClr val="accent1"/>
+            </a:fillRef>
+            <a:effectRef idx="0">
+              <a:schemeClr val="accent1"/>
+            </a:effectRef>
+            <a:fontRef idx="minor">
+              <a:schemeClr val="tx1"/>
+            </a:fontRef>
+          </p:style>
+        </p:cxnSp>
+        <p:cxnSp>
+          <p:nvCxnSpPr>
+            <p:cNvPr id="36" name="Straight Connector 35"/>
+            <p:cNvCxnSpPr/>
+            <p:nvPr/>
+          </p:nvCxnSpPr>
+          <p:spPr>
+            <a:xfrm flipV="1">
+              <a:off x="7793035" y="1347422"/>
+              <a:ext cx="907339" cy="1105183"/>
+            </a:xfrm>
+            <a:prstGeom prst="line">
+              <a:avLst/>
+            </a:prstGeom>
+          </p:spPr>
+          <p:style>
+            <a:lnRef idx="1">
+              <a:schemeClr val="accent1"/>
+            </a:lnRef>
+            <a:fillRef idx="0">
+              <a:schemeClr val="accent1"/>
+            </a:fillRef>
+            <a:effectRef idx="0">
+              <a:schemeClr val="accent1"/>
+            </a:effectRef>
+            <a:fontRef idx="minor">
+              <a:schemeClr val="tx1"/>
+            </a:fontRef>
+          </p:style>
+        </p:cxnSp>
+      </p:grpSp>
+      <p:grpSp>
+        <p:nvGrpSpPr>
+          <p:cNvPr id="51" name="Group 50"/>
+          <p:cNvGrpSpPr/>
+          <p:nvPr/>
+        </p:nvGrpSpPr>
+        <p:grpSpPr>
+          <a:xfrm rot="21138351">
+            <a:off x="5634293" y="886016"/>
+            <a:ext cx="2363282" cy="3027189"/>
+            <a:chOff x="6134828" y="-107199"/>
+            <a:chExt cx="2363282" cy="3027189"/>
+          </a:xfrm>
+        </p:grpSpPr>
+        <p:pic>
+          <p:nvPicPr>
+            <p:cNvPr id="54" name="Picture 53">
+              <a:extLst>
+                <a:ext uri="{FF2B5EF4-FFF2-40B4-BE49-F238E27FC236}">
+                  <a16:creationId xmlns="" xmlns:a16="http://schemas.microsoft.com/office/drawing/2014/main" id="{AC488463-B633-436F-A4FD-1A1411D49C8B}"/>
+                </a:ext>
+              </a:extLst>
+            </p:cNvPr>
+            <p:cNvPicPr>
+              <a:picLocks noChangeAspect="1"/>
+            </p:cNvPicPr>
+            <p:nvPr/>
+          </p:nvPicPr>
+          <p:blipFill rotWithShape="1">
+            <a:blip r:embed="rId2">
+              <a:clrChange>
+                <a:clrFrom>
+                  <a:srgbClr val="E6E6DB"/>
+                </a:clrFrom>
+                <a:clrTo>
+                  <a:srgbClr val="E6E6DB">
+                    <a:alpha val="0"/>
+                  </a:srgbClr>
+                </a:clrTo>
+              </a:clrChange>
+            </a:blip>
+            <a:srcRect l="52728" t="16991" r="28943" b="67773"/>
+            <a:stretch/>
+          </p:blipFill>
+          <p:spPr>
+            <a:xfrm rot="19053184">
+              <a:off x="6134828" y="1875275"/>
+              <a:ext cx="1885444" cy="1044715"/>
+            </a:xfrm>
+            <a:prstGeom prst="rect">
+              <a:avLst/>
+            </a:prstGeom>
+          </p:spPr>
+        </p:pic>
+        <p:cxnSp>
+          <p:nvCxnSpPr>
+            <p:cNvPr id="53" name="Straight Connector 52"/>
+            <p:cNvCxnSpPr/>
+            <p:nvPr/>
+          </p:nvCxnSpPr>
+          <p:spPr>
+            <a:xfrm flipV="1">
+              <a:off x="7305871" y="-107199"/>
+              <a:ext cx="1192239" cy="1074969"/>
+            </a:xfrm>
+            <a:prstGeom prst="line">
+              <a:avLst/>
+            </a:prstGeom>
+          </p:spPr>
+          <p:style>
+            <a:lnRef idx="1">
+              <a:schemeClr val="accent1"/>
+            </a:lnRef>
+            <a:fillRef idx="0">
+              <a:schemeClr val="accent1"/>
+            </a:fillRef>
+            <a:effectRef idx="0">
+              <a:schemeClr val="accent1"/>
+            </a:effectRef>
+            <a:fontRef idx="minor">
+              <a:schemeClr val="tx1"/>
+            </a:fontRef>
+          </p:style>
+        </p:cxnSp>
+      </p:grpSp>
       <p:pic>
         <p:nvPicPr>
-          <p:cNvPr id="35" name="Picture 34">
-            <a:extLst>
-              <a:ext uri="{FF2B5EF4-FFF2-40B4-BE49-F238E27FC236}">
-                <a16:creationId xmlns="" xmlns:a16="http://schemas.microsoft.com/office/drawing/2014/main" id="{AC488463-B633-436F-A4FD-1A1411D49C8B}"/>
-              </a:ext>
-            </a:extLst>
-          </p:cNvPr>
+          <p:cNvPr id="64" name="Picture 63"/>
           <p:cNvPicPr>
             <a:picLocks noChangeAspect="1"/>
           </p:cNvPicPr>
           <p:nvPr/>
         </p:nvPicPr>
-        <p:blipFill rotWithShape="1">
-          <a:blip r:embed="rId2">
-            <a:clrChange>
-              <a:clrFrom>
-                <a:srgbClr val="E6E6DB"/>
-              </a:clrFrom>
-              <a:clrTo>
-                <a:srgbClr val="E6E6DB">
-                  <a:alpha val="0"/>
-                </a:srgbClr>
-              </a:clrTo>
-            </a:clrChange>
-          </a:blip>
-          <a:srcRect l="52727" t="35965" r="28543" b="33924"/>
-          <a:stretch/>
+        <p:blipFill>
+          <a:blip r:embed="rId11"/>
+          <a:stretch>
+            <a:fillRect/>
+          </a:stretch>
         </p:blipFill>
         <p:spPr>
           <a:xfrm>
-            <a:off x="6114728" y="4084464"/>
-            <a:ext cx="1926677" cy="2065063"/>
+            <a:off x="9441042" y="-47405"/>
+            <a:ext cx="3381157" cy="4326109"/>
           </a:xfrm>
           <a:prstGeom prst="rect">
             <a:avLst/>
           </a:prstGeom>
         </p:spPr>
       </p:pic>
-      <p:pic>
-        <p:nvPicPr>
-          <p:cNvPr id="39" name="Picture 38">
-            <a:extLst>
-              <a:ext uri="{FF2B5EF4-FFF2-40B4-BE49-F238E27FC236}">
-                <a16:creationId xmlns="" xmlns:a16="http://schemas.microsoft.com/office/drawing/2014/main" id="{AC488463-B633-436F-A4FD-1A1411D49C8B}"/>
-              </a:ext>
-            </a:extLst>
-          </p:cNvPr>
-          <p:cNvPicPr>
-            <a:picLocks noChangeAspect="1"/>
-          </p:cNvPicPr>
+      <p:sp>
+        <p:nvSpPr>
+          <p:cNvPr id="69" name="Oval 68"/>
+          <p:cNvSpPr/>
           <p:nvPr/>
-        </p:nvPicPr>
-        <p:blipFill rotWithShape="1">
-          <a:blip r:embed="rId2">
-            <a:clrChange>
-              <a:clrFrom>
-                <a:srgbClr val="E6E6DB"/>
-              </a:clrFrom>
-              <a:clrTo>
-                <a:srgbClr val="E6E6DB">
-                  <a:alpha val="0"/>
-                </a:srgbClr>
-              </a:clrTo>
-            </a:clrChange>
-          </a:blip>
-          <a:srcRect l="59140" t="28626" r="28943" b="54587"/>
-          <a:stretch/>
-        </p:blipFill>
+        </p:nvSpPr>
         <p:spPr>
           <a:xfrm>
-            <a:off x="6768138" y="3591125"/>
-            <a:ext cx="1225858" cy="1151264"/>
+            <a:off x="8266322" y="3728243"/>
+            <a:ext cx="883667" cy="832594"/>
           </a:xfrm>
-          <a:prstGeom prst="rect">
+          <a:prstGeom prst="ellipse">
             <a:avLst/>
           </a:prstGeom>
+          <a:noFill/>
         </p:spPr>
-      </p:pic>
+        <p:style>
+          <a:lnRef idx="2">
+            <a:schemeClr val="accent1">
+              <a:shade val="50000"/>
+            </a:schemeClr>
+          </a:lnRef>
+          <a:fillRef idx="1">
+            <a:schemeClr val="accent1"/>
+          </a:fillRef>
+          <a:effectRef idx="0">
+            <a:schemeClr val="accent1"/>
+          </a:effectRef>
+          <a:fontRef idx="minor">
+            <a:schemeClr val="lt1"/>
+          </a:fontRef>
+        </p:style>
+        <p:txBody>
+          <a:bodyPr rtlCol="0" anchor="ctr"/>
+          <a:lstStyle/>
+          <a:p>
+            <a:pPr algn="ctr"/>
+            <a:endParaRPr lang="en-US"/>
+          </a:p>
+        </p:txBody>
+      </p:sp>
+      <p:sp>
+        <p:nvSpPr>
+          <p:cNvPr id="70" name="Arc 69"/>
+          <p:cNvSpPr/>
+          <p:nvPr/>
+        </p:nvSpPr>
+        <p:spPr>
+          <a:xfrm>
+            <a:off x="6720839" y="3261420"/>
+            <a:ext cx="806057" cy="818506"/>
+          </a:xfrm>
+          <a:prstGeom prst="arc">
+            <a:avLst/>
+          </a:prstGeom>
+          <a:ln w="9525">
+            <a:solidFill>
+              <a:schemeClr val="tx1"/>
+            </a:solidFill>
+          </a:ln>
+        </p:spPr>
+        <p:style>
+          <a:lnRef idx="1">
+            <a:schemeClr val="accent1"/>
+          </a:lnRef>
+          <a:fillRef idx="0">
+            <a:schemeClr val="accent1"/>
+          </a:fillRef>
+          <a:effectRef idx="0">
+            <a:schemeClr val="accent1"/>
+          </a:effectRef>
+          <a:fontRef idx="minor">
+            <a:schemeClr val="tx1"/>
+          </a:fontRef>
+        </p:style>
+        <p:txBody>
+          <a:bodyPr rtlCol="0" anchor="ctr"/>
+          <a:lstStyle/>
+          <a:p>
+            <a:pPr algn="ctr"/>
+            <a:endParaRPr lang="en-US"/>
+          </a:p>
+        </p:txBody>
+      </p:sp>
+      <p:sp>
+        <p:nvSpPr>
+          <p:cNvPr id="71" name="Arc 70"/>
+          <p:cNvSpPr/>
+          <p:nvPr/>
+        </p:nvSpPr>
+        <p:spPr>
+          <a:xfrm>
+            <a:off x="6692054" y="3197085"/>
+            <a:ext cx="914400" cy="914400"/>
+          </a:xfrm>
+          <a:prstGeom prst="arc">
+            <a:avLst/>
+          </a:prstGeom>
+          <a:ln w="9525">
+            <a:solidFill>
+              <a:schemeClr val="tx1"/>
+            </a:solidFill>
+          </a:ln>
+        </p:spPr>
+        <p:style>
+          <a:lnRef idx="1">
+            <a:schemeClr val="accent1"/>
+          </a:lnRef>
+          <a:fillRef idx="0">
+            <a:schemeClr val="accent1"/>
+          </a:fillRef>
+          <a:effectRef idx="0">
+            <a:schemeClr val="accent1"/>
+          </a:effectRef>
+          <a:fontRef idx="minor">
+            <a:schemeClr val="tx1"/>
+          </a:fontRef>
+        </p:style>
+        <p:txBody>
+          <a:bodyPr rtlCol="0" anchor="ctr"/>
+          <a:lstStyle/>
+          <a:p>
+            <a:pPr algn="ctr"/>
+            <a:endParaRPr lang="en-US"/>
+          </a:p>
+        </p:txBody>
+      </p:sp>
     </p:spTree>
     <p:extLst>
       <p:ext uri="{BB962C8B-B14F-4D97-AF65-F5344CB8AC3E}">

--- a/submitted papers/ICRA/Sept-2017/Figures_ICRA_2017_v03.pptx
+++ b/submitted papers/ICRA/Sept-2017/Figures_ICRA_2017_v03.pptx
@@ -8,7 +8,8 @@
     <p:sldId id="256" r:id="rId2"/>
     <p:sldId id="259" r:id="rId3"/>
     <p:sldId id="258" r:id="rId4"/>
-    <p:sldId id="257" r:id="rId5"/>
+    <p:sldId id="260" r:id="rId5"/>
+    <p:sldId id="257" r:id="rId6"/>
   </p:sldIdLst>
   <p:sldSz cx="12192000" cy="6858000"/>
   <p:notesSz cx="6858000" cy="9144000"/>
@@ -137,7 +138,7 @@
           <p:cNvPr id="2" name="Title 1">
             <a:extLst>
               <a:ext uri="{FF2B5EF4-FFF2-40B4-BE49-F238E27FC236}">
-                <a16:creationId xmlns="" xmlns:a16="http://schemas.microsoft.com/office/drawing/2014/main" id="{11B76271-B6E3-401D-9BF7-2D9B554F6161}"/>
+                <a16:creationId xmlns:a16="http://schemas.microsoft.com/office/drawing/2014/main" xmlns="" id="{11B76271-B6E3-401D-9BF7-2D9B554F6161}"/>
               </a:ext>
             </a:extLst>
           </p:cNvPr>
@@ -174,7 +175,7 @@
           <p:cNvPr id="3" name="Subtitle 2">
             <a:extLst>
               <a:ext uri="{FF2B5EF4-FFF2-40B4-BE49-F238E27FC236}">
-                <a16:creationId xmlns="" xmlns:a16="http://schemas.microsoft.com/office/drawing/2014/main" id="{574461B4-A005-4D92-902B-94B4CC064CE7}"/>
+                <a16:creationId xmlns:a16="http://schemas.microsoft.com/office/drawing/2014/main" xmlns="" id="{574461B4-A005-4D92-902B-94B4CC064CE7}"/>
               </a:ext>
             </a:extLst>
           </p:cNvPr>
@@ -244,7 +245,7 @@
           <p:cNvPr id="4" name="Date Placeholder 3">
             <a:extLst>
               <a:ext uri="{FF2B5EF4-FFF2-40B4-BE49-F238E27FC236}">
-                <a16:creationId xmlns="" xmlns:a16="http://schemas.microsoft.com/office/drawing/2014/main" id="{315496B9-A1C5-4035-B842-D4230F1A05D3}"/>
+                <a16:creationId xmlns:a16="http://schemas.microsoft.com/office/drawing/2014/main" xmlns="" id="{315496B9-A1C5-4035-B842-D4230F1A05D3}"/>
               </a:ext>
             </a:extLst>
           </p:cNvPr>
@@ -273,7 +274,7 @@
           <p:cNvPr id="5" name="Footer Placeholder 4">
             <a:extLst>
               <a:ext uri="{FF2B5EF4-FFF2-40B4-BE49-F238E27FC236}">
-                <a16:creationId xmlns="" xmlns:a16="http://schemas.microsoft.com/office/drawing/2014/main" id="{88D64EEE-DD2D-497F-A7A6-90D012788726}"/>
+                <a16:creationId xmlns:a16="http://schemas.microsoft.com/office/drawing/2014/main" xmlns="" id="{88D64EEE-DD2D-497F-A7A6-90D012788726}"/>
               </a:ext>
             </a:extLst>
           </p:cNvPr>
@@ -298,7 +299,7 @@
           <p:cNvPr id="6" name="Slide Number Placeholder 5">
             <a:extLst>
               <a:ext uri="{FF2B5EF4-FFF2-40B4-BE49-F238E27FC236}">
-                <a16:creationId xmlns="" xmlns:a16="http://schemas.microsoft.com/office/drawing/2014/main" id="{18089963-9724-4A20-B80F-80C02F9815D1}"/>
+                <a16:creationId xmlns:a16="http://schemas.microsoft.com/office/drawing/2014/main" xmlns="" id="{18089963-9724-4A20-B80F-80C02F9815D1}"/>
               </a:ext>
             </a:extLst>
           </p:cNvPr>
@@ -357,7 +358,7 @@
           <p:cNvPr id="2" name="Title 1">
             <a:extLst>
               <a:ext uri="{FF2B5EF4-FFF2-40B4-BE49-F238E27FC236}">
-                <a16:creationId xmlns="" xmlns:a16="http://schemas.microsoft.com/office/drawing/2014/main" id="{91227E88-6BA8-4A2F-872B-B4804348378B}"/>
+                <a16:creationId xmlns:a16="http://schemas.microsoft.com/office/drawing/2014/main" xmlns="" id="{91227E88-6BA8-4A2F-872B-B4804348378B}"/>
               </a:ext>
             </a:extLst>
           </p:cNvPr>
@@ -385,7 +386,7 @@
           <p:cNvPr id="3" name="Vertical Text Placeholder 2">
             <a:extLst>
               <a:ext uri="{FF2B5EF4-FFF2-40B4-BE49-F238E27FC236}">
-                <a16:creationId xmlns="" xmlns:a16="http://schemas.microsoft.com/office/drawing/2014/main" id="{CB5B9264-10FE-4A54-90ED-E4521C34BB56}"/>
+                <a16:creationId xmlns:a16="http://schemas.microsoft.com/office/drawing/2014/main" xmlns="" id="{CB5B9264-10FE-4A54-90ED-E4521C34BB56}"/>
               </a:ext>
             </a:extLst>
           </p:cNvPr>
@@ -442,7 +443,7 @@
           <p:cNvPr id="4" name="Date Placeholder 3">
             <a:extLst>
               <a:ext uri="{FF2B5EF4-FFF2-40B4-BE49-F238E27FC236}">
-                <a16:creationId xmlns="" xmlns:a16="http://schemas.microsoft.com/office/drawing/2014/main" id="{9BE9E6AB-8762-47FD-A060-115D79F0A9B0}"/>
+                <a16:creationId xmlns:a16="http://schemas.microsoft.com/office/drawing/2014/main" xmlns="" id="{9BE9E6AB-8762-47FD-A060-115D79F0A9B0}"/>
               </a:ext>
             </a:extLst>
           </p:cNvPr>
@@ -471,7 +472,7 @@
           <p:cNvPr id="5" name="Footer Placeholder 4">
             <a:extLst>
               <a:ext uri="{FF2B5EF4-FFF2-40B4-BE49-F238E27FC236}">
-                <a16:creationId xmlns="" xmlns:a16="http://schemas.microsoft.com/office/drawing/2014/main" id="{BD719D47-E7C0-484A-BA91-96E24254D59F}"/>
+                <a16:creationId xmlns:a16="http://schemas.microsoft.com/office/drawing/2014/main" xmlns="" id="{BD719D47-E7C0-484A-BA91-96E24254D59F}"/>
               </a:ext>
             </a:extLst>
           </p:cNvPr>
@@ -496,7 +497,7 @@
           <p:cNvPr id="6" name="Slide Number Placeholder 5">
             <a:extLst>
               <a:ext uri="{FF2B5EF4-FFF2-40B4-BE49-F238E27FC236}">
-                <a16:creationId xmlns="" xmlns:a16="http://schemas.microsoft.com/office/drawing/2014/main" id="{DC63475D-6CDC-4887-8BB3-B28F753AE142}"/>
+                <a16:creationId xmlns:a16="http://schemas.microsoft.com/office/drawing/2014/main" xmlns="" id="{DC63475D-6CDC-4887-8BB3-B28F753AE142}"/>
               </a:ext>
             </a:extLst>
           </p:cNvPr>
@@ -555,7 +556,7 @@
           <p:cNvPr id="2" name="Vertical Title 1">
             <a:extLst>
               <a:ext uri="{FF2B5EF4-FFF2-40B4-BE49-F238E27FC236}">
-                <a16:creationId xmlns="" xmlns:a16="http://schemas.microsoft.com/office/drawing/2014/main" id="{1BFC58AB-9F0F-4A88-BA9A-2594FE26E1ED}"/>
+                <a16:creationId xmlns:a16="http://schemas.microsoft.com/office/drawing/2014/main" xmlns="" id="{1BFC58AB-9F0F-4A88-BA9A-2594FE26E1ED}"/>
               </a:ext>
             </a:extLst>
           </p:cNvPr>
@@ -588,7 +589,7 @@
           <p:cNvPr id="3" name="Vertical Text Placeholder 2">
             <a:extLst>
               <a:ext uri="{FF2B5EF4-FFF2-40B4-BE49-F238E27FC236}">
-                <a16:creationId xmlns="" xmlns:a16="http://schemas.microsoft.com/office/drawing/2014/main" id="{BC250B0F-FB94-4FCE-A552-B1F907E0D57B}"/>
+                <a16:creationId xmlns:a16="http://schemas.microsoft.com/office/drawing/2014/main" xmlns="" id="{BC250B0F-FB94-4FCE-A552-B1F907E0D57B}"/>
               </a:ext>
             </a:extLst>
           </p:cNvPr>
@@ -650,7 +651,7 @@
           <p:cNvPr id="4" name="Date Placeholder 3">
             <a:extLst>
               <a:ext uri="{FF2B5EF4-FFF2-40B4-BE49-F238E27FC236}">
-                <a16:creationId xmlns="" xmlns:a16="http://schemas.microsoft.com/office/drawing/2014/main" id="{90564644-AB45-4186-ABF3-C2171AA58973}"/>
+                <a16:creationId xmlns:a16="http://schemas.microsoft.com/office/drawing/2014/main" xmlns="" id="{90564644-AB45-4186-ABF3-C2171AA58973}"/>
               </a:ext>
             </a:extLst>
           </p:cNvPr>
@@ -679,7 +680,7 @@
           <p:cNvPr id="5" name="Footer Placeholder 4">
             <a:extLst>
               <a:ext uri="{FF2B5EF4-FFF2-40B4-BE49-F238E27FC236}">
-                <a16:creationId xmlns="" xmlns:a16="http://schemas.microsoft.com/office/drawing/2014/main" id="{38B98F71-17AA-4CB4-9511-5AA7E5BADFFC}"/>
+                <a16:creationId xmlns:a16="http://schemas.microsoft.com/office/drawing/2014/main" xmlns="" id="{38B98F71-17AA-4CB4-9511-5AA7E5BADFFC}"/>
               </a:ext>
             </a:extLst>
           </p:cNvPr>
@@ -704,7 +705,7 @@
           <p:cNvPr id="6" name="Slide Number Placeholder 5">
             <a:extLst>
               <a:ext uri="{FF2B5EF4-FFF2-40B4-BE49-F238E27FC236}">
-                <a16:creationId xmlns="" xmlns:a16="http://schemas.microsoft.com/office/drawing/2014/main" id="{702B8A38-7663-47F6-8AB2-E47588C09FA1}"/>
+                <a16:creationId xmlns:a16="http://schemas.microsoft.com/office/drawing/2014/main" xmlns="" id="{702B8A38-7663-47F6-8AB2-E47588C09FA1}"/>
               </a:ext>
             </a:extLst>
           </p:cNvPr>
@@ -763,7 +764,7 @@
           <p:cNvPr id="2" name="Title 1">
             <a:extLst>
               <a:ext uri="{FF2B5EF4-FFF2-40B4-BE49-F238E27FC236}">
-                <a16:creationId xmlns="" xmlns:a16="http://schemas.microsoft.com/office/drawing/2014/main" id="{C30E66E5-1C82-4928-BD40-808811C8642B}"/>
+                <a16:creationId xmlns:a16="http://schemas.microsoft.com/office/drawing/2014/main" xmlns="" id="{C30E66E5-1C82-4928-BD40-808811C8642B}"/>
               </a:ext>
             </a:extLst>
           </p:cNvPr>
@@ -791,7 +792,7 @@
           <p:cNvPr id="3" name="Content Placeholder 2">
             <a:extLst>
               <a:ext uri="{FF2B5EF4-FFF2-40B4-BE49-F238E27FC236}">
-                <a16:creationId xmlns="" xmlns:a16="http://schemas.microsoft.com/office/drawing/2014/main" id="{F6C34E82-A541-458F-883E-27C2DD34A4FE}"/>
+                <a16:creationId xmlns:a16="http://schemas.microsoft.com/office/drawing/2014/main" xmlns="" id="{F6C34E82-A541-458F-883E-27C2DD34A4FE}"/>
               </a:ext>
             </a:extLst>
           </p:cNvPr>
@@ -848,7 +849,7 @@
           <p:cNvPr id="4" name="Date Placeholder 3">
             <a:extLst>
               <a:ext uri="{FF2B5EF4-FFF2-40B4-BE49-F238E27FC236}">
-                <a16:creationId xmlns="" xmlns:a16="http://schemas.microsoft.com/office/drawing/2014/main" id="{69E1A243-BF01-4EB4-8D2C-0F314871858B}"/>
+                <a16:creationId xmlns:a16="http://schemas.microsoft.com/office/drawing/2014/main" xmlns="" id="{69E1A243-BF01-4EB4-8D2C-0F314871858B}"/>
               </a:ext>
             </a:extLst>
           </p:cNvPr>
@@ -877,7 +878,7 @@
           <p:cNvPr id="5" name="Footer Placeholder 4">
             <a:extLst>
               <a:ext uri="{FF2B5EF4-FFF2-40B4-BE49-F238E27FC236}">
-                <a16:creationId xmlns="" xmlns:a16="http://schemas.microsoft.com/office/drawing/2014/main" id="{76D11A6A-7F80-4538-8BAA-627A6753047D}"/>
+                <a16:creationId xmlns:a16="http://schemas.microsoft.com/office/drawing/2014/main" xmlns="" id="{76D11A6A-7F80-4538-8BAA-627A6753047D}"/>
               </a:ext>
             </a:extLst>
           </p:cNvPr>
@@ -902,7 +903,7 @@
           <p:cNvPr id="6" name="Slide Number Placeholder 5">
             <a:extLst>
               <a:ext uri="{FF2B5EF4-FFF2-40B4-BE49-F238E27FC236}">
-                <a16:creationId xmlns="" xmlns:a16="http://schemas.microsoft.com/office/drawing/2014/main" id="{01A49B1F-60C5-4C2A-BF42-D76B428FE2BB}"/>
+                <a16:creationId xmlns:a16="http://schemas.microsoft.com/office/drawing/2014/main" xmlns="" id="{01A49B1F-60C5-4C2A-BF42-D76B428FE2BB}"/>
               </a:ext>
             </a:extLst>
           </p:cNvPr>
@@ -961,7 +962,7 @@
           <p:cNvPr id="2" name="Title 1">
             <a:extLst>
               <a:ext uri="{FF2B5EF4-FFF2-40B4-BE49-F238E27FC236}">
-                <a16:creationId xmlns="" xmlns:a16="http://schemas.microsoft.com/office/drawing/2014/main" id="{66EC1775-6C06-4ABA-94FE-8041028CAAD4}"/>
+                <a16:creationId xmlns:a16="http://schemas.microsoft.com/office/drawing/2014/main" xmlns="" id="{66EC1775-6C06-4ABA-94FE-8041028CAAD4}"/>
               </a:ext>
             </a:extLst>
           </p:cNvPr>
@@ -998,7 +999,7 @@
           <p:cNvPr id="3" name="Text Placeholder 2">
             <a:extLst>
               <a:ext uri="{FF2B5EF4-FFF2-40B4-BE49-F238E27FC236}">
-                <a16:creationId xmlns="" xmlns:a16="http://schemas.microsoft.com/office/drawing/2014/main" id="{AF6A8F63-B0A4-4A80-BA4F-1CEE0FB031FF}"/>
+                <a16:creationId xmlns:a16="http://schemas.microsoft.com/office/drawing/2014/main" xmlns="" id="{AF6A8F63-B0A4-4A80-BA4F-1CEE0FB031FF}"/>
               </a:ext>
             </a:extLst>
           </p:cNvPr>
@@ -1123,7 +1124,7 @@
           <p:cNvPr id="4" name="Date Placeholder 3">
             <a:extLst>
               <a:ext uri="{FF2B5EF4-FFF2-40B4-BE49-F238E27FC236}">
-                <a16:creationId xmlns="" xmlns:a16="http://schemas.microsoft.com/office/drawing/2014/main" id="{EBBB9FA0-B406-4D29-BFDB-6D80DCA93D0D}"/>
+                <a16:creationId xmlns:a16="http://schemas.microsoft.com/office/drawing/2014/main" xmlns="" id="{EBBB9FA0-B406-4D29-BFDB-6D80DCA93D0D}"/>
               </a:ext>
             </a:extLst>
           </p:cNvPr>
@@ -1152,7 +1153,7 @@
           <p:cNvPr id="5" name="Footer Placeholder 4">
             <a:extLst>
               <a:ext uri="{FF2B5EF4-FFF2-40B4-BE49-F238E27FC236}">
-                <a16:creationId xmlns="" xmlns:a16="http://schemas.microsoft.com/office/drawing/2014/main" id="{94C2F107-536B-48EF-A902-E3740B0D15F9}"/>
+                <a16:creationId xmlns:a16="http://schemas.microsoft.com/office/drawing/2014/main" xmlns="" id="{94C2F107-536B-48EF-A902-E3740B0D15F9}"/>
               </a:ext>
             </a:extLst>
           </p:cNvPr>
@@ -1177,7 +1178,7 @@
           <p:cNvPr id="6" name="Slide Number Placeholder 5">
             <a:extLst>
               <a:ext uri="{FF2B5EF4-FFF2-40B4-BE49-F238E27FC236}">
-                <a16:creationId xmlns="" xmlns:a16="http://schemas.microsoft.com/office/drawing/2014/main" id="{4B64C42D-A155-4A59-B095-5EE910FB8135}"/>
+                <a16:creationId xmlns:a16="http://schemas.microsoft.com/office/drawing/2014/main" xmlns="" id="{4B64C42D-A155-4A59-B095-5EE910FB8135}"/>
               </a:ext>
             </a:extLst>
           </p:cNvPr>
@@ -1236,7 +1237,7 @@
           <p:cNvPr id="2" name="Title 1">
             <a:extLst>
               <a:ext uri="{FF2B5EF4-FFF2-40B4-BE49-F238E27FC236}">
-                <a16:creationId xmlns="" xmlns:a16="http://schemas.microsoft.com/office/drawing/2014/main" id="{99FDA5D7-67FD-460A-8A57-43364D5F6E46}"/>
+                <a16:creationId xmlns:a16="http://schemas.microsoft.com/office/drawing/2014/main" xmlns="" id="{99FDA5D7-67FD-460A-8A57-43364D5F6E46}"/>
               </a:ext>
             </a:extLst>
           </p:cNvPr>
@@ -1264,7 +1265,7 @@
           <p:cNvPr id="3" name="Content Placeholder 2">
             <a:extLst>
               <a:ext uri="{FF2B5EF4-FFF2-40B4-BE49-F238E27FC236}">
-                <a16:creationId xmlns="" xmlns:a16="http://schemas.microsoft.com/office/drawing/2014/main" id="{439AB8D1-8F61-4A3F-B166-3F97343B7756}"/>
+                <a16:creationId xmlns:a16="http://schemas.microsoft.com/office/drawing/2014/main" xmlns="" id="{439AB8D1-8F61-4A3F-B166-3F97343B7756}"/>
               </a:ext>
             </a:extLst>
           </p:cNvPr>
@@ -1326,7 +1327,7 @@
           <p:cNvPr id="4" name="Content Placeholder 3">
             <a:extLst>
               <a:ext uri="{FF2B5EF4-FFF2-40B4-BE49-F238E27FC236}">
-                <a16:creationId xmlns="" xmlns:a16="http://schemas.microsoft.com/office/drawing/2014/main" id="{5D1E51D0-2B9C-49AD-B9F4-9ED7F10CE454}"/>
+                <a16:creationId xmlns:a16="http://schemas.microsoft.com/office/drawing/2014/main" xmlns="" id="{5D1E51D0-2B9C-49AD-B9F4-9ED7F10CE454}"/>
               </a:ext>
             </a:extLst>
           </p:cNvPr>
@@ -1388,7 +1389,7 @@
           <p:cNvPr id="5" name="Date Placeholder 4">
             <a:extLst>
               <a:ext uri="{FF2B5EF4-FFF2-40B4-BE49-F238E27FC236}">
-                <a16:creationId xmlns="" xmlns:a16="http://schemas.microsoft.com/office/drawing/2014/main" id="{FDEADB71-115E-456E-98EA-B3659F37D850}"/>
+                <a16:creationId xmlns:a16="http://schemas.microsoft.com/office/drawing/2014/main" xmlns="" id="{FDEADB71-115E-456E-98EA-B3659F37D850}"/>
               </a:ext>
             </a:extLst>
           </p:cNvPr>
@@ -1417,7 +1418,7 @@
           <p:cNvPr id="6" name="Footer Placeholder 5">
             <a:extLst>
               <a:ext uri="{FF2B5EF4-FFF2-40B4-BE49-F238E27FC236}">
-                <a16:creationId xmlns="" xmlns:a16="http://schemas.microsoft.com/office/drawing/2014/main" id="{20564D3D-161D-487D-97E3-7C9E2CC251C8}"/>
+                <a16:creationId xmlns:a16="http://schemas.microsoft.com/office/drawing/2014/main" xmlns="" id="{20564D3D-161D-487D-97E3-7C9E2CC251C8}"/>
               </a:ext>
             </a:extLst>
           </p:cNvPr>
@@ -1442,7 +1443,7 @@
           <p:cNvPr id="7" name="Slide Number Placeholder 6">
             <a:extLst>
               <a:ext uri="{FF2B5EF4-FFF2-40B4-BE49-F238E27FC236}">
-                <a16:creationId xmlns="" xmlns:a16="http://schemas.microsoft.com/office/drawing/2014/main" id="{DA471690-E334-4445-A2DA-F8825568635B}"/>
+                <a16:creationId xmlns:a16="http://schemas.microsoft.com/office/drawing/2014/main" xmlns="" id="{DA471690-E334-4445-A2DA-F8825568635B}"/>
               </a:ext>
             </a:extLst>
           </p:cNvPr>
@@ -1501,7 +1502,7 @@
           <p:cNvPr id="2" name="Title 1">
             <a:extLst>
               <a:ext uri="{FF2B5EF4-FFF2-40B4-BE49-F238E27FC236}">
-                <a16:creationId xmlns="" xmlns:a16="http://schemas.microsoft.com/office/drawing/2014/main" id="{94767DE3-0CC5-400F-B17E-E92617118AC2}"/>
+                <a16:creationId xmlns:a16="http://schemas.microsoft.com/office/drawing/2014/main" xmlns="" id="{94767DE3-0CC5-400F-B17E-E92617118AC2}"/>
               </a:ext>
             </a:extLst>
           </p:cNvPr>
@@ -1534,7 +1535,7 @@
           <p:cNvPr id="3" name="Text Placeholder 2">
             <a:extLst>
               <a:ext uri="{FF2B5EF4-FFF2-40B4-BE49-F238E27FC236}">
-                <a16:creationId xmlns="" xmlns:a16="http://schemas.microsoft.com/office/drawing/2014/main" id="{C71BA53F-1C2B-42F6-B092-2A7D34CED22A}"/>
+                <a16:creationId xmlns:a16="http://schemas.microsoft.com/office/drawing/2014/main" xmlns="" id="{C71BA53F-1C2B-42F6-B092-2A7D34CED22A}"/>
               </a:ext>
             </a:extLst>
           </p:cNvPr>
@@ -1605,7 +1606,7 @@
           <p:cNvPr id="4" name="Content Placeholder 3">
             <a:extLst>
               <a:ext uri="{FF2B5EF4-FFF2-40B4-BE49-F238E27FC236}">
-                <a16:creationId xmlns="" xmlns:a16="http://schemas.microsoft.com/office/drawing/2014/main" id="{A4C0A16A-23EE-4CF6-A298-CC0E35BC951B}"/>
+                <a16:creationId xmlns:a16="http://schemas.microsoft.com/office/drawing/2014/main" xmlns="" id="{A4C0A16A-23EE-4CF6-A298-CC0E35BC951B}"/>
               </a:ext>
             </a:extLst>
           </p:cNvPr>
@@ -1667,7 +1668,7 @@
           <p:cNvPr id="5" name="Text Placeholder 4">
             <a:extLst>
               <a:ext uri="{FF2B5EF4-FFF2-40B4-BE49-F238E27FC236}">
-                <a16:creationId xmlns="" xmlns:a16="http://schemas.microsoft.com/office/drawing/2014/main" id="{33EC1AE1-5E17-421B-BE88-ABE0D1FEBA4F}"/>
+                <a16:creationId xmlns:a16="http://schemas.microsoft.com/office/drawing/2014/main" xmlns="" id="{33EC1AE1-5E17-421B-BE88-ABE0D1FEBA4F}"/>
               </a:ext>
             </a:extLst>
           </p:cNvPr>
@@ -1738,7 +1739,7 @@
           <p:cNvPr id="6" name="Content Placeholder 5">
             <a:extLst>
               <a:ext uri="{FF2B5EF4-FFF2-40B4-BE49-F238E27FC236}">
-                <a16:creationId xmlns="" xmlns:a16="http://schemas.microsoft.com/office/drawing/2014/main" id="{FB12624D-6818-4374-AB7F-7A59EAD0CD55}"/>
+                <a16:creationId xmlns:a16="http://schemas.microsoft.com/office/drawing/2014/main" xmlns="" id="{FB12624D-6818-4374-AB7F-7A59EAD0CD55}"/>
               </a:ext>
             </a:extLst>
           </p:cNvPr>
@@ -1800,7 +1801,7 @@
           <p:cNvPr id="7" name="Date Placeholder 6">
             <a:extLst>
               <a:ext uri="{FF2B5EF4-FFF2-40B4-BE49-F238E27FC236}">
-                <a16:creationId xmlns="" xmlns:a16="http://schemas.microsoft.com/office/drawing/2014/main" id="{ACC31182-4B3E-4F66-951C-B4CF7A1F0DDB}"/>
+                <a16:creationId xmlns:a16="http://schemas.microsoft.com/office/drawing/2014/main" xmlns="" id="{ACC31182-4B3E-4F66-951C-B4CF7A1F0DDB}"/>
               </a:ext>
             </a:extLst>
           </p:cNvPr>
@@ -1829,7 +1830,7 @@
           <p:cNvPr id="8" name="Footer Placeholder 7">
             <a:extLst>
               <a:ext uri="{FF2B5EF4-FFF2-40B4-BE49-F238E27FC236}">
-                <a16:creationId xmlns="" xmlns:a16="http://schemas.microsoft.com/office/drawing/2014/main" id="{6E3B37BA-D506-4375-B27F-E9DC16381F0A}"/>
+                <a16:creationId xmlns:a16="http://schemas.microsoft.com/office/drawing/2014/main" xmlns="" id="{6E3B37BA-D506-4375-B27F-E9DC16381F0A}"/>
               </a:ext>
             </a:extLst>
           </p:cNvPr>
@@ -1854,7 +1855,7 @@
           <p:cNvPr id="9" name="Slide Number Placeholder 8">
             <a:extLst>
               <a:ext uri="{FF2B5EF4-FFF2-40B4-BE49-F238E27FC236}">
-                <a16:creationId xmlns="" xmlns:a16="http://schemas.microsoft.com/office/drawing/2014/main" id="{19EF62F1-A482-49FF-859A-0F73995A76E0}"/>
+                <a16:creationId xmlns:a16="http://schemas.microsoft.com/office/drawing/2014/main" xmlns="" id="{19EF62F1-A482-49FF-859A-0F73995A76E0}"/>
               </a:ext>
             </a:extLst>
           </p:cNvPr>
@@ -1913,7 +1914,7 @@
           <p:cNvPr id="2" name="Title 1">
             <a:extLst>
               <a:ext uri="{FF2B5EF4-FFF2-40B4-BE49-F238E27FC236}">
-                <a16:creationId xmlns="" xmlns:a16="http://schemas.microsoft.com/office/drawing/2014/main" id="{2D85678A-24E6-47B7-A63E-B895C4AB38BD}"/>
+                <a16:creationId xmlns:a16="http://schemas.microsoft.com/office/drawing/2014/main" xmlns="" id="{2D85678A-24E6-47B7-A63E-B895C4AB38BD}"/>
               </a:ext>
             </a:extLst>
           </p:cNvPr>
@@ -1941,7 +1942,7 @@
           <p:cNvPr id="3" name="Date Placeholder 2">
             <a:extLst>
               <a:ext uri="{FF2B5EF4-FFF2-40B4-BE49-F238E27FC236}">
-                <a16:creationId xmlns="" xmlns:a16="http://schemas.microsoft.com/office/drawing/2014/main" id="{0ABFE8D5-4F73-43A7-A9B9-1B83CB87BDA9}"/>
+                <a16:creationId xmlns:a16="http://schemas.microsoft.com/office/drawing/2014/main" xmlns="" id="{0ABFE8D5-4F73-43A7-A9B9-1B83CB87BDA9}"/>
               </a:ext>
             </a:extLst>
           </p:cNvPr>
@@ -1970,7 +1971,7 @@
           <p:cNvPr id="4" name="Footer Placeholder 3">
             <a:extLst>
               <a:ext uri="{FF2B5EF4-FFF2-40B4-BE49-F238E27FC236}">
-                <a16:creationId xmlns="" xmlns:a16="http://schemas.microsoft.com/office/drawing/2014/main" id="{9CB74D6A-2748-45E4-9384-9684AB5F1AA9}"/>
+                <a16:creationId xmlns:a16="http://schemas.microsoft.com/office/drawing/2014/main" xmlns="" id="{9CB74D6A-2748-45E4-9384-9684AB5F1AA9}"/>
               </a:ext>
             </a:extLst>
           </p:cNvPr>
@@ -1995,7 +1996,7 @@
           <p:cNvPr id="5" name="Slide Number Placeholder 4">
             <a:extLst>
               <a:ext uri="{FF2B5EF4-FFF2-40B4-BE49-F238E27FC236}">
-                <a16:creationId xmlns="" xmlns:a16="http://schemas.microsoft.com/office/drawing/2014/main" id="{23CAD960-3048-4B5F-B67E-05F4964A6DA4}"/>
+                <a16:creationId xmlns:a16="http://schemas.microsoft.com/office/drawing/2014/main" xmlns="" id="{23CAD960-3048-4B5F-B67E-05F4964A6DA4}"/>
               </a:ext>
             </a:extLst>
           </p:cNvPr>
@@ -2054,7 +2055,7 @@
           <p:cNvPr id="2" name="Date Placeholder 1">
             <a:extLst>
               <a:ext uri="{FF2B5EF4-FFF2-40B4-BE49-F238E27FC236}">
-                <a16:creationId xmlns="" xmlns:a16="http://schemas.microsoft.com/office/drawing/2014/main" id="{406EACCD-EA78-481F-8566-FE693C3FEEAA}"/>
+                <a16:creationId xmlns:a16="http://schemas.microsoft.com/office/drawing/2014/main" xmlns="" id="{406EACCD-EA78-481F-8566-FE693C3FEEAA}"/>
               </a:ext>
             </a:extLst>
           </p:cNvPr>
@@ -2083,7 +2084,7 @@
           <p:cNvPr id="3" name="Footer Placeholder 2">
             <a:extLst>
               <a:ext uri="{FF2B5EF4-FFF2-40B4-BE49-F238E27FC236}">
-                <a16:creationId xmlns="" xmlns:a16="http://schemas.microsoft.com/office/drawing/2014/main" id="{B382D7E7-0C99-4D37-92BE-E04C9DEBE1A6}"/>
+                <a16:creationId xmlns:a16="http://schemas.microsoft.com/office/drawing/2014/main" xmlns="" id="{B382D7E7-0C99-4D37-92BE-E04C9DEBE1A6}"/>
               </a:ext>
             </a:extLst>
           </p:cNvPr>
@@ -2108,7 +2109,7 @@
           <p:cNvPr id="4" name="Slide Number Placeholder 3">
             <a:extLst>
               <a:ext uri="{FF2B5EF4-FFF2-40B4-BE49-F238E27FC236}">
-                <a16:creationId xmlns="" xmlns:a16="http://schemas.microsoft.com/office/drawing/2014/main" id="{A96057AD-43EA-4987-8BAD-75C41F1C8BC8}"/>
+                <a16:creationId xmlns:a16="http://schemas.microsoft.com/office/drawing/2014/main" xmlns="" id="{A96057AD-43EA-4987-8BAD-75C41F1C8BC8}"/>
               </a:ext>
             </a:extLst>
           </p:cNvPr>
@@ -2167,7 +2168,7 @@
           <p:cNvPr id="2" name="Title 1">
             <a:extLst>
               <a:ext uri="{FF2B5EF4-FFF2-40B4-BE49-F238E27FC236}">
-                <a16:creationId xmlns="" xmlns:a16="http://schemas.microsoft.com/office/drawing/2014/main" id="{124C10BC-B6B3-4C9C-9439-F7F125671008}"/>
+                <a16:creationId xmlns:a16="http://schemas.microsoft.com/office/drawing/2014/main" xmlns="" id="{124C10BC-B6B3-4C9C-9439-F7F125671008}"/>
               </a:ext>
             </a:extLst>
           </p:cNvPr>
@@ -2204,7 +2205,7 @@
           <p:cNvPr id="3" name="Content Placeholder 2">
             <a:extLst>
               <a:ext uri="{FF2B5EF4-FFF2-40B4-BE49-F238E27FC236}">
-                <a16:creationId xmlns="" xmlns:a16="http://schemas.microsoft.com/office/drawing/2014/main" id="{33ADEC09-9701-46DC-A0E2-2ECAD9AAFA4C}"/>
+                <a16:creationId xmlns:a16="http://schemas.microsoft.com/office/drawing/2014/main" xmlns="" id="{33ADEC09-9701-46DC-A0E2-2ECAD9AAFA4C}"/>
               </a:ext>
             </a:extLst>
           </p:cNvPr>
@@ -2294,7 +2295,7 @@
           <p:cNvPr id="4" name="Text Placeholder 3">
             <a:extLst>
               <a:ext uri="{FF2B5EF4-FFF2-40B4-BE49-F238E27FC236}">
-                <a16:creationId xmlns="" xmlns:a16="http://schemas.microsoft.com/office/drawing/2014/main" id="{B0B43466-72BE-4EBC-8944-DD172F4A012A}"/>
+                <a16:creationId xmlns:a16="http://schemas.microsoft.com/office/drawing/2014/main" xmlns="" id="{B0B43466-72BE-4EBC-8944-DD172F4A012A}"/>
               </a:ext>
             </a:extLst>
           </p:cNvPr>
@@ -2365,7 +2366,7 @@
           <p:cNvPr id="5" name="Date Placeholder 4">
             <a:extLst>
               <a:ext uri="{FF2B5EF4-FFF2-40B4-BE49-F238E27FC236}">
-                <a16:creationId xmlns="" xmlns:a16="http://schemas.microsoft.com/office/drawing/2014/main" id="{433E491D-05CD-47EC-A845-E38292A59C40}"/>
+                <a16:creationId xmlns:a16="http://schemas.microsoft.com/office/drawing/2014/main" xmlns="" id="{433E491D-05CD-47EC-A845-E38292A59C40}"/>
               </a:ext>
             </a:extLst>
           </p:cNvPr>
@@ -2394,7 +2395,7 @@
           <p:cNvPr id="6" name="Footer Placeholder 5">
             <a:extLst>
               <a:ext uri="{FF2B5EF4-FFF2-40B4-BE49-F238E27FC236}">
-                <a16:creationId xmlns="" xmlns:a16="http://schemas.microsoft.com/office/drawing/2014/main" id="{32140569-1510-4797-B638-4BF9C89766C5}"/>
+                <a16:creationId xmlns:a16="http://schemas.microsoft.com/office/drawing/2014/main" xmlns="" id="{32140569-1510-4797-B638-4BF9C89766C5}"/>
               </a:ext>
             </a:extLst>
           </p:cNvPr>
@@ -2419,7 +2420,7 @@
           <p:cNvPr id="7" name="Slide Number Placeholder 6">
             <a:extLst>
               <a:ext uri="{FF2B5EF4-FFF2-40B4-BE49-F238E27FC236}">
-                <a16:creationId xmlns="" xmlns:a16="http://schemas.microsoft.com/office/drawing/2014/main" id="{99325643-782F-42B3-A827-09159AA16DF3}"/>
+                <a16:creationId xmlns:a16="http://schemas.microsoft.com/office/drawing/2014/main" xmlns="" id="{99325643-782F-42B3-A827-09159AA16DF3}"/>
               </a:ext>
             </a:extLst>
           </p:cNvPr>
@@ -2478,7 +2479,7 @@
           <p:cNvPr id="2" name="Title 1">
             <a:extLst>
               <a:ext uri="{FF2B5EF4-FFF2-40B4-BE49-F238E27FC236}">
-                <a16:creationId xmlns="" xmlns:a16="http://schemas.microsoft.com/office/drawing/2014/main" id="{B40E5F7C-A545-439E-9B36-F4FDFD783D1C}"/>
+                <a16:creationId xmlns:a16="http://schemas.microsoft.com/office/drawing/2014/main" xmlns="" id="{B40E5F7C-A545-439E-9B36-F4FDFD783D1C}"/>
               </a:ext>
             </a:extLst>
           </p:cNvPr>
@@ -2515,7 +2516,7 @@
           <p:cNvPr id="3" name="Picture Placeholder 2">
             <a:extLst>
               <a:ext uri="{FF2B5EF4-FFF2-40B4-BE49-F238E27FC236}">
-                <a16:creationId xmlns="" xmlns:a16="http://schemas.microsoft.com/office/drawing/2014/main" id="{FCBB80A8-F5FA-4961-87BF-0BF1624F21AA}"/>
+                <a16:creationId xmlns:a16="http://schemas.microsoft.com/office/drawing/2014/main" xmlns="" id="{FCBB80A8-F5FA-4961-87BF-0BF1624F21AA}"/>
               </a:ext>
             </a:extLst>
           </p:cNvPr>
@@ -2582,7 +2583,7 @@
           <p:cNvPr id="4" name="Text Placeholder 3">
             <a:extLst>
               <a:ext uri="{FF2B5EF4-FFF2-40B4-BE49-F238E27FC236}">
-                <a16:creationId xmlns="" xmlns:a16="http://schemas.microsoft.com/office/drawing/2014/main" id="{42654D5F-3323-4227-AB46-EFAC6B60C8B8}"/>
+                <a16:creationId xmlns:a16="http://schemas.microsoft.com/office/drawing/2014/main" xmlns="" id="{42654D5F-3323-4227-AB46-EFAC6B60C8B8}"/>
               </a:ext>
             </a:extLst>
           </p:cNvPr>
@@ -2653,7 +2654,7 @@
           <p:cNvPr id="5" name="Date Placeholder 4">
             <a:extLst>
               <a:ext uri="{FF2B5EF4-FFF2-40B4-BE49-F238E27FC236}">
-                <a16:creationId xmlns="" xmlns:a16="http://schemas.microsoft.com/office/drawing/2014/main" id="{0CDDEE6B-B8F4-466E-A082-ED18723FD0D6}"/>
+                <a16:creationId xmlns:a16="http://schemas.microsoft.com/office/drawing/2014/main" xmlns="" id="{0CDDEE6B-B8F4-466E-A082-ED18723FD0D6}"/>
               </a:ext>
             </a:extLst>
           </p:cNvPr>
@@ -2682,7 +2683,7 @@
           <p:cNvPr id="6" name="Footer Placeholder 5">
             <a:extLst>
               <a:ext uri="{FF2B5EF4-FFF2-40B4-BE49-F238E27FC236}">
-                <a16:creationId xmlns="" xmlns:a16="http://schemas.microsoft.com/office/drawing/2014/main" id="{FB46451A-DBE3-4C59-80B4-A74B96D3486A}"/>
+                <a16:creationId xmlns:a16="http://schemas.microsoft.com/office/drawing/2014/main" xmlns="" id="{FB46451A-DBE3-4C59-80B4-A74B96D3486A}"/>
               </a:ext>
             </a:extLst>
           </p:cNvPr>
@@ -2707,7 +2708,7 @@
           <p:cNvPr id="7" name="Slide Number Placeholder 6">
             <a:extLst>
               <a:ext uri="{FF2B5EF4-FFF2-40B4-BE49-F238E27FC236}">
-                <a16:creationId xmlns="" xmlns:a16="http://schemas.microsoft.com/office/drawing/2014/main" id="{8200B495-86AB-45FD-82F1-D15CBF4678F0}"/>
+                <a16:creationId xmlns:a16="http://schemas.microsoft.com/office/drawing/2014/main" xmlns="" id="{8200B495-86AB-45FD-82F1-D15CBF4678F0}"/>
               </a:ext>
             </a:extLst>
           </p:cNvPr>
@@ -2771,7 +2772,7 @@
           <p:cNvPr id="2" name="Title Placeholder 1">
             <a:extLst>
               <a:ext uri="{FF2B5EF4-FFF2-40B4-BE49-F238E27FC236}">
-                <a16:creationId xmlns="" xmlns:a16="http://schemas.microsoft.com/office/drawing/2014/main" id="{1826DFCA-CD5F-4356-AEE7-BFEB40F906A8}"/>
+                <a16:creationId xmlns:a16="http://schemas.microsoft.com/office/drawing/2014/main" xmlns="" id="{1826DFCA-CD5F-4356-AEE7-BFEB40F906A8}"/>
               </a:ext>
             </a:extLst>
           </p:cNvPr>
@@ -2809,7 +2810,7 @@
           <p:cNvPr id="3" name="Text Placeholder 2">
             <a:extLst>
               <a:ext uri="{FF2B5EF4-FFF2-40B4-BE49-F238E27FC236}">
-                <a16:creationId xmlns="" xmlns:a16="http://schemas.microsoft.com/office/drawing/2014/main" id="{D89C8D00-B45F-4577-AD44-B4F35CC37666}"/>
+                <a16:creationId xmlns:a16="http://schemas.microsoft.com/office/drawing/2014/main" xmlns="" id="{D89C8D00-B45F-4577-AD44-B4F35CC37666}"/>
               </a:ext>
             </a:extLst>
           </p:cNvPr>
@@ -2876,7 +2877,7 @@
           <p:cNvPr id="4" name="Date Placeholder 3">
             <a:extLst>
               <a:ext uri="{FF2B5EF4-FFF2-40B4-BE49-F238E27FC236}">
-                <a16:creationId xmlns="" xmlns:a16="http://schemas.microsoft.com/office/drawing/2014/main" id="{38127206-50BA-47F2-B24C-F832FA6E9AA3}"/>
+                <a16:creationId xmlns:a16="http://schemas.microsoft.com/office/drawing/2014/main" xmlns="" id="{38127206-50BA-47F2-B24C-F832FA6E9AA3}"/>
               </a:ext>
             </a:extLst>
           </p:cNvPr>
@@ -2923,7 +2924,7 @@
           <p:cNvPr id="5" name="Footer Placeholder 4">
             <a:extLst>
               <a:ext uri="{FF2B5EF4-FFF2-40B4-BE49-F238E27FC236}">
-                <a16:creationId xmlns="" xmlns:a16="http://schemas.microsoft.com/office/drawing/2014/main" id="{F06CFD3C-EA2E-4605-8614-AE329B5CDB5A}"/>
+                <a16:creationId xmlns:a16="http://schemas.microsoft.com/office/drawing/2014/main" xmlns="" id="{F06CFD3C-EA2E-4605-8614-AE329B5CDB5A}"/>
               </a:ext>
             </a:extLst>
           </p:cNvPr>
@@ -2966,7 +2967,7 @@
           <p:cNvPr id="6" name="Slide Number Placeholder 5">
             <a:extLst>
               <a:ext uri="{FF2B5EF4-FFF2-40B4-BE49-F238E27FC236}">
-                <a16:creationId xmlns="" xmlns:a16="http://schemas.microsoft.com/office/drawing/2014/main" id="{577BEC63-57C8-4BD1-B7ED-FAFF424D1B2B}"/>
+                <a16:creationId xmlns:a16="http://schemas.microsoft.com/office/drawing/2014/main" xmlns="" id="{577BEC63-57C8-4BD1-B7ED-FAFF424D1B2B}"/>
               </a:ext>
             </a:extLst>
           </p:cNvPr>
@@ -3334,7 +3335,7 @@
           <p:cNvPr id="62" name="Picture 61">
             <a:extLst>
               <a:ext uri="{FF2B5EF4-FFF2-40B4-BE49-F238E27FC236}">
-                <a16:creationId xmlns="" xmlns:a16="http://schemas.microsoft.com/office/drawing/2014/main" id="{D2E72F8C-A859-4493-BF15-8898F1A5072B}"/>
+                <a16:creationId xmlns:a16="http://schemas.microsoft.com/office/drawing/2014/main" xmlns="" id="{D2E72F8C-A859-4493-BF15-8898F1A5072B}"/>
               </a:ext>
             </a:extLst>
           </p:cNvPr>
@@ -3375,7 +3376,7 @@
           <p:cNvPr id="67" name="Picture 66">
             <a:extLst>
               <a:ext uri="{FF2B5EF4-FFF2-40B4-BE49-F238E27FC236}">
-                <a16:creationId xmlns="" xmlns:a16="http://schemas.microsoft.com/office/drawing/2014/main" id="{A0BAAACF-90B9-4F65-A8C2-35389D58507A}"/>
+                <a16:creationId xmlns:a16="http://schemas.microsoft.com/office/drawing/2014/main" xmlns="" id="{A0BAAACF-90B9-4F65-A8C2-35389D58507A}"/>
               </a:ext>
             </a:extLst>
           </p:cNvPr>
@@ -3415,7 +3416,7 @@
           <p:cNvPr id="28" name="Arc 27">
             <a:extLst>
               <a:ext uri="{FF2B5EF4-FFF2-40B4-BE49-F238E27FC236}">
-                <a16:creationId xmlns="" xmlns:a16="http://schemas.microsoft.com/office/drawing/2014/main" id="{76BAD0FA-1C61-41E2-9018-6DAF3A4B90FD}"/>
+                <a16:creationId xmlns:a16="http://schemas.microsoft.com/office/drawing/2014/main" xmlns="" id="{76BAD0FA-1C61-41E2-9018-6DAF3A4B90FD}"/>
               </a:ext>
             </a:extLst>
           </p:cNvPr>
@@ -3466,7 +3467,7 @@
           <p:cNvPr id="29" name="Arc 28">
             <a:extLst>
               <a:ext uri="{FF2B5EF4-FFF2-40B4-BE49-F238E27FC236}">
-                <a16:creationId xmlns="" xmlns:a16="http://schemas.microsoft.com/office/drawing/2014/main" id="{8AB45756-CABE-4912-B892-69EF28451E7B}"/>
+                <a16:creationId xmlns:a16="http://schemas.microsoft.com/office/drawing/2014/main" xmlns="" id="{8AB45756-CABE-4912-B892-69EF28451E7B}"/>
               </a:ext>
             </a:extLst>
           </p:cNvPr>
@@ -3519,7 +3520,7 @@
               <p:cNvPr id="38" name="TextBox 37">
                 <a:extLst>
                   <a:ext uri="{FF2B5EF4-FFF2-40B4-BE49-F238E27FC236}">
-                    <a16:creationId xmlns="" xmlns:a16="http://schemas.microsoft.com/office/drawing/2014/main" id="{A1F03BB2-B86F-426A-8EB2-964C3CDD282F}"/>
+                    <a16:creationId xmlns:a16="http://schemas.microsoft.com/office/drawing/2014/main" xmlns="" id="{A1F03BB2-B86F-426A-8EB2-964C3CDD282F}"/>
                   </a:ext>
                 </a:extLst>
               </p:cNvPr>
@@ -3652,7 +3653,7 @@
           <p:cNvPr id="41" name="Straight Connector 40">
             <a:extLst>
               <a:ext uri="{FF2B5EF4-FFF2-40B4-BE49-F238E27FC236}">
-                <a16:creationId xmlns="" xmlns:a16="http://schemas.microsoft.com/office/drawing/2014/main" id="{BBAB5C4F-71E9-4C7C-9A86-AEFBD6EF8EBD}"/>
+                <a16:creationId xmlns:a16="http://schemas.microsoft.com/office/drawing/2014/main" xmlns="" id="{BBAB5C4F-71E9-4C7C-9A86-AEFBD6EF8EBD}"/>
               </a:ext>
             </a:extLst>
           </p:cNvPr>
@@ -3695,7 +3696,7 @@
           <p:cNvPr id="45" name="TextBox 44">
             <a:extLst>
               <a:ext uri="{FF2B5EF4-FFF2-40B4-BE49-F238E27FC236}">
-                <a16:creationId xmlns="" xmlns:a16="http://schemas.microsoft.com/office/drawing/2014/main" id="{B7DFC935-30A9-404D-BFC9-6E9667EFEA05}"/>
+                <a16:creationId xmlns:a16="http://schemas.microsoft.com/office/drawing/2014/main" xmlns="" id="{B7DFC935-30A9-404D-BFC9-6E9667EFEA05}"/>
               </a:ext>
             </a:extLst>
           </p:cNvPr>
@@ -3744,7 +3745,7 @@
               <p:cNvPr id="46" name="Rectangle 45">
                 <a:extLst>
                   <a:ext uri="{FF2B5EF4-FFF2-40B4-BE49-F238E27FC236}">
-                    <a16:creationId xmlns="" xmlns:a16="http://schemas.microsoft.com/office/drawing/2014/main" id="{D47DF8BA-1503-4FE5-A519-EB27F7873E76}"/>
+                    <a16:creationId xmlns:a16="http://schemas.microsoft.com/office/drawing/2014/main" xmlns="" id="{D47DF8BA-1503-4FE5-A519-EB27F7873E76}"/>
                   </a:ext>
                 </a:extLst>
               </p:cNvPr>
@@ -3877,7 +3878,7 @@
           <p:cNvPr id="51" name="TextBox 50">
             <a:extLst>
               <a:ext uri="{FF2B5EF4-FFF2-40B4-BE49-F238E27FC236}">
-                <a16:creationId xmlns="" xmlns:a16="http://schemas.microsoft.com/office/drawing/2014/main" id="{5D216633-BBAB-4307-BC26-468F565495B4}"/>
+                <a16:creationId xmlns:a16="http://schemas.microsoft.com/office/drawing/2014/main" xmlns="" id="{5D216633-BBAB-4307-BC26-468F565495B4}"/>
               </a:ext>
             </a:extLst>
           </p:cNvPr>
@@ -3929,7 +3930,7 @@
           <p:cNvPr id="56" name="TextBox 55">
             <a:extLst>
               <a:ext uri="{FF2B5EF4-FFF2-40B4-BE49-F238E27FC236}">
-                <a16:creationId xmlns="" xmlns:a16="http://schemas.microsoft.com/office/drawing/2014/main" id="{D11D6DD0-7691-4B05-8A0F-7E86EB9F1ADB}"/>
+                <a16:creationId xmlns:a16="http://schemas.microsoft.com/office/drawing/2014/main" xmlns="" id="{D11D6DD0-7691-4B05-8A0F-7E86EB9F1ADB}"/>
               </a:ext>
             </a:extLst>
           </p:cNvPr>
@@ -3986,7 +3987,7 @@
           <p:cNvPr id="57" name="Straight Connector 56">
             <a:extLst>
               <a:ext uri="{FF2B5EF4-FFF2-40B4-BE49-F238E27FC236}">
-                <a16:creationId xmlns="" xmlns:a16="http://schemas.microsoft.com/office/drawing/2014/main" id="{4736E059-1DE1-4014-A8E0-0B897ACA7216}"/>
+                <a16:creationId xmlns:a16="http://schemas.microsoft.com/office/drawing/2014/main" xmlns="" id="{4736E059-1DE1-4014-A8E0-0B897ACA7216}"/>
               </a:ext>
             </a:extLst>
           </p:cNvPr>
@@ -4043,7 +4044,7 @@
             <p:cNvPr id="60" name="Rectangle 59">
               <a:extLst>
                 <a:ext uri="{FF2B5EF4-FFF2-40B4-BE49-F238E27FC236}">
-                  <a16:creationId xmlns="" xmlns:a16="http://schemas.microsoft.com/office/drawing/2014/main" id="{B14B09B4-3FAE-4C5E-8135-00994548693F}"/>
+                  <a16:creationId xmlns:a16="http://schemas.microsoft.com/office/drawing/2014/main" xmlns="" id="{B14B09B4-3FAE-4C5E-8135-00994548693F}"/>
                 </a:ext>
               </a:extLst>
             </p:cNvPr>
@@ -4101,7 +4102,7 @@
             <p:cNvPr id="61" name="TextBox 60">
               <a:extLst>
                 <a:ext uri="{FF2B5EF4-FFF2-40B4-BE49-F238E27FC236}">
-                  <a16:creationId xmlns="" xmlns:a16="http://schemas.microsoft.com/office/drawing/2014/main" id="{FD5CB53C-89D8-4CF0-BB5B-53B8FE14E91A}"/>
+                  <a16:creationId xmlns:a16="http://schemas.microsoft.com/office/drawing/2014/main" xmlns="" id="{FD5CB53C-89D8-4CF0-BB5B-53B8FE14E91A}"/>
                 </a:ext>
               </a:extLst>
             </p:cNvPr>
@@ -4159,7 +4160,7 @@
           <p:cNvPr id="65" name="Straight Connector 64">
             <a:extLst>
               <a:ext uri="{FF2B5EF4-FFF2-40B4-BE49-F238E27FC236}">
-                <a16:creationId xmlns="" xmlns:a16="http://schemas.microsoft.com/office/drawing/2014/main" id="{C4A5DEF7-CFD0-44DC-A04B-45380ACC9956}"/>
+                <a16:creationId xmlns:a16="http://schemas.microsoft.com/office/drawing/2014/main" xmlns="" id="{C4A5DEF7-CFD0-44DC-A04B-45380ACC9956}"/>
               </a:ext>
             </a:extLst>
           </p:cNvPr>
@@ -4216,7 +4217,7 @@
             <p:cNvPr id="6" name="Picture 5">
               <a:extLst>
                 <a:ext uri="{FF2B5EF4-FFF2-40B4-BE49-F238E27FC236}">
-                  <a16:creationId xmlns="" xmlns:a16="http://schemas.microsoft.com/office/drawing/2014/main" id="{91A56CFD-9A30-45EB-8EC5-E45CC8D2E3D1}"/>
+                  <a16:creationId xmlns:a16="http://schemas.microsoft.com/office/drawing/2014/main" xmlns="" id="{91A56CFD-9A30-45EB-8EC5-E45CC8D2E3D1}"/>
                 </a:ext>
               </a:extLst>
             </p:cNvPr>
@@ -4257,7 +4258,7 @@
             <p:cNvPr id="11" name="Straight Connector 10">
               <a:extLst>
                 <a:ext uri="{FF2B5EF4-FFF2-40B4-BE49-F238E27FC236}">
-                  <a16:creationId xmlns="" xmlns:a16="http://schemas.microsoft.com/office/drawing/2014/main" id="{B1CAC012-BA50-4637-8527-FDDD054F25E7}"/>
+                  <a16:creationId xmlns:a16="http://schemas.microsoft.com/office/drawing/2014/main" xmlns="" id="{B1CAC012-BA50-4637-8527-FDDD054F25E7}"/>
                 </a:ext>
               </a:extLst>
             </p:cNvPr>
@@ -4300,7 +4301,7 @@
             <p:cNvPr id="66" name="Straight Connector 65">
               <a:extLst>
                 <a:ext uri="{FF2B5EF4-FFF2-40B4-BE49-F238E27FC236}">
-                  <a16:creationId xmlns="" xmlns:a16="http://schemas.microsoft.com/office/drawing/2014/main" id="{07BFD9A6-A5CC-49D9-A307-F3EB36920A9A}"/>
+                  <a16:creationId xmlns:a16="http://schemas.microsoft.com/office/drawing/2014/main" xmlns="" id="{07BFD9A6-A5CC-49D9-A307-F3EB36920A9A}"/>
                 </a:ext>
               </a:extLst>
             </p:cNvPr>
@@ -4344,7 +4345,7 @@
           <p:cNvPr id="75" name="Straight Connector 74">
             <a:extLst>
               <a:ext uri="{FF2B5EF4-FFF2-40B4-BE49-F238E27FC236}">
-                <a16:creationId xmlns="" xmlns:a16="http://schemas.microsoft.com/office/drawing/2014/main" id="{6AAB7017-4F82-4309-BE06-A5C2DE1EC616}"/>
+                <a16:creationId xmlns:a16="http://schemas.microsoft.com/office/drawing/2014/main" xmlns="" id="{6AAB7017-4F82-4309-BE06-A5C2DE1EC616}"/>
               </a:ext>
             </a:extLst>
           </p:cNvPr>
@@ -4389,7 +4390,7 @@
           <p:cNvPr id="76" name="TextBox 75">
             <a:extLst>
               <a:ext uri="{FF2B5EF4-FFF2-40B4-BE49-F238E27FC236}">
-                <a16:creationId xmlns="" xmlns:a16="http://schemas.microsoft.com/office/drawing/2014/main" id="{06DC19F1-24D0-4FF7-9097-A8D20B2FBC43}"/>
+                <a16:creationId xmlns:a16="http://schemas.microsoft.com/office/drawing/2014/main" xmlns="" id="{06DC19F1-24D0-4FF7-9097-A8D20B2FBC43}"/>
               </a:ext>
             </a:extLst>
           </p:cNvPr>
@@ -4446,7 +4447,7 @@
           <p:cNvPr id="77" name="Straight Connector 76">
             <a:extLst>
               <a:ext uri="{FF2B5EF4-FFF2-40B4-BE49-F238E27FC236}">
-                <a16:creationId xmlns="" xmlns:a16="http://schemas.microsoft.com/office/drawing/2014/main" id="{9B978ACF-4D29-410C-B062-41D39AD0A0EC}"/>
+                <a16:creationId xmlns:a16="http://schemas.microsoft.com/office/drawing/2014/main" xmlns="" id="{9B978ACF-4D29-410C-B062-41D39AD0A0EC}"/>
               </a:ext>
             </a:extLst>
           </p:cNvPr>
@@ -4491,7 +4492,7 @@
           <p:cNvPr id="78" name="TextBox 77">
             <a:extLst>
               <a:ext uri="{FF2B5EF4-FFF2-40B4-BE49-F238E27FC236}">
-                <a16:creationId xmlns="" xmlns:a16="http://schemas.microsoft.com/office/drawing/2014/main" id="{F3D03427-C610-4EE7-A16D-0A3D62EE08AF}"/>
+                <a16:creationId xmlns:a16="http://schemas.microsoft.com/office/drawing/2014/main" xmlns="" id="{F3D03427-C610-4EE7-A16D-0A3D62EE08AF}"/>
               </a:ext>
             </a:extLst>
           </p:cNvPr>
@@ -4562,7 +4563,7 @@
             <p:cNvPr id="37" name="TextBox 36">
               <a:extLst>
                 <a:ext uri="{FF2B5EF4-FFF2-40B4-BE49-F238E27FC236}">
-                  <a16:creationId xmlns="" xmlns:a16="http://schemas.microsoft.com/office/drawing/2014/main" id="{4A90EEAD-A96E-4F4E-B54D-D019E8E63CF2}"/>
+                  <a16:creationId xmlns:a16="http://schemas.microsoft.com/office/drawing/2014/main" xmlns="" id="{4A90EEAD-A96E-4F4E-B54D-D019E8E63CF2}"/>
                 </a:ext>
               </a:extLst>
             </p:cNvPr>
@@ -4619,7 +4620,7 @@
             <p:cNvPr id="83" name="Straight Connector 82">
               <a:extLst>
                 <a:ext uri="{FF2B5EF4-FFF2-40B4-BE49-F238E27FC236}">
-                  <a16:creationId xmlns="" xmlns:a16="http://schemas.microsoft.com/office/drawing/2014/main" id="{1BBFB4FF-683C-47BA-8D7E-4E7CF5ECE2AC}"/>
+                  <a16:creationId xmlns:a16="http://schemas.microsoft.com/office/drawing/2014/main" xmlns="" id="{1BBFB4FF-683C-47BA-8D7E-4E7CF5ECE2AC}"/>
                 </a:ext>
               </a:extLst>
             </p:cNvPr>
@@ -4665,7 +4666,7 @@
           <p:cNvPr id="117" name="Group 116">
             <a:extLst>
               <a:ext uri="{FF2B5EF4-FFF2-40B4-BE49-F238E27FC236}">
-                <a16:creationId xmlns="" xmlns:a16="http://schemas.microsoft.com/office/drawing/2014/main" id="{084A7F12-7FDA-4A0C-8653-55C2D5E5AA6C}"/>
+                <a16:creationId xmlns:a16="http://schemas.microsoft.com/office/drawing/2014/main" xmlns="" id="{084A7F12-7FDA-4A0C-8653-55C2D5E5AA6C}"/>
               </a:ext>
             </a:extLst>
           </p:cNvPr>
@@ -4685,7 +4686,7 @@
             <p:cNvPr id="118" name="Group 117">
               <a:extLst>
                 <a:ext uri="{FF2B5EF4-FFF2-40B4-BE49-F238E27FC236}">
-                  <a16:creationId xmlns="" xmlns:a16="http://schemas.microsoft.com/office/drawing/2014/main" id="{FF407CDA-E752-44A4-BCD4-882100E97718}"/>
+                  <a16:creationId xmlns:a16="http://schemas.microsoft.com/office/drawing/2014/main" xmlns="" id="{FF407CDA-E752-44A4-BCD4-882100E97718}"/>
                 </a:ext>
               </a:extLst>
             </p:cNvPr>
@@ -4705,7 +4706,7 @@
               <p:cNvPr id="120" name="Straight Arrow Connector 119">
                 <a:extLst>
                   <a:ext uri="{FF2B5EF4-FFF2-40B4-BE49-F238E27FC236}">
-                    <a16:creationId xmlns="" xmlns:a16="http://schemas.microsoft.com/office/drawing/2014/main" id="{61EAFD42-C3BD-43F2-8AF5-46D14B4DAD85}"/>
+                    <a16:creationId xmlns:a16="http://schemas.microsoft.com/office/drawing/2014/main" xmlns="" id="{61EAFD42-C3BD-43F2-8AF5-46D14B4DAD85}"/>
                   </a:ext>
                 </a:extLst>
               </p:cNvPr>
@@ -4749,7 +4750,7 @@
               <p:cNvPr id="121" name="Straight Arrow Connector 120">
                 <a:extLst>
                   <a:ext uri="{FF2B5EF4-FFF2-40B4-BE49-F238E27FC236}">
-                    <a16:creationId xmlns="" xmlns:a16="http://schemas.microsoft.com/office/drawing/2014/main" id="{FDFADC6A-6BDF-4913-9FF3-32F18C9F0BD3}"/>
+                    <a16:creationId xmlns:a16="http://schemas.microsoft.com/office/drawing/2014/main" xmlns="" id="{FDFADC6A-6BDF-4913-9FF3-32F18C9F0BD3}"/>
                   </a:ext>
                 </a:extLst>
               </p:cNvPr>
@@ -4789,7 +4790,7 @@
             <p:cNvPr id="119" name="Oval 118">
               <a:extLst>
                 <a:ext uri="{FF2B5EF4-FFF2-40B4-BE49-F238E27FC236}">
-                  <a16:creationId xmlns="" xmlns:a16="http://schemas.microsoft.com/office/drawing/2014/main" id="{78D6D0B6-1D6F-4A9A-99CA-0908066D73C2}"/>
+                  <a16:creationId xmlns:a16="http://schemas.microsoft.com/office/drawing/2014/main" xmlns="" id="{78D6D0B6-1D6F-4A9A-99CA-0908066D73C2}"/>
                 </a:ext>
               </a:extLst>
             </p:cNvPr>
@@ -4848,7 +4849,7 @@
           <p:cNvPr id="122" name="Group 121">
             <a:extLst>
               <a:ext uri="{FF2B5EF4-FFF2-40B4-BE49-F238E27FC236}">
-                <a16:creationId xmlns="" xmlns:a16="http://schemas.microsoft.com/office/drawing/2014/main" id="{23C7F330-3C07-42B5-A513-906B5771A84C}"/>
+                <a16:creationId xmlns:a16="http://schemas.microsoft.com/office/drawing/2014/main" xmlns="" id="{23C7F330-3C07-42B5-A513-906B5771A84C}"/>
               </a:ext>
             </a:extLst>
           </p:cNvPr>
@@ -4868,7 +4869,7 @@
             <p:cNvPr id="123" name="Group 122">
               <a:extLst>
                 <a:ext uri="{FF2B5EF4-FFF2-40B4-BE49-F238E27FC236}">
-                  <a16:creationId xmlns="" xmlns:a16="http://schemas.microsoft.com/office/drawing/2014/main" id="{9E0CB15A-2B92-4EA4-A317-EBC9DF03F70F}"/>
+                  <a16:creationId xmlns:a16="http://schemas.microsoft.com/office/drawing/2014/main" xmlns="" id="{9E0CB15A-2B92-4EA4-A317-EBC9DF03F70F}"/>
                 </a:ext>
               </a:extLst>
             </p:cNvPr>
@@ -4888,7 +4889,7 @@
               <p:cNvPr id="125" name="Straight Arrow Connector 124">
                 <a:extLst>
                   <a:ext uri="{FF2B5EF4-FFF2-40B4-BE49-F238E27FC236}">
-                    <a16:creationId xmlns="" xmlns:a16="http://schemas.microsoft.com/office/drawing/2014/main" id="{C2F38CB4-1284-4157-8476-3A81E3263AD6}"/>
+                    <a16:creationId xmlns:a16="http://schemas.microsoft.com/office/drawing/2014/main" xmlns="" id="{C2F38CB4-1284-4157-8476-3A81E3263AD6}"/>
                   </a:ext>
                 </a:extLst>
               </p:cNvPr>
@@ -4932,7 +4933,7 @@
               <p:cNvPr id="126" name="Straight Arrow Connector 125">
                 <a:extLst>
                   <a:ext uri="{FF2B5EF4-FFF2-40B4-BE49-F238E27FC236}">
-                    <a16:creationId xmlns="" xmlns:a16="http://schemas.microsoft.com/office/drawing/2014/main" id="{27911CDF-76A6-4B63-9A6E-867ACE652AFE}"/>
+                    <a16:creationId xmlns:a16="http://schemas.microsoft.com/office/drawing/2014/main" xmlns="" id="{27911CDF-76A6-4B63-9A6E-867ACE652AFE}"/>
                   </a:ext>
                 </a:extLst>
               </p:cNvPr>
@@ -4972,7 +4973,7 @@
             <p:cNvPr id="124" name="Oval 123">
               <a:extLst>
                 <a:ext uri="{FF2B5EF4-FFF2-40B4-BE49-F238E27FC236}">
-                  <a16:creationId xmlns="" xmlns:a16="http://schemas.microsoft.com/office/drawing/2014/main" id="{6D8E5341-6810-405A-802A-F9F0470B1FFF}"/>
+                  <a16:creationId xmlns:a16="http://schemas.microsoft.com/office/drawing/2014/main" xmlns="" id="{6D8E5341-6810-405A-802A-F9F0470B1FFF}"/>
                 </a:ext>
               </a:extLst>
             </p:cNvPr>
@@ -5031,7 +5032,7 @@
           <p:cNvPr id="127" name="TextBox 126">
             <a:extLst>
               <a:ext uri="{FF2B5EF4-FFF2-40B4-BE49-F238E27FC236}">
-                <a16:creationId xmlns="" xmlns:a16="http://schemas.microsoft.com/office/drawing/2014/main" id="{772FC715-0EA0-4ABF-9BED-22432228F1C3}"/>
+                <a16:creationId xmlns:a16="http://schemas.microsoft.com/office/drawing/2014/main" xmlns="" id="{772FC715-0EA0-4ABF-9BED-22432228F1C3}"/>
               </a:ext>
             </a:extLst>
           </p:cNvPr>
@@ -5091,7 +5092,7 @@
               <p:cNvPr id="48" name="TextBox 47">
                 <a:extLst>
                   <a:ext uri="{FF2B5EF4-FFF2-40B4-BE49-F238E27FC236}">
-                    <a16:creationId xmlns="" xmlns:a16="http://schemas.microsoft.com/office/drawing/2014/main" id="{4C035F10-29BE-4F79-8CB1-E8058BAC588B}"/>
+                    <a16:creationId xmlns:a16="http://schemas.microsoft.com/office/drawing/2014/main" xmlns="" id="{4C035F10-29BE-4F79-8CB1-E8058BAC588B}"/>
                   </a:ext>
                 </a:extLst>
               </p:cNvPr>
@@ -5258,7 +5259,7 @@
           <p:cNvPr id="53" name="TextBox 52">
             <a:extLst>
               <a:ext uri="{FF2B5EF4-FFF2-40B4-BE49-F238E27FC236}">
-                <a16:creationId xmlns="" xmlns:a16="http://schemas.microsoft.com/office/drawing/2014/main" id="{8C2AB3D9-903A-4D8E-BC12-FB167AAE1321}"/>
+                <a16:creationId xmlns:a16="http://schemas.microsoft.com/office/drawing/2014/main" xmlns="" id="{8C2AB3D9-903A-4D8E-BC12-FB167AAE1321}"/>
               </a:ext>
             </a:extLst>
           </p:cNvPr>
@@ -5346,7 +5347,7 @@
           <p:cNvPr id="54" name="TextBox 53">
             <a:extLst>
               <a:ext uri="{FF2B5EF4-FFF2-40B4-BE49-F238E27FC236}">
-                <a16:creationId xmlns="" xmlns:a16="http://schemas.microsoft.com/office/drawing/2014/main" id="{8AE23E07-8EEF-46C7-AF21-ABED8CA312F8}"/>
+                <a16:creationId xmlns:a16="http://schemas.microsoft.com/office/drawing/2014/main" xmlns="" id="{8AE23E07-8EEF-46C7-AF21-ABED8CA312F8}"/>
               </a:ext>
             </a:extLst>
           </p:cNvPr>
@@ -5403,7 +5404,7 @@
           <p:cNvPr id="58" name="Arc 57">
             <a:extLst>
               <a:ext uri="{FF2B5EF4-FFF2-40B4-BE49-F238E27FC236}">
-                <a16:creationId xmlns="" xmlns:a16="http://schemas.microsoft.com/office/drawing/2014/main" id="{86E33962-9D1F-4695-9C43-8E5F81255440}"/>
+                <a16:creationId xmlns:a16="http://schemas.microsoft.com/office/drawing/2014/main" xmlns="" id="{86E33962-9D1F-4695-9C43-8E5F81255440}"/>
               </a:ext>
             </a:extLst>
           </p:cNvPr>
@@ -5456,7 +5457,7 @@
               <p:cNvPr id="59" name="TextBox 58">
                 <a:extLst>
                   <a:ext uri="{FF2B5EF4-FFF2-40B4-BE49-F238E27FC236}">
-                    <a16:creationId xmlns="" xmlns:a16="http://schemas.microsoft.com/office/drawing/2014/main" id="{3CE6FEB6-DA90-47B8-89E2-4ECB842F7D17}"/>
+                    <a16:creationId xmlns:a16="http://schemas.microsoft.com/office/drawing/2014/main" xmlns="" id="{3CE6FEB6-DA90-47B8-89E2-4ECB842F7D17}"/>
                   </a:ext>
                 </a:extLst>
               </p:cNvPr>
@@ -5589,7 +5590,7 @@
           <p:cNvPr id="72" name="TextBox 71">
             <a:extLst>
               <a:ext uri="{FF2B5EF4-FFF2-40B4-BE49-F238E27FC236}">
-                <a16:creationId xmlns="" xmlns:a16="http://schemas.microsoft.com/office/drawing/2014/main" id="{B8114177-BAB6-42CA-9DC4-355BC5DF1508}"/>
+                <a16:creationId xmlns:a16="http://schemas.microsoft.com/office/drawing/2014/main" xmlns="" id="{B8114177-BAB6-42CA-9DC4-355BC5DF1508}"/>
               </a:ext>
             </a:extLst>
           </p:cNvPr>
@@ -5643,7 +5644,7 @@
           <p:cNvPr id="113" name="TextBox 112">
             <a:extLst>
               <a:ext uri="{FF2B5EF4-FFF2-40B4-BE49-F238E27FC236}">
-                <a16:creationId xmlns="" xmlns:a16="http://schemas.microsoft.com/office/drawing/2014/main" id="{45B7DF53-10C3-4CE8-9988-1D7244A39829}"/>
+                <a16:creationId xmlns:a16="http://schemas.microsoft.com/office/drawing/2014/main" xmlns="" id="{45B7DF53-10C3-4CE8-9988-1D7244A39829}"/>
               </a:ext>
             </a:extLst>
           </p:cNvPr>
@@ -5721,7 +5722,7 @@
           <p:cNvPr id="177" name="TextBox 176">
             <a:extLst>
               <a:ext uri="{FF2B5EF4-FFF2-40B4-BE49-F238E27FC236}">
-                <a16:creationId xmlns="" xmlns:a16="http://schemas.microsoft.com/office/drawing/2014/main" id="{15FF9C7D-54E2-4F93-8B5C-201D13FDE366}"/>
+                <a16:creationId xmlns:a16="http://schemas.microsoft.com/office/drawing/2014/main" xmlns="" id="{15FF9C7D-54E2-4F93-8B5C-201D13FDE366}"/>
               </a:ext>
             </a:extLst>
           </p:cNvPr>
@@ -5789,7 +5790,7 @@
           <p:cNvPr id="359" name="Picture 358">
             <a:extLst>
               <a:ext uri="{FF2B5EF4-FFF2-40B4-BE49-F238E27FC236}">
-                <a16:creationId xmlns="" xmlns:a16="http://schemas.microsoft.com/office/drawing/2014/main" id="{607B0D26-F936-4472-AB35-A5D55D50C90B}"/>
+                <a16:creationId xmlns:a16="http://schemas.microsoft.com/office/drawing/2014/main" xmlns="" id="{607B0D26-F936-4472-AB35-A5D55D50C90B}"/>
               </a:ext>
             </a:extLst>
           </p:cNvPr>
@@ -5838,7 +5839,7 @@
           <p:cNvPr id="360" name="TextBox 359">
             <a:extLst>
               <a:ext uri="{FF2B5EF4-FFF2-40B4-BE49-F238E27FC236}">
-                <a16:creationId xmlns="" xmlns:a16="http://schemas.microsoft.com/office/drawing/2014/main" id="{15FF9C7D-54E2-4F93-8B5C-201D13FDE366}"/>
+                <a16:creationId xmlns:a16="http://schemas.microsoft.com/office/drawing/2014/main" xmlns="" id="{15FF9C7D-54E2-4F93-8B5C-201D13FDE366}"/>
               </a:ext>
             </a:extLst>
           </p:cNvPr>
@@ -5948,7 +5949,7 @@
           <p:cNvPr id="366" name="Straight Connector 365">
             <a:extLst>
               <a:ext uri="{FF2B5EF4-FFF2-40B4-BE49-F238E27FC236}">
-                <a16:creationId xmlns="" xmlns:a16="http://schemas.microsoft.com/office/drawing/2014/main" id="{1BBFB4FF-683C-47BA-8D7E-4E7CF5ECE2AC}"/>
+                <a16:creationId xmlns:a16="http://schemas.microsoft.com/office/drawing/2014/main" xmlns="" id="{1BBFB4FF-683C-47BA-8D7E-4E7CF5ECE2AC}"/>
               </a:ext>
             </a:extLst>
           </p:cNvPr>
@@ -5993,7 +5994,7 @@
           <p:cNvPr id="103" name="Group 102">
             <a:extLst>
               <a:ext uri="{FF2B5EF4-FFF2-40B4-BE49-F238E27FC236}">
-                <a16:creationId xmlns="" xmlns:a16="http://schemas.microsoft.com/office/drawing/2014/main" id="{7B839D5F-3C04-4D00-A6B6-CC553865D07F}"/>
+                <a16:creationId xmlns:a16="http://schemas.microsoft.com/office/drawing/2014/main" xmlns="" id="{7B839D5F-3C04-4D00-A6B6-CC553865D07F}"/>
               </a:ext>
             </a:extLst>
           </p:cNvPr>
@@ -6013,7 +6014,7 @@
             <p:cNvPr id="104" name="Group 103">
               <a:extLst>
                 <a:ext uri="{FF2B5EF4-FFF2-40B4-BE49-F238E27FC236}">
-                  <a16:creationId xmlns="" xmlns:a16="http://schemas.microsoft.com/office/drawing/2014/main" id="{2E2A3188-4BEB-4805-83CF-2F39A342B198}"/>
+                  <a16:creationId xmlns:a16="http://schemas.microsoft.com/office/drawing/2014/main" xmlns="" id="{2E2A3188-4BEB-4805-83CF-2F39A342B198}"/>
                 </a:ext>
               </a:extLst>
             </p:cNvPr>
@@ -6033,7 +6034,7 @@
               <p:cNvPr id="106" name="Straight Arrow Connector 105">
                 <a:extLst>
                   <a:ext uri="{FF2B5EF4-FFF2-40B4-BE49-F238E27FC236}">
-                    <a16:creationId xmlns="" xmlns:a16="http://schemas.microsoft.com/office/drawing/2014/main" id="{9CFAB1BB-B85F-4AFC-B31E-2B7AD5C6FF7B}"/>
+                    <a16:creationId xmlns:a16="http://schemas.microsoft.com/office/drawing/2014/main" xmlns="" id="{9CFAB1BB-B85F-4AFC-B31E-2B7AD5C6FF7B}"/>
                   </a:ext>
                 </a:extLst>
               </p:cNvPr>
@@ -6077,7 +6078,7 @@
               <p:cNvPr id="107" name="Straight Arrow Connector 106">
                 <a:extLst>
                   <a:ext uri="{FF2B5EF4-FFF2-40B4-BE49-F238E27FC236}">
-                    <a16:creationId xmlns="" xmlns:a16="http://schemas.microsoft.com/office/drawing/2014/main" id="{F4F648F7-4C7B-4D0A-AC8F-D6A175FDAB12}"/>
+                    <a16:creationId xmlns:a16="http://schemas.microsoft.com/office/drawing/2014/main" xmlns="" id="{F4F648F7-4C7B-4D0A-AC8F-D6A175FDAB12}"/>
                   </a:ext>
                 </a:extLst>
               </p:cNvPr>
@@ -6117,7 +6118,7 @@
             <p:cNvPr id="105" name="Oval 104">
               <a:extLst>
                 <a:ext uri="{FF2B5EF4-FFF2-40B4-BE49-F238E27FC236}">
-                  <a16:creationId xmlns="" xmlns:a16="http://schemas.microsoft.com/office/drawing/2014/main" id="{B64D59CF-5D51-457A-AC78-E62E6E6F5D6B}"/>
+                  <a16:creationId xmlns:a16="http://schemas.microsoft.com/office/drawing/2014/main" xmlns="" id="{B64D59CF-5D51-457A-AC78-E62E6E6F5D6B}"/>
                 </a:ext>
               </a:extLst>
             </p:cNvPr>
@@ -6246,7 +6247,7 @@
                     <p:cNvPr id="489" name="Picture 488">
                       <a:extLst>
                         <a:ext uri="{FF2B5EF4-FFF2-40B4-BE49-F238E27FC236}">
-                          <a16:creationId xmlns="" xmlns:a16="http://schemas.microsoft.com/office/drawing/2014/main" id="{AEA2093F-9CA3-41BF-8512-C40F35C3FC45}"/>
+                          <a16:creationId xmlns:a16="http://schemas.microsoft.com/office/drawing/2014/main" xmlns="" id="{AEA2093F-9CA3-41BF-8512-C40F35C3FC45}"/>
                         </a:ext>
                       </a:extLst>
                     </p:cNvPr>
@@ -6308,7 +6309,7 @@
                       <p:cNvPr id="491" name="Picture 490">
                         <a:extLst>
                           <a:ext uri="{FF2B5EF4-FFF2-40B4-BE49-F238E27FC236}">
-                            <a16:creationId xmlns="" xmlns:a16="http://schemas.microsoft.com/office/drawing/2014/main" id="{87FB8ADA-5FB4-4327-8C01-171176DEF92F}"/>
+                            <a16:creationId xmlns:a16="http://schemas.microsoft.com/office/drawing/2014/main" xmlns="" id="{87FB8ADA-5FB4-4327-8C01-171176DEF92F}"/>
                           </a:ext>
                         </a:extLst>
                       </p:cNvPr>
@@ -6356,7 +6357,7 @@
                       <p:cNvPr id="492" name="Oval 491">
                         <a:extLst>
                           <a:ext uri="{FF2B5EF4-FFF2-40B4-BE49-F238E27FC236}">
-                            <a16:creationId xmlns="" xmlns:a16="http://schemas.microsoft.com/office/drawing/2014/main" id="{B85F5019-ECB1-4DC5-BB5C-9D08A61E7D7C}"/>
+                            <a16:creationId xmlns:a16="http://schemas.microsoft.com/office/drawing/2014/main" xmlns="" id="{B85F5019-ECB1-4DC5-BB5C-9D08A61E7D7C}"/>
                           </a:ext>
                         </a:extLst>
                       </p:cNvPr>
@@ -6402,7 +6403,7 @@
                       <p:cNvPr id="493" name="Picture 492">
                         <a:extLst>
                           <a:ext uri="{FF2B5EF4-FFF2-40B4-BE49-F238E27FC236}">
-                            <a16:creationId xmlns="" xmlns:a16="http://schemas.microsoft.com/office/drawing/2014/main" id="{ADAC744E-EB12-44E7-A41F-551290D4CB9E}"/>
+                            <a16:creationId xmlns:a16="http://schemas.microsoft.com/office/drawing/2014/main" xmlns="" id="{ADAC744E-EB12-44E7-A41F-551290D4CB9E}"/>
                           </a:ext>
                         </a:extLst>
                       </p:cNvPr>
@@ -6676,7 +6677,7 @@
                     <p:cNvPr id="482" name="Straight Connector 481">
                       <a:extLst>
                         <a:ext uri="{FF2B5EF4-FFF2-40B4-BE49-F238E27FC236}">
-                          <a16:creationId xmlns="" xmlns:a16="http://schemas.microsoft.com/office/drawing/2014/main" id="{C2EC29F5-36D0-4D8A-B33A-1B3A6246244F}"/>
+                          <a16:creationId xmlns:a16="http://schemas.microsoft.com/office/drawing/2014/main" xmlns="" id="{C2EC29F5-36D0-4D8A-B33A-1B3A6246244F}"/>
                         </a:ext>
                       </a:extLst>
                     </p:cNvPr>
@@ -6720,7 +6721,7 @@
                     <p:cNvPr id="483" name="Straight Connector 482">
                       <a:extLst>
                         <a:ext uri="{FF2B5EF4-FFF2-40B4-BE49-F238E27FC236}">
-                          <a16:creationId xmlns="" xmlns:a16="http://schemas.microsoft.com/office/drawing/2014/main" id="{FF42C7B5-E418-4075-8BD9-3D4206DFB84E}"/>
+                          <a16:creationId xmlns:a16="http://schemas.microsoft.com/office/drawing/2014/main" xmlns="" id="{FF42C7B5-E418-4075-8BD9-3D4206DFB84E}"/>
                         </a:ext>
                       </a:extLst>
                     </p:cNvPr>
@@ -8696,7 +8697,7 @@
           <p:cNvPr id="92" name="Group 91">
             <a:extLst>
               <a:ext uri="{FF2B5EF4-FFF2-40B4-BE49-F238E27FC236}">
-                <a16:creationId xmlns="" xmlns:a16="http://schemas.microsoft.com/office/drawing/2014/main" id="{BF5EE4B2-8E46-46C8-97D6-1F829BC24205}"/>
+                <a16:creationId xmlns:a16="http://schemas.microsoft.com/office/drawing/2014/main" xmlns="" id="{BF5EE4B2-8E46-46C8-97D6-1F829BC24205}"/>
               </a:ext>
             </a:extLst>
           </p:cNvPr>
@@ -8716,7 +8717,7 @@
             <p:cNvPr id="90" name="Group 89">
               <a:extLst>
                 <a:ext uri="{FF2B5EF4-FFF2-40B4-BE49-F238E27FC236}">
-                  <a16:creationId xmlns="" xmlns:a16="http://schemas.microsoft.com/office/drawing/2014/main" id="{6DB07911-FC5D-4BAA-BA17-13E62EDC6CBD}"/>
+                  <a16:creationId xmlns:a16="http://schemas.microsoft.com/office/drawing/2014/main" xmlns="" id="{6DB07911-FC5D-4BAA-BA17-13E62EDC6CBD}"/>
                 </a:ext>
               </a:extLst>
             </p:cNvPr>
@@ -8736,7 +8737,7 @@
               <p:cNvPr id="89" name="Straight Arrow Connector 88">
                 <a:extLst>
                   <a:ext uri="{FF2B5EF4-FFF2-40B4-BE49-F238E27FC236}">
-                    <a16:creationId xmlns="" xmlns:a16="http://schemas.microsoft.com/office/drawing/2014/main" id="{5D6CD837-4096-4967-B3DF-F6101A6F8C22}"/>
+                    <a16:creationId xmlns:a16="http://schemas.microsoft.com/office/drawing/2014/main" xmlns="" id="{5D6CD837-4096-4967-B3DF-F6101A6F8C22}"/>
                   </a:ext>
                 </a:extLst>
               </p:cNvPr>
@@ -8780,7 +8781,7 @@
               <p:cNvPr id="88" name="Straight Arrow Connector 87">
                 <a:extLst>
                   <a:ext uri="{FF2B5EF4-FFF2-40B4-BE49-F238E27FC236}">
-                    <a16:creationId xmlns="" xmlns:a16="http://schemas.microsoft.com/office/drawing/2014/main" id="{23E46AEC-75DE-4D64-9364-6FA837326C49}"/>
+                    <a16:creationId xmlns:a16="http://schemas.microsoft.com/office/drawing/2014/main" xmlns="" id="{23E46AEC-75DE-4D64-9364-6FA837326C49}"/>
                   </a:ext>
                 </a:extLst>
               </p:cNvPr>
@@ -8820,7 +8821,7 @@
             <p:cNvPr id="91" name="Oval 90">
               <a:extLst>
                 <a:ext uri="{FF2B5EF4-FFF2-40B4-BE49-F238E27FC236}">
-                  <a16:creationId xmlns="" xmlns:a16="http://schemas.microsoft.com/office/drawing/2014/main" id="{FAFA29FC-B1B9-4248-9492-9FD45B4B5503}"/>
+                  <a16:creationId xmlns:a16="http://schemas.microsoft.com/office/drawing/2014/main" xmlns="" id="{FAFA29FC-B1B9-4248-9492-9FD45B4B5503}"/>
                 </a:ext>
               </a:extLst>
             </p:cNvPr>
@@ -8879,7 +8880,7 @@
           <p:cNvPr id="494" name="Picture 493">
             <a:extLst>
               <a:ext uri="{FF2B5EF4-FFF2-40B4-BE49-F238E27FC236}">
-                <a16:creationId xmlns="" xmlns:a16="http://schemas.microsoft.com/office/drawing/2014/main" id="{CBE01474-660F-4FB5-9193-60F6F3401547}"/>
+                <a16:creationId xmlns:a16="http://schemas.microsoft.com/office/drawing/2014/main" xmlns="" id="{CBE01474-660F-4FB5-9193-60F6F3401547}"/>
               </a:ext>
             </a:extLst>
           </p:cNvPr>
@@ -8938,7 +8939,7 @@
           <p:cNvPr id="495" name="Straight Connector 494">
             <a:extLst>
               <a:ext uri="{FF2B5EF4-FFF2-40B4-BE49-F238E27FC236}">
-                <a16:creationId xmlns="" xmlns:a16="http://schemas.microsoft.com/office/drawing/2014/main" id="{BBAB5C4F-71E9-4C7C-9A86-AEFBD6EF8EBD}"/>
+                <a16:creationId xmlns:a16="http://schemas.microsoft.com/office/drawing/2014/main" xmlns="" id="{BBAB5C4F-71E9-4C7C-9A86-AEFBD6EF8EBD}"/>
               </a:ext>
             </a:extLst>
           </p:cNvPr>
@@ -8981,7 +8982,7 @@
           <p:cNvPr id="496" name="Picture 495">
             <a:extLst>
               <a:ext uri="{FF2B5EF4-FFF2-40B4-BE49-F238E27FC236}">
-                <a16:creationId xmlns="" xmlns:a16="http://schemas.microsoft.com/office/drawing/2014/main" id="{607B0D26-F936-4472-AB35-A5D55D50C90B}"/>
+                <a16:creationId xmlns:a16="http://schemas.microsoft.com/office/drawing/2014/main" xmlns="" id="{607B0D26-F936-4472-AB35-A5D55D50C90B}"/>
               </a:ext>
             </a:extLst>
           </p:cNvPr>
@@ -9060,7 +9061,7 @@
           <p:cNvPr id="5" name="TextBox 4">
             <a:extLst>
               <a:ext uri="{FF2B5EF4-FFF2-40B4-BE49-F238E27FC236}">
-                <a16:creationId xmlns="" xmlns:a16="http://schemas.microsoft.com/office/drawing/2014/main" id="{8C2AB3D9-903A-4D8E-BC12-FB167AAE1321}"/>
+                <a16:creationId xmlns:a16="http://schemas.microsoft.com/office/drawing/2014/main" xmlns="" id="{8C2AB3D9-903A-4D8E-BC12-FB167AAE1321}"/>
               </a:ext>
             </a:extLst>
           </p:cNvPr>
@@ -9148,7 +9149,7 @@
           <p:cNvPr id="7" name="Arc 6">
             <a:extLst>
               <a:ext uri="{FF2B5EF4-FFF2-40B4-BE49-F238E27FC236}">
-                <a16:creationId xmlns="" xmlns:a16="http://schemas.microsoft.com/office/drawing/2014/main" id="{86E33962-9D1F-4695-9C43-8E5F81255440}"/>
+                <a16:creationId xmlns:a16="http://schemas.microsoft.com/office/drawing/2014/main" xmlns="" id="{86E33962-9D1F-4695-9C43-8E5F81255440}"/>
               </a:ext>
             </a:extLst>
           </p:cNvPr>
@@ -9201,7 +9202,7 @@
               <p:cNvPr id="8" name="TextBox 7">
                 <a:extLst>
                   <a:ext uri="{FF2B5EF4-FFF2-40B4-BE49-F238E27FC236}">
-                    <a16:creationId xmlns="" xmlns:a16="http://schemas.microsoft.com/office/drawing/2014/main" id="{3CE6FEB6-DA90-47B8-89E2-4ECB842F7D17}"/>
+                    <a16:creationId xmlns:a16="http://schemas.microsoft.com/office/drawing/2014/main" xmlns="" id="{3CE6FEB6-DA90-47B8-89E2-4ECB842F7D17}"/>
                   </a:ext>
                 </a:extLst>
               </p:cNvPr>
@@ -9364,7 +9365,7 @@
           <p:cNvPr id="95" name="Picture 94">
             <a:extLst>
               <a:ext uri="{FF2B5EF4-FFF2-40B4-BE49-F238E27FC236}">
-                <a16:creationId xmlns="" xmlns:a16="http://schemas.microsoft.com/office/drawing/2014/main" id="{D2E72F8C-A859-4493-BF15-8898F1A5072B}"/>
+                <a16:creationId xmlns:a16="http://schemas.microsoft.com/office/drawing/2014/main" xmlns="" id="{D2E72F8C-A859-4493-BF15-8898F1A5072B}"/>
               </a:ext>
             </a:extLst>
           </p:cNvPr>
@@ -9404,7 +9405,7 @@
           <p:cNvPr id="96" name="Picture 95">
             <a:extLst>
               <a:ext uri="{FF2B5EF4-FFF2-40B4-BE49-F238E27FC236}">
-                <a16:creationId xmlns="" xmlns:a16="http://schemas.microsoft.com/office/drawing/2014/main" id="{A0BAAACF-90B9-4F65-A8C2-35389D58507A}"/>
+                <a16:creationId xmlns:a16="http://schemas.microsoft.com/office/drawing/2014/main" xmlns="" id="{A0BAAACF-90B9-4F65-A8C2-35389D58507A}"/>
               </a:ext>
             </a:extLst>
           </p:cNvPr>
@@ -9458,7 +9459,7 @@
             <p:cNvPr id="98" name="Picture 97">
               <a:extLst>
                 <a:ext uri="{FF2B5EF4-FFF2-40B4-BE49-F238E27FC236}">
-                  <a16:creationId xmlns="" xmlns:a16="http://schemas.microsoft.com/office/drawing/2014/main" id="{91A56CFD-9A30-45EB-8EC5-E45CC8D2E3D1}"/>
+                  <a16:creationId xmlns:a16="http://schemas.microsoft.com/office/drawing/2014/main" xmlns="" id="{91A56CFD-9A30-45EB-8EC5-E45CC8D2E3D1}"/>
                 </a:ext>
               </a:extLst>
             </p:cNvPr>
@@ -9498,7 +9499,7 @@
             <p:cNvPr id="99" name="Straight Connector 98">
               <a:extLst>
                 <a:ext uri="{FF2B5EF4-FFF2-40B4-BE49-F238E27FC236}">
-                  <a16:creationId xmlns="" xmlns:a16="http://schemas.microsoft.com/office/drawing/2014/main" id="{B1CAC012-BA50-4637-8527-FDDD054F25E7}"/>
+                  <a16:creationId xmlns:a16="http://schemas.microsoft.com/office/drawing/2014/main" xmlns="" id="{B1CAC012-BA50-4637-8527-FDDD054F25E7}"/>
                 </a:ext>
               </a:extLst>
             </p:cNvPr>
@@ -9539,7 +9540,7 @@
             <p:cNvPr id="100" name="Straight Connector 99">
               <a:extLst>
                 <a:ext uri="{FF2B5EF4-FFF2-40B4-BE49-F238E27FC236}">
-                  <a16:creationId xmlns="" xmlns:a16="http://schemas.microsoft.com/office/drawing/2014/main" id="{07BFD9A6-A5CC-49D9-A307-F3EB36920A9A}"/>
+                  <a16:creationId xmlns:a16="http://schemas.microsoft.com/office/drawing/2014/main" xmlns="" id="{07BFD9A6-A5CC-49D9-A307-F3EB36920A9A}"/>
                 </a:ext>
               </a:extLst>
             </p:cNvPr>
@@ -9651,7 +9652,7 @@
                     <p:cNvPr id="165" name="Picture 164">
                       <a:extLst>
                         <a:ext uri="{FF2B5EF4-FFF2-40B4-BE49-F238E27FC236}">
-                          <a16:creationId xmlns="" xmlns:a16="http://schemas.microsoft.com/office/drawing/2014/main" id="{AEA2093F-9CA3-41BF-8512-C40F35C3FC45}"/>
+                          <a16:creationId xmlns:a16="http://schemas.microsoft.com/office/drawing/2014/main" xmlns="" id="{AEA2093F-9CA3-41BF-8512-C40F35C3FC45}"/>
                         </a:ext>
                       </a:extLst>
                     </p:cNvPr>
@@ -9713,7 +9714,7 @@
                       <p:cNvPr id="168" name="Picture 167">
                         <a:extLst>
                           <a:ext uri="{FF2B5EF4-FFF2-40B4-BE49-F238E27FC236}">
-                            <a16:creationId xmlns="" xmlns:a16="http://schemas.microsoft.com/office/drawing/2014/main" id="{87FB8ADA-5FB4-4327-8C01-171176DEF92F}"/>
+                            <a16:creationId xmlns:a16="http://schemas.microsoft.com/office/drawing/2014/main" xmlns="" id="{87FB8ADA-5FB4-4327-8C01-171176DEF92F}"/>
                           </a:ext>
                         </a:extLst>
                       </p:cNvPr>
@@ -9761,7 +9762,7 @@
                       <p:cNvPr id="169" name="Oval 168">
                         <a:extLst>
                           <a:ext uri="{FF2B5EF4-FFF2-40B4-BE49-F238E27FC236}">
-                            <a16:creationId xmlns="" xmlns:a16="http://schemas.microsoft.com/office/drawing/2014/main" id="{B85F5019-ECB1-4DC5-BB5C-9D08A61E7D7C}"/>
+                            <a16:creationId xmlns:a16="http://schemas.microsoft.com/office/drawing/2014/main" xmlns="" id="{B85F5019-ECB1-4DC5-BB5C-9D08A61E7D7C}"/>
                           </a:ext>
                         </a:extLst>
                       </p:cNvPr>
@@ -9807,7 +9808,7 @@
                       <p:cNvPr id="170" name="Picture 169">
                         <a:extLst>
                           <a:ext uri="{FF2B5EF4-FFF2-40B4-BE49-F238E27FC236}">
-                            <a16:creationId xmlns="" xmlns:a16="http://schemas.microsoft.com/office/drawing/2014/main" id="{ADAC744E-EB12-44E7-A41F-551290D4CB9E}"/>
+                            <a16:creationId xmlns:a16="http://schemas.microsoft.com/office/drawing/2014/main" xmlns="" id="{ADAC744E-EB12-44E7-A41F-551290D4CB9E}"/>
                           </a:ext>
                         </a:extLst>
                       </p:cNvPr>
@@ -9856,7 +9857,7 @@
                     <p:cNvPr id="167" name="Picture 166">
                       <a:extLst>
                         <a:ext uri="{FF2B5EF4-FFF2-40B4-BE49-F238E27FC236}">
-                          <a16:creationId xmlns="" xmlns:a16="http://schemas.microsoft.com/office/drawing/2014/main" id="{CBE01474-660F-4FB5-9193-60F6F3401547}"/>
+                          <a16:creationId xmlns:a16="http://schemas.microsoft.com/office/drawing/2014/main" xmlns="" id="{CBE01474-660F-4FB5-9193-60F6F3401547}"/>
                         </a:ext>
                       </a:extLst>
                     </p:cNvPr>
@@ -10140,7 +10141,7 @@
                     <p:cNvPr id="157" name="Picture 156">
                       <a:extLst>
                         <a:ext uri="{FF2B5EF4-FFF2-40B4-BE49-F238E27FC236}">
-                          <a16:creationId xmlns="" xmlns:a16="http://schemas.microsoft.com/office/drawing/2014/main" id="{607B0D26-F936-4472-AB35-A5D55D50C90B}"/>
+                          <a16:creationId xmlns:a16="http://schemas.microsoft.com/office/drawing/2014/main" xmlns="" id="{607B0D26-F936-4472-AB35-A5D55D50C90B}"/>
                         </a:ext>
                       </a:extLst>
                     </p:cNvPr>
@@ -10189,7 +10190,7 @@
                     <p:cNvPr id="158" name="Straight Connector 157">
                       <a:extLst>
                         <a:ext uri="{FF2B5EF4-FFF2-40B4-BE49-F238E27FC236}">
-                          <a16:creationId xmlns="" xmlns:a16="http://schemas.microsoft.com/office/drawing/2014/main" id="{C2EC29F5-36D0-4D8A-B33A-1B3A6246244F}"/>
+                          <a16:creationId xmlns:a16="http://schemas.microsoft.com/office/drawing/2014/main" xmlns="" id="{C2EC29F5-36D0-4D8A-B33A-1B3A6246244F}"/>
                         </a:ext>
                       </a:extLst>
                     </p:cNvPr>
@@ -10233,7 +10234,7 @@
                     <p:cNvPr id="159" name="Straight Connector 158">
                       <a:extLst>
                         <a:ext uri="{FF2B5EF4-FFF2-40B4-BE49-F238E27FC236}">
-                          <a16:creationId xmlns="" xmlns:a16="http://schemas.microsoft.com/office/drawing/2014/main" id="{FF42C7B5-E418-4075-8BD9-3D4206DFB84E}"/>
+                          <a16:creationId xmlns:a16="http://schemas.microsoft.com/office/drawing/2014/main" xmlns="" id="{FF42C7B5-E418-4075-8BD9-3D4206DFB84E}"/>
                         </a:ext>
                       </a:extLst>
                     </p:cNvPr>
@@ -12239,7 +12240,7 @@
           <p:cNvPr id="4" name="Picture 3">
             <a:extLst>
               <a:ext uri="{FF2B5EF4-FFF2-40B4-BE49-F238E27FC236}">
-                <a16:creationId xmlns="" xmlns:a16="http://schemas.microsoft.com/office/drawing/2014/main" id="{AC488463-B633-436F-A4FD-1A1411D49C8B}"/>
+                <a16:creationId xmlns:a16="http://schemas.microsoft.com/office/drawing/2014/main" xmlns="" id="{AC488463-B633-436F-A4FD-1A1411D49C8B}"/>
               </a:ext>
             </a:extLst>
           </p:cNvPr>
@@ -12279,7 +12280,7 @@
           <p:cNvPr id="5" name="Picture 4">
             <a:extLst>
               <a:ext uri="{FF2B5EF4-FFF2-40B4-BE49-F238E27FC236}">
-                <a16:creationId xmlns="" xmlns:a16="http://schemas.microsoft.com/office/drawing/2014/main" id="{C04F3EDE-7063-480F-8FA9-12725A6DCE99}"/>
+                <a16:creationId xmlns:a16="http://schemas.microsoft.com/office/drawing/2014/main" xmlns="" id="{C04F3EDE-7063-480F-8FA9-12725A6DCE99}"/>
               </a:ext>
             </a:extLst>
           </p:cNvPr>
@@ -12319,7 +12320,7 @@
           <p:cNvPr id="6" name="Picture 5">
             <a:extLst>
               <a:ext uri="{FF2B5EF4-FFF2-40B4-BE49-F238E27FC236}">
-                <a16:creationId xmlns="" xmlns:a16="http://schemas.microsoft.com/office/drawing/2014/main" id="{E0DEC571-5F56-4015-A69B-575CF1C9A6DB}"/>
+                <a16:creationId xmlns:a16="http://schemas.microsoft.com/office/drawing/2014/main" xmlns="" id="{E0DEC571-5F56-4015-A69B-575CF1C9A6DB}"/>
               </a:ext>
             </a:extLst>
           </p:cNvPr>
@@ -12359,7 +12360,7 @@
           <p:cNvPr id="7" name="Picture 6">
             <a:extLst>
               <a:ext uri="{FF2B5EF4-FFF2-40B4-BE49-F238E27FC236}">
-                <a16:creationId xmlns="" xmlns:a16="http://schemas.microsoft.com/office/drawing/2014/main" id="{A8381934-39FF-43C4-B957-B7D2DE232124}"/>
+                <a16:creationId xmlns:a16="http://schemas.microsoft.com/office/drawing/2014/main" xmlns="" id="{A8381934-39FF-43C4-B957-B7D2DE232124}"/>
               </a:ext>
             </a:extLst>
           </p:cNvPr>
@@ -12399,7 +12400,7 @@
           <p:cNvPr id="8" name="Picture 7">
             <a:extLst>
               <a:ext uri="{FF2B5EF4-FFF2-40B4-BE49-F238E27FC236}">
-                <a16:creationId xmlns="" xmlns:a16="http://schemas.microsoft.com/office/drawing/2014/main" id="{1B49657B-459F-4BAE-B2A6-6057CB4DD8A2}"/>
+                <a16:creationId xmlns:a16="http://schemas.microsoft.com/office/drawing/2014/main" xmlns="" id="{1B49657B-459F-4BAE-B2A6-6057CB4DD8A2}"/>
               </a:ext>
             </a:extLst>
           </p:cNvPr>
@@ -12439,7 +12440,7 @@
           <p:cNvPr id="9" name="Picture 8">
             <a:extLst>
               <a:ext uri="{FF2B5EF4-FFF2-40B4-BE49-F238E27FC236}">
-                <a16:creationId xmlns="" xmlns:a16="http://schemas.microsoft.com/office/drawing/2014/main" id="{815587F6-625E-4B66-AE86-817E102896F8}"/>
+                <a16:creationId xmlns:a16="http://schemas.microsoft.com/office/drawing/2014/main" xmlns="" id="{815587F6-625E-4B66-AE86-817E102896F8}"/>
               </a:ext>
             </a:extLst>
           </p:cNvPr>
@@ -12479,7 +12480,7 @@
           <p:cNvPr id="10" name="TextBox 9">
             <a:extLst>
               <a:ext uri="{FF2B5EF4-FFF2-40B4-BE49-F238E27FC236}">
-                <a16:creationId xmlns="" xmlns:a16="http://schemas.microsoft.com/office/drawing/2014/main" id="{65E2C562-A2CA-4779-8031-A13A48EF7BC0}"/>
+                <a16:creationId xmlns:a16="http://schemas.microsoft.com/office/drawing/2014/main" xmlns="" id="{65E2C562-A2CA-4779-8031-A13A48EF7BC0}"/>
               </a:ext>
             </a:extLst>
           </p:cNvPr>
@@ -12521,7 +12522,7 @@
           <p:cNvPr id="11" name="TextBox 10">
             <a:extLst>
               <a:ext uri="{FF2B5EF4-FFF2-40B4-BE49-F238E27FC236}">
-                <a16:creationId xmlns="" xmlns:a16="http://schemas.microsoft.com/office/drawing/2014/main" id="{6298E42F-FEB3-46A0-8248-E615C0531C92}"/>
+                <a16:creationId xmlns:a16="http://schemas.microsoft.com/office/drawing/2014/main" xmlns="" id="{6298E42F-FEB3-46A0-8248-E615C0531C92}"/>
               </a:ext>
             </a:extLst>
           </p:cNvPr>
@@ -12564,7 +12565,7 @@
           <p:cNvPr id="13" name="Straight Arrow Connector 12">
             <a:extLst>
               <a:ext uri="{FF2B5EF4-FFF2-40B4-BE49-F238E27FC236}">
-                <a16:creationId xmlns="" xmlns:a16="http://schemas.microsoft.com/office/drawing/2014/main" id="{5322EB2F-1B0C-43DE-B165-26A69CFBA992}"/>
+                <a16:creationId xmlns:a16="http://schemas.microsoft.com/office/drawing/2014/main" xmlns="" id="{5322EB2F-1B0C-43DE-B165-26A69CFBA992}"/>
               </a:ext>
             </a:extLst>
           </p:cNvPr>
@@ -12607,7 +12608,7 @@
               <p:cNvPr id="16" name="TextBox 15">
                 <a:extLst>
                   <a:ext uri="{FF2B5EF4-FFF2-40B4-BE49-F238E27FC236}">
-                    <a16:creationId xmlns="" xmlns:a16="http://schemas.microsoft.com/office/drawing/2014/main" id="{A6A769C6-25C3-41B4-9151-6CFF475E3F5C}"/>
+                    <a16:creationId xmlns:a16="http://schemas.microsoft.com/office/drawing/2014/main" xmlns="" id="{A6A769C6-25C3-41B4-9151-6CFF475E3F5C}"/>
                   </a:ext>
                 </a:extLst>
               </p:cNvPr>
@@ -12703,7 +12704,7 @@
               <p:cNvPr id="17" name="TextBox 16">
                 <a:extLst>
                   <a:ext uri="{FF2B5EF4-FFF2-40B4-BE49-F238E27FC236}">
-                    <a16:creationId xmlns="" xmlns:a16="http://schemas.microsoft.com/office/drawing/2014/main" id="{86B2737E-8299-40AD-8FE7-CC051936CBAD}"/>
+                    <a16:creationId xmlns:a16="http://schemas.microsoft.com/office/drawing/2014/main" xmlns="" id="{86B2737E-8299-40AD-8FE7-CC051936CBAD}"/>
                   </a:ext>
                 </a:extLst>
               </p:cNvPr>
@@ -12797,7 +12798,7 @@
           <p:cNvPr id="19" name="Straight Connector 18">
             <a:extLst>
               <a:ext uri="{FF2B5EF4-FFF2-40B4-BE49-F238E27FC236}">
-                <a16:creationId xmlns="" xmlns:a16="http://schemas.microsoft.com/office/drawing/2014/main" id="{19C42AC8-54A9-4458-81A7-BEA7B2D4618B}"/>
+                <a16:creationId xmlns:a16="http://schemas.microsoft.com/office/drawing/2014/main" xmlns="" id="{19C42AC8-54A9-4458-81A7-BEA7B2D4618B}"/>
               </a:ext>
             </a:extLst>
           </p:cNvPr>
@@ -12832,48 +12833,6 @@
           </a:fontRef>
         </p:style>
       </p:cxnSp>
-      <p:cxnSp>
-        <p:nvCxnSpPr>
-          <p:cNvPr id="20" name="Straight Connector 19">
-            <a:extLst>
-              <a:ext uri="{FF2B5EF4-FFF2-40B4-BE49-F238E27FC236}">
-                <a16:creationId xmlns="" xmlns:a16="http://schemas.microsoft.com/office/drawing/2014/main" id="{3ABD145E-16F5-4168-B5CE-AF83C422A420}"/>
-              </a:ext>
-            </a:extLst>
-          </p:cNvPr>
-          <p:cNvCxnSpPr>
-            <a:cxnSpLocks/>
-          </p:cNvCxnSpPr>
-          <p:nvPr/>
-        </p:nvCxnSpPr>
-        <p:spPr>
-          <a:xfrm>
-            <a:off x="5428215" y="2020240"/>
-            <a:ext cx="0" cy="2487366"/>
-          </a:xfrm>
-          <a:prstGeom prst="line">
-            <a:avLst/>
-          </a:prstGeom>
-          <a:ln w="28575">
-            <a:headEnd type="diamond" w="med" len="med"/>
-            <a:tailEnd type="diamond" w="med" len="med"/>
-          </a:ln>
-        </p:spPr>
-        <p:style>
-          <a:lnRef idx="1">
-            <a:schemeClr val="accent1"/>
-          </a:lnRef>
-          <a:fillRef idx="0">
-            <a:schemeClr val="accent1"/>
-          </a:fillRef>
-          <a:effectRef idx="0">
-            <a:schemeClr val="accent1"/>
-          </a:effectRef>
-          <a:fontRef idx="minor">
-            <a:schemeClr val="tx1"/>
-          </a:fontRef>
-        </p:style>
-      </p:cxnSp>
       <mc:AlternateContent xmlns:mc="http://schemas.openxmlformats.org/markup-compatibility/2006" xmlns:a14="http://schemas.microsoft.com/office/drawing/2010/main">
         <mc:Choice Requires="a14">
           <p:sp>
@@ -12881,7 +12840,7 @@
               <p:cNvPr id="22" name="TextBox 21">
                 <a:extLst>
                   <a:ext uri="{FF2B5EF4-FFF2-40B4-BE49-F238E27FC236}">
-                    <a16:creationId xmlns="" xmlns:a16="http://schemas.microsoft.com/office/drawing/2014/main" id="{8C698ECA-415F-4CA5-9028-4FFBC43657A7}"/>
+                    <a16:creationId xmlns:a16="http://schemas.microsoft.com/office/drawing/2014/main" xmlns="" id="{8C698ECA-415F-4CA5-9028-4FFBC43657A7}"/>
                   </a:ext>
                 </a:extLst>
               </p:cNvPr>
@@ -12975,7 +12934,7 @@
           <p:cNvPr id="23" name="Straight Connector 22">
             <a:extLst>
               <a:ext uri="{FF2B5EF4-FFF2-40B4-BE49-F238E27FC236}">
-                <a16:creationId xmlns="" xmlns:a16="http://schemas.microsoft.com/office/drawing/2014/main" id="{9C4CAFA1-E034-44E8-951C-7B754AE4D637}"/>
+                <a16:creationId xmlns:a16="http://schemas.microsoft.com/office/drawing/2014/main" xmlns="" id="{9C4CAFA1-E034-44E8-951C-7B754AE4D637}"/>
               </a:ext>
             </a:extLst>
           </p:cNvPr>
@@ -13019,7 +12978,7 @@
               <p:cNvPr id="25" name="TextBox 24">
                 <a:extLst>
                   <a:ext uri="{FF2B5EF4-FFF2-40B4-BE49-F238E27FC236}">
-                    <a16:creationId xmlns="" xmlns:a16="http://schemas.microsoft.com/office/drawing/2014/main" id="{D1FBFFCC-BBC7-47AC-BC2B-098C92566A5E}"/>
+                    <a16:creationId xmlns:a16="http://schemas.microsoft.com/office/drawing/2014/main" xmlns="" id="{D1FBFFCC-BBC7-47AC-BC2B-098C92566A5E}"/>
                   </a:ext>
                 </a:extLst>
               </p:cNvPr>
@@ -13113,7 +13072,7 @@
           <p:cNvPr id="26" name="Straight Connector 25">
             <a:extLst>
               <a:ext uri="{FF2B5EF4-FFF2-40B4-BE49-F238E27FC236}">
-                <a16:creationId xmlns="" xmlns:a16="http://schemas.microsoft.com/office/drawing/2014/main" id="{DFD229B5-C121-4007-9F33-12393F370311}"/>
+                <a16:creationId xmlns:a16="http://schemas.microsoft.com/office/drawing/2014/main" xmlns="" id="{DFD229B5-C121-4007-9F33-12393F370311}"/>
               </a:ext>
             </a:extLst>
           </p:cNvPr>
@@ -13155,7 +13114,7 @@
           <p:cNvPr id="27" name="Arc 26">
             <a:extLst>
               <a:ext uri="{FF2B5EF4-FFF2-40B4-BE49-F238E27FC236}">
-                <a16:creationId xmlns="" xmlns:a16="http://schemas.microsoft.com/office/drawing/2014/main" id="{E993EDCB-AECF-4347-8318-6D17A5A9024E}"/>
+                <a16:creationId xmlns:a16="http://schemas.microsoft.com/office/drawing/2014/main" xmlns="" id="{E993EDCB-AECF-4347-8318-6D17A5A9024E}"/>
               </a:ext>
             </a:extLst>
           </p:cNvPr>
@@ -13205,7 +13164,7 @@
               <p:cNvPr id="28" name="TextBox 27">
                 <a:extLst>
                   <a:ext uri="{FF2B5EF4-FFF2-40B4-BE49-F238E27FC236}">
-                    <a16:creationId xmlns="" xmlns:a16="http://schemas.microsoft.com/office/drawing/2014/main" id="{A1A5002F-5E61-44FE-A80D-1E12A1E4FB9F}"/>
+                    <a16:creationId xmlns:a16="http://schemas.microsoft.com/office/drawing/2014/main" xmlns="" id="{A1A5002F-5E61-44FE-A80D-1E12A1E4FB9F}"/>
                   </a:ext>
                 </a:extLst>
               </p:cNvPr>
@@ -13300,7 +13259,7 @@
           <p:cNvPr id="29" name="Straight Connector 28">
             <a:extLst>
               <a:ext uri="{FF2B5EF4-FFF2-40B4-BE49-F238E27FC236}">
-                <a16:creationId xmlns="" xmlns:a16="http://schemas.microsoft.com/office/drawing/2014/main" id="{088D21E4-57F8-4919-BA40-AAF4535A4BDD}"/>
+                <a16:creationId xmlns:a16="http://schemas.microsoft.com/office/drawing/2014/main" xmlns="" id="{088D21E4-57F8-4919-BA40-AAF4535A4BDD}"/>
               </a:ext>
             </a:extLst>
           </p:cNvPr>
@@ -13342,7 +13301,7 @@
           <p:cNvPr id="30" name="Arc 29">
             <a:extLst>
               <a:ext uri="{FF2B5EF4-FFF2-40B4-BE49-F238E27FC236}">
-                <a16:creationId xmlns="" xmlns:a16="http://schemas.microsoft.com/office/drawing/2014/main" id="{8C55ED38-1E9A-4954-9842-BAA5B30EA81D}"/>
+                <a16:creationId xmlns:a16="http://schemas.microsoft.com/office/drawing/2014/main" xmlns="" id="{8C55ED38-1E9A-4954-9842-BAA5B30EA81D}"/>
               </a:ext>
             </a:extLst>
           </p:cNvPr>
@@ -13392,7 +13351,7 @@
               <p:cNvPr id="31" name="TextBox 30">
                 <a:extLst>
                   <a:ext uri="{FF2B5EF4-FFF2-40B4-BE49-F238E27FC236}">
-                    <a16:creationId xmlns="" xmlns:a16="http://schemas.microsoft.com/office/drawing/2014/main" id="{23E6B512-2DEB-47F6-AB5A-DC05489F72A2}"/>
+                    <a16:creationId xmlns:a16="http://schemas.microsoft.com/office/drawing/2014/main" xmlns="" id="{23E6B512-2DEB-47F6-AB5A-DC05489F72A2}"/>
                   </a:ext>
                 </a:extLst>
               </p:cNvPr>
@@ -13507,107 +13466,6 @@
       </p:pic>
       <p:grpSp>
         <p:nvGrpSpPr>
-          <p:cNvPr id="15" name="Group 14"/>
-          <p:cNvGrpSpPr/>
-          <p:nvPr/>
-        </p:nvGrpSpPr>
-        <p:grpSpPr>
-          <a:xfrm>
-            <a:off x="6038681" y="3414922"/>
-            <a:ext cx="2002724" cy="2734606"/>
-            <a:chOff x="6038681" y="3414922"/>
-            <a:chExt cx="2002724" cy="2734606"/>
-          </a:xfrm>
-        </p:grpSpPr>
-        <p:pic>
-          <p:nvPicPr>
-            <p:cNvPr id="35" name="Picture 34">
-              <a:extLst>
-                <a:ext uri="{FF2B5EF4-FFF2-40B4-BE49-F238E27FC236}">
-                  <a16:creationId xmlns="" xmlns:a16="http://schemas.microsoft.com/office/drawing/2014/main" id="{AC488463-B633-436F-A4FD-1A1411D49C8B}"/>
-                </a:ext>
-              </a:extLst>
-            </p:cNvPr>
-            <p:cNvPicPr>
-              <a:picLocks noChangeAspect="1"/>
-            </p:cNvPicPr>
-            <p:nvPr/>
-          </p:nvPicPr>
-          <p:blipFill rotWithShape="1">
-            <a:blip r:embed="rId2">
-              <a:clrChange>
-                <a:clrFrom>
-                  <a:srgbClr val="E6E6DB"/>
-                </a:clrFrom>
-                <a:clrTo>
-                  <a:srgbClr val="E6E6DB">
-                    <a:alpha val="0"/>
-                  </a:srgbClr>
-                </a:clrTo>
-              </a:clrChange>
-            </a:blip>
-            <a:srcRect l="52727" t="29265" r="28543" b="33924"/>
-            <a:stretch/>
-          </p:blipFill>
-          <p:spPr>
-            <a:xfrm>
-              <a:off x="6114728" y="3624944"/>
-              <a:ext cx="1926677" cy="2524584"/>
-            </a:xfrm>
-            <a:prstGeom prst="rect">
-              <a:avLst/>
-            </a:prstGeom>
-          </p:spPr>
-        </p:pic>
-        <p:sp>
-          <p:nvSpPr>
-            <p:cNvPr id="14" name="Oval 13"/>
-            <p:cNvSpPr/>
-            <p:nvPr/>
-          </p:nvSpPr>
-          <p:spPr>
-            <a:xfrm rot="18917286">
-              <a:off x="6038681" y="3414922"/>
-              <a:ext cx="805542" cy="434732"/>
-            </a:xfrm>
-            <a:prstGeom prst="ellipse">
-              <a:avLst/>
-            </a:prstGeom>
-            <a:solidFill>
-              <a:schemeClr val="bg1"/>
-            </a:solidFill>
-            <a:ln>
-              <a:noFill/>
-            </a:ln>
-          </p:spPr>
-          <p:style>
-            <a:lnRef idx="2">
-              <a:schemeClr val="accent1">
-                <a:shade val="50000"/>
-              </a:schemeClr>
-            </a:lnRef>
-            <a:fillRef idx="1">
-              <a:schemeClr val="accent1"/>
-            </a:fillRef>
-            <a:effectRef idx="0">
-              <a:schemeClr val="accent1"/>
-            </a:effectRef>
-            <a:fontRef idx="minor">
-              <a:schemeClr val="lt1"/>
-            </a:fontRef>
-          </p:style>
-          <p:txBody>
-            <a:bodyPr rtlCol="0" anchor="ctr"/>
-            <a:lstStyle/>
-            <a:p>
-              <a:pPr algn="ctr"/>
-              <a:endParaRPr lang="en-US"/>
-            </a:p>
-          </p:txBody>
-        </p:sp>
-      </p:grpSp>
-      <p:grpSp>
-        <p:nvGrpSpPr>
           <p:cNvPr id="38" name="Group 37"/>
           <p:cNvGrpSpPr/>
           <p:nvPr/>
@@ -13681,91 +13539,6 @@
           </p:style>
         </p:cxnSp>
       </p:grpSp>
-      <p:grpSp>
-        <p:nvGrpSpPr>
-          <p:cNvPr id="51" name="Group 50"/>
-          <p:cNvGrpSpPr/>
-          <p:nvPr/>
-        </p:nvGrpSpPr>
-        <p:grpSpPr>
-          <a:xfrm rot="21138351">
-            <a:off x="5634293" y="886016"/>
-            <a:ext cx="2363282" cy="3027189"/>
-            <a:chOff x="6134828" y="-107199"/>
-            <a:chExt cx="2363282" cy="3027189"/>
-          </a:xfrm>
-        </p:grpSpPr>
-        <p:pic>
-          <p:nvPicPr>
-            <p:cNvPr id="54" name="Picture 53">
-              <a:extLst>
-                <a:ext uri="{FF2B5EF4-FFF2-40B4-BE49-F238E27FC236}">
-                  <a16:creationId xmlns="" xmlns:a16="http://schemas.microsoft.com/office/drawing/2014/main" id="{AC488463-B633-436F-A4FD-1A1411D49C8B}"/>
-                </a:ext>
-              </a:extLst>
-            </p:cNvPr>
-            <p:cNvPicPr>
-              <a:picLocks noChangeAspect="1"/>
-            </p:cNvPicPr>
-            <p:nvPr/>
-          </p:nvPicPr>
-          <p:blipFill rotWithShape="1">
-            <a:blip r:embed="rId2">
-              <a:clrChange>
-                <a:clrFrom>
-                  <a:srgbClr val="E6E6DB"/>
-                </a:clrFrom>
-                <a:clrTo>
-                  <a:srgbClr val="E6E6DB">
-                    <a:alpha val="0"/>
-                  </a:srgbClr>
-                </a:clrTo>
-              </a:clrChange>
-            </a:blip>
-            <a:srcRect l="52728" t="16991" r="28943" b="67773"/>
-            <a:stretch/>
-          </p:blipFill>
-          <p:spPr>
-            <a:xfrm rot="19053184">
-              <a:off x="6134828" y="1875275"/>
-              <a:ext cx="1885444" cy="1044715"/>
-            </a:xfrm>
-            <a:prstGeom prst="rect">
-              <a:avLst/>
-            </a:prstGeom>
-          </p:spPr>
-        </p:pic>
-        <p:cxnSp>
-          <p:nvCxnSpPr>
-            <p:cNvPr id="53" name="Straight Connector 52"/>
-            <p:cNvCxnSpPr/>
-            <p:nvPr/>
-          </p:nvCxnSpPr>
-          <p:spPr>
-            <a:xfrm flipV="1">
-              <a:off x="7305871" y="-107199"/>
-              <a:ext cx="1192239" cy="1074969"/>
-            </a:xfrm>
-            <a:prstGeom prst="line">
-              <a:avLst/>
-            </a:prstGeom>
-          </p:spPr>
-          <p:style>
-            <a:lnRef idx="1">
-              <a:schemeClr val="accent1"/>
-            </a:lnRef>
-            <a:fillRef idx="0">
-              <a:schemeClr val="accent1"/>
-            </a:fillRef>
-            <a:effectRef idx="0">
-              <a:schemeClr val="accent1"/>
-            </a:effectRef>
-            <a:fontRef idx="minor">
-              <a:schemeClr val="tx1"/>
-            </a:fontRef>
-          </p:style>
-        </p:cxnSp>
-      </p:grpSp>
       <p:pic>
         <p:nvPicPr>
           <p:cNvPr id="64" name="Picture 63"/>
@@ -13782,7 +13555,7 @@
         </p:blipFill>
         <p:spPr>
           <a:xfrm>
-            <a:off x="9441042" y="-47405"/>
+            <a:off x="8386935" y="-66270"/>
             <a:ext cx="3381157" cy="4326109"/>
           </a:xfrm>
           <a:prstGeom prst="rect">
@@ -13831,92 +13604,1529 @@
           </a:p>
         </p:txBody>
       </p:sp>
-      <p:sp>
-        <p:nvSpPr>
-          <p:cNvPr id="70" name="Arc 69"/>
-          <p:cNvSpPr/>
+      <p:grpSp>
+        <p:nvGrpSpPr>
+          <p:cNvPr id="65" name="Group 64"/>
+          <p:cNvGrpSpPr/>
           <p:nvPr/>
-        </p:nvSpPr>
-        <p:spPr>
+        </p:nvGrpSpPr>
+        <p:grpSpPr>
           <a:xfrm>
-            <a:off x="6720839" y="3261420"/>
-            <a:ext cx="806057" cy="818506"/>
+            <a:off x="5649002" y="1412452"/>
+            <a:ext cx="2002724" cy="3678339"/>
+            <a:chOff x="6038681" y="2471189"/>
+            <a:chExt cx="2002724" cy="3678339"/>
           </a:xfrm>
-          <a:prstGeom prst="arc">
-            <a:avLst/>
-          </a:prstGeom>
-          <a:ln w="9525">
+        </p:grpSpPr>
+        <p:grpSp>
+          <p:nvGrpSpPr>
+            <p:cNvPr id="15" name="Group 14"/>
+            <p:cNvGrpSpPr/>
+            <p:nvPr/>
+          </p:nvGrpSpPr>
+          <p:grpSpPr>
+            <a:xfrm>
+              <a:off x="6038681" y="3414922"/>
+              <a:ext cx="2002724" cy="2734606"/>
+              <a:chOff x="6038681" y="3414922"/>
+              <a:chExt cx="2002724" cy="2734606"/>
+            </a:xfrm>
+          </p:grpSpPr>
+          <p:pic>
+            <p:nvPicPr>
+              <p:cNvPr id="35" name="Picture 34">
+                <a:extLst>
+                  <a:ext uri="{FF2B5EF4-FFF2-40B4-BE49-F238E27FC236}">
+                    <a16:creationId xmlns:a16="http://schemas.microsoft.com/office/drawing/2014/main" xmlns="" id="{AC488463-B633-436F-A4FD-1A1411D49C8B}"/>
+                  </a:ext>
+                </a:extLst>
+              </p:cNvPr>
+              <p:cNvPicPr>
+                <a:picLocks noChangeAspect="1"/>
+              </p:cNvPicPr>
+              <p:nvPr/>
+            </p:nvPicPr>
+            <p:blipFill rotWithShape="1">
+              <a:blip r:embed="rId2">
+                <a:clrChange>
+                  <a:clrFrom>
+                    <a:srgbClr val="E6E6DB"/>
+                  </a:clrFrom>
+                  <a:clrTo>
+                    <a:srgbClr val="E6E6DB">
+                      <a:alpha val="0"/>
+                    </a:srgbClr>
+                  </a:clrTo>
+                </a:clrChange>
+              </a:blip>
+              <a:srcRect l="52727" t="29265" r="28543" b="33924"/>
+              <a:stretch/>
+            </p:blipFill>
+            <p:spPr>
+              <a:xfrm>
+                <a:off x="6114728" y="3624944"/>
+                <a:ext cx="1926677" cy="2524584"/>
+              </a:xfrm>
+              <a:prstGeom prst="rect">
+                <a:avLst/>
+              </a:prstGeom>
+            </p:spPr>
+          </p:pic>
+          <p:sp>
+            <p:nvSpPr>
+              <p:cNvPr id="14" name="Oval 13"/>
+              <p:cNvSpPr/>
+              <p:nvPr/>
+            </p:nvSpPr>
+            <p:spPr>
+              <a:xfrm rot="18917286">
+                <a:off x="6038681" y="3414922"/>
+                <a:ext cx="805542" cy="434732"/>
+              </a:xfrm>
+              <a:prstGeom prst="ellipse">
+                <a:avLst/>
+              </a:prstGeom>
+              <a:solidFill>
+                <a:schemeClr val="bg1"/>
+              </a:solidFill>
+              <a:ln>
+                <a:noFill/>
+              </a:ln>
+            </p:spPr>
+            <p:style>
+              <a:lnRef idx="2">
+                <a:schemeClr val="accent1">
+                  <a:shade val="50000"/>
+                </a:schemeClr>
+              </a:lnRef>
+              <a:fillRef idx="1">
+                <a:schemeClr val="accent1"/>
+              </a:fillRef>
+              <a:effectRef idx="0">
+                <a:schemeClr val="accent1"/>
+              </a:effectRef>
+              <a:fontRef idx="minor">
+                <a:schemeClr val="lt1"/>
+              </a:fontRef>
+            </p:style>
+            <p:txBody>
+              <a:bodyPr rtlCol="0" anchor="ctr"/>
+              <a:lstStyle/>
+              <a:p>
+                <a:pPr algn="ctr"/>
+                <a:endParaRPr lang="en-US"/>
+              </a:p>
+            </p:txBody>
+          </p:sp>
+        </p:grpSp>
+        <p:pic>
+          <p:nvPicPr>
+            <p:cNvPr id="54" name="Picture 53">
+              <a:extLst>
+                <a:ext uri="{FF2B5EF4-FFF2-40B4-BE49-F238E27FC236}">
+                  <a16:creationId xmlns:a16="http://schemas.microsoft.com/office/drawing/2014/main" xmlns="" id="{AC488463-B633-436F-A4FD-1A1411D49C8B}"/>
+                </a:ext>
+              </a:extLst>
+            </p:cNvPr>
+            <p:cNvPicPr>
+              <a:picLocks noChangeAspect="1"/>
+            </p:cNvPicPr>
+            <p:nvPr/>
+          </p:nvPicPr>
+          <p:blipFill rotWithShape="1">
+            <a:blip r:embed="rId2">
+              <a:clrChange>
+                <a:clrFrom>
+                  <a:srgbClr val="E6E6DB"/>
+                </a:clrFrom>
+                <a:clrTo>
+                  <a:srgbClr val="E6E6DB">
+                    <a:alpha val="0"/>
+                  </a:srgbClr>
+                </a:clrTo>
+              </a:clrChange>
+            </a:blip>
+            <a:srcRect l="52728" t="16991" r="28943" b="67773"/>
+            <a:stretch/>
+          </p:blipFill>
+          <p:spPr>
+            <a:xfrm rot="18591535">
+              <a:off x="5769156" y="2891553"/>
+              <a:ext cx="1885444" cy="1044715"/>
+            </a:xfrm>
+            <a:prstGeom prst="rect">
+              <a:avLst/>
+            </a:prstGeom>
+          </p:spPr>
+        </p:pic>
+        <p:sp>
+          <p:nvSpPr>
+            <p:cNvPr id="3" name="Rectangle 2"/>
+            <p:cNvSpPr/>
+            <p:nvPr/>
+          </p:nvSpPr>
+          <p:spPr>
+            <a:xfrm rot="19634426">
+              <a:off x="6945188" y="3018542"/>
+              <a:ext cx="527219" cy="599761"/>
+            </a:xfrm>
+            <a:prstGeom prst="rect">
+              <a:avLst/>
+            </a:prstGeom>
             <a:solidFill>
+              <a:schemeClr val="bg1"/>
+            </a:solidFill>
+            <a:ln>
+              <a:noFill/>
+            </a:ln>
+          </p:spPr>
+          <p:style>
+            <a:lnRef idx="2">
+              <a:schemeClr val="accent1">
+                <a:shade val="50000"/>
+              </a:schemeClr>
+            </a:lnRef>
+            <a:fillRef idx="1">
+              <a:schemeClr val="accent1"/>
+            </a:fillRef>
+            <a:effectRef idx="0">
+              <a:schemeClr val="accent1"/>
+            </a:effectRef>
+            <a:fontRef idx="minor">
+              <a:schemeClr val="lt1"/>
+            </a:fontRef>
+          </p:style>
+          <p:txBody>
+            <a:bodyPr rtlCol="0" anchor="ctr"/>
+            <a:lstStyle/>
+            <a:p>
+              <a:pPr algn="ctr"/>
+              <a:endParaRPr lang="en-US"/>
+            </a:p>
+          </p:txBody>
+        </p:sp>
+        <p:sp>
+          <p:nvSpPr>
+            <p:cNvPr id="40" name="Rectangle 39"/>
+            <p:cNvSpPr/>
+            <p:nvPr/>
+          </p:nvSpPr>
+          <p:spPr>
+            <a:xfrm rot="18626106">
+              <a:off x="7249995" y="3296628"/>
+              <a:ext cx="93624" cy="125280"/>
+            </a:xfrm>
+            <a:prstGeom prst="rect">
+              <a:avLst/>
+            </a:prstGeom>
+            <a:solidFill>
+              <a:schemeClr val="bg1"/>
+            </a:solidFill>
+            <a:ln>
+              <a:noFill/>
+            </a:ln>
+          </p:spPr>
+          <p:style>
+            <a:lnRef idx="2">
+              <a:schemeClr val="accent1">
+                <a:shade val="50000"/>
+              </a:schemeClr>
+            </a:lnRef>
+            <a:fillRef idx="1">
+              <a:schemeClr val="accent1"/>
+            </a:fillRef>
+            <a:effectRef idx="0">
+              <a:schemeClr val="accent1"/>
+            </a:effectRef>
+            <a:fontRef idx="minor">
+              <a:schemeClr val="lt1"/>
+            </a:fontRef>
+          </p:style>
+          <p:txBody>
+            <a:bodyPr rtlCol="0" anchor="ctr"/>
+            <a:lstStyle/>
+            <a:p>
+              <a:pPr algn="ctr"/>
+              <a:endParaRPr lang="en-US"/>
+            </a:p>
+          </p:txBody>
+        </p:sp>
+        <p:sp>
+          <p:nvSpPr>
+            <p:cNvPr id="41" name="Rectangle 40"/>
+            <p:cNvSpPr/>
+            <p:nvPr/>
+          </p:nvSpPr>
+          <p:spPr>
+            <a:xfrm rot="18626106">
+              <a:off x="7373480" y="3261647"/>
+              <a:ext cx="52233" cy="125280"/>
+            </a:xfrm>
+            <a:prstGeom prst="rect">
+              <a:avLst/>
+            </a:prstGeom>
+            <a:solidFill>
+              <a:schemeClr val="bg1"/>
+            </a:solidFill>
+            <a:ln>
+              <a:noFill/>
+            </a:ln>
+          </p:spPr>
+          <p:style>
+            <a:lnRef idx="2">
+              <a:schemeClr val="accent1">
+                <a:shade val="50000"/>
+              </a:schemeClr>
+            </a:lnRef>
+            <a:fillRef idx="1">
+              <a:schemeClr val="accent1"/>
+            </a:fillRef>
+            <a:effectRef idx="0">
+              <a:schemeClr val="accent1"/>
+            </a:effectRef>
+            <a:fontRef idx="minor">
+              <a:schemeClr val="lt1"/>
+            </a:fontRef>
+          </p:style>
+          <p:txBody>
+            <a:bodyPr rtlCol="0" anchor="ctr"/>
+            <a:lstStyle/>
+            <a:p>
+              <a:pPr algn="ctr"/>
+              <a:endParaRPr lang="en-US"/>
+            </a:p>
+          </p:txBody>
+        </p:sp>
+        <p:cxnSp>
+          <p:nvCxnSpPr>
+            <p:cNvPr id="18" name="Straight Connector 17"/>
+            <p:cNvCxnSpPr/>
+            <p:nvPr/>
+          </p:nvCxnSpPr>
+          <p:spPr>
+            <a:xfrm flipH="1" flipV="1">
+              <a:off x="6997700" y="3037879"/>
+              <a:ext cx="365716" cy="299807"/>
+            </a:xfrm>
+            <a:prstGeom prst="line">
+              <a:avLst/>
+            </a:prstGeom>
+            <a:ln w="10160">
+              <a:solidFill>
+                <a:srgbClr val="000000"/>
+              </a:solidFill>
+            </a:ln>
+          </p:spPr>
+          <p:style>
+            <a:lnRef idx="1">
+              <a:schemeClr val="accent1"/>
+            </a:lnRef>
+            <a:fillRef idx="0">
+              <a:schemeClr val="accent1"/>
+            </a:fillRef>
+            <a:effectRef idx="0">
+              <a:schemeClr val="accent1"/>
+            </a:effectRef>
+            <a:fontRef idx="minor">
               <a:schemeClr val="tx1"/>
+            </a:fontRef>
+          </p:style>
+        </p:cxnSp>
+        <p:sp>
+          <p:nvSpPr>
+            <p:cNvPr id="70" name="Arc 69"/>
+            <p:cNvSpPr/>
+            <p:nvPr/>
+          </p:nvSpPr>
+          <p:spPr>
+            <a:xfrm>
+              <a:off x="6717664" y="3261420"/>
+              <a:ext cx="812688" cy="818506"/>
+            </a:xfrm>
+            <a:prstGeom prst="arc">
+              <a:avLst>
+                <a:gd name="adj1" fmla="val 18321193"/>
+                <a:gd name="adj2" fmla="val 21268183"/>
+              </a:avLst>
+            </a:prstGeom>
+            <a:ln w="10160">
+              <a:solidFill>
+                <a:schemeClr val="tx1"/>
+              </a:solidFill>
+            </a:ln>
+          </p:spPr>
+          <p:style>
+            <a:lnRef idx="1">
+              <a:schemeClr val="accent1"/>
+            </a:lnRef>
+            <a:fillRef idx="0">
+              <a:schemeClr val="accent1"/>
+            </a:fillRef>
+            <a:effectRef idx="0">
+              <a:schemeClr val="accent1"/>
+            </a:effectRef>
+            <a:fontRef idx="minor">
+              <a:schemeClr val="tx1"/>
+            </a:fontRef>
+          </p:style>
+          <p:txBody>
+            <a:bodyPr rtlCol="0" anchor="ctr"/>
+            <a:lstStyle/>
+            <a:p>
+              <a:pPr algn="ctr"/>
+              <a:endParaRPr lang="en-US"/>
+            </a:p>
+          </p:txBody>
+        </p:sp>
+        <p:cxnSp>
+          <p:nvCxnSpPr>
+            <p:cNvPr id="47" name="Straight Connector 46"/>
+            <p:cNvCxnSpPr>
+              <a:stCxn id="71" idx="0"/>
+            </p:cNvCxnSpPr>
+            <p:nvPr/>
+          </p:nvCxnSpPr>
+          <p:spPr>
+            <a:xfrm flipH="1" flipV="1">
+              <a:off x="7077461" y="3001302"/>
+              <a:ext cx="365032" cy="303482"/>
+            </a:xfrm>
+            <a:prstGeom prst="line">
+              <a:avLst/>
+            </a:prstGeom>
+            <a:ln w="10160">
+              <a:solidFill>
+                <a:srgbClr val="000000"/>
+              </a:solidFill>
+            </a:ln>
+          </p:spPr>
+          <p:style>
+            <a:lnRef idx="1">
+              <a:schemeClr val="accent1"/>
+            </a:lnRef>
+            <a:fillRef idx="0">
+              <a:schemeClr val="accent1"/>
+            </a:fillRef>
+            <a:effectRef idx="0">
+              <a:schemeClr val="accent1"/>
+            </a:effectRef>
+            <a:fontRef idx="minor">
+              <a:schemeClr val="tx1"/>
+            </a:fontRef>
+          </p:style>
+        </p:cxnSp>
+        <p:sp>
+          <p:nvSpPr>
+            <p:cNvPr id="71" name="Arc 70"/>
+            <p:cNvSpPr/>
+            <p:nvPr/>
+          </p:nvSpPr>
+          <p:spPr>
+            <a:xfrm>
+              <a:off x="6692054" y="3197084"/>
+              <a:ext cx="915246" cy="930415"/>
+            </a:xfrm>
+            <a:prstGeom prst="arc">
+              <a:avLst>
+                <a:gd name="adj1" fmla="val 18559147"/>
+                <a:gd name="adj2" fmla="val 0"/>
+              </a:avLst>
+            </a:prstGeom>
+            <a:ln w="10160">
+              <a:solidFill>
+                <a:schemeClr val="tx1"/>
+              </a:solidFill>
+            </a:ln>
+          </p:spPr>
+          <p:style>
+            <a:lnRef idx="1">
+              <a:schemeClr val="accent1"/>
+            </a:lnRef>
+            <a:fillRef idx="0">
+              <a:schemeClr val="accent1"/>
+            </a:fillRef>
+            <a:effectRef idx="0">
+              <a:schemeClr val="accent1"/>
+            </a:effectRef>
+            <a:fontRef idx="minor">
+              <a:schemeClr val="tx1"/>
+            </a:fontRef>
+          </p:style>
+          <p:txBody>
+            <a:bodyPr rtlCol="0" anchor="ctr"/>
+            <a:lstStyle/>
+            <a:p>
+              <a:pPr algn="ctr"/>
+              <a:endParaRPr lang="en-US"/>
+            </a:p>
+          </p:txBody>
+        </p:sp>
+        <p:cxnSp>
+          <p:nvCxnSpPr>
+            <p:cNvPr id="55" name="Straight Connector 54"/>
+            <p:cNvCxnSpPr>
+              <a:stCxn id="70" idx="2"/>
+            </p:cNvCxnSpPr>
+            <p:nvPr/>
+          </p:nvCxnSpPr>
+          <p:spPr>
+            <a:xfrm>
+              <a:off x="7528487" y="3631510"/>
+              <a:ext cx="1865" cy="134036"/>
+            </a:xfrm>
+            <a:prstGeom prst="line">
+              <a:avLst/>
+            </a:prstGeom>
+            <a:ln w="10160">
+              <a:solidFill>
+                <a:srgbClr val="000000"/>
+              </a:solidFill>
+            </a:ln>
+          </p:spPr>
+          <p:style>
+            <a:lnRef idx="1">
+              <a:schemeClr val="accent1"/>
+            </a:lnRef>
+            <a:fillRef idx="0">
+              <a:schemeClr val="accent1"/>
+            </a:fillRef>
+            <a:effectRef idx="0">
+              <a:schemeClr val="accent1"/>
+            </a:effectRef>
+            <a:fontRef idx="minor">
+              <a:schemeClr val="tx1"/>
+            </a:fontRef>
+          </p:style>
+        </p:cxnSp>
+        <p:cxnSp>
+          <p:nvCxnSpPr>
+            <p:cNvPr id="57" name="Straight Connector 56"/>
+            <p:cNvCxnSpPr/>
+            <p:nvPr/>
+          </p:nvCxnSpPr>
+          <p:spPr>
+            <a:xfrm>
+              <a:off x="7607300" y="3624944"/>
+              <a:ext cx="0" cy="2001156"/>
+            </a:xfrm>
+            <a:prstGeom prst="line">
+              <a:avLst/>
+            </a:prstGeom>
+            <a:ln w="10160">
+              <a:solidFill>
+                <a:srgbClr val="000000"/>
+              </a:solidFill>
+            </a:ln>
+          </p:spPr>
+          <p:style>
+            <a:lnRef idx="1">
+              <a:schemeClr val="accent1"/>
+            </a:lnRef>
+            <a:fillRef idx="0">
+              <a:schemeClr val="accent1"/>
+            </a:fillRef>
+            <a:effectRef idx="0">
+              <a:schemeClr val="accent1"/>
+            </a:effectRef>
+            <a:fontRef idx="minor">
+              <a:schemeClr val="tx1"/>
+            </a:fontRef>
+          </p:style>
+        </p:cxnSp>
+        <p:sp>
+          <p:nvSpPr>
+            <p:cNvPr id="66" name="Rectangle 65"/>
+            <p:cNvSpPr/>
+            <p:nvPr/>
+          </p:nvSpPr>
+          <p:spPr>
+            <a:xfrm rot="18445655">
+              <a:off x="7307075" y="2454800"/>
+              <a:ext cx="271176" cy="994023"/>
+            </a:xfrm>
+            <a:prstGeom prst="rect">
+              <a:avLst/>
+            </a:prstGeom>
+            <a:solidFill>
+              <a:schemeClr val="bg1"/>
             </a:solidFill>
-          </a:ln>
-        </p:spPr>
-        <p:style>
-          <a:lnRef idx="1">
-            <a:schemeClr val="accent1"/>
-          </a:lnRef>
-          <a:fillRef idx="0">
-            <a:schemeClr val="accent1"/>
-          </a:fillRef>
-          <a:effectRef idx="0">
-            <a:schemeClr val="accent1"/>
-          </a:effectRef>
-          <a:fontRef idx="minor">
-            <a:schemeClr val="tx1"/>
-          </a:fontRef>
-        </p:style>
-        <p:txBody>
-          <a:bodyPr rtlCol="0" anchor="ctr"/>
-          <a:lstStyle/>
-          <a:p>
-            <a:pPr algn="ctr"/>
-            <a:endParaRPr lang="en-US"/>
-          </a:p>
-        </p:txBody>
-      </p:sp>
-      <p:sp>
-        <p:nvSpPr>
-          <p:cNvPr id="71" name="Arc 70"/>
-          <p:cNvSpPr/>
+            <a:ln>
+              <a:noFill/>
+            </a:ln>
+          </p:spPr>
+          <p:style>
+            <a:lnRef idx="2">
+              <a:schemeClr val="accent1">
+                <a:shade val="50000"/>
+              </a:schemeClr>
+            </a:lnRef>
+            <a:fillRef idx="1">
+              <a:schemeClr val="accent1"/>
+            </a:fillRef>
+            <a:effectRef idx="0">
+              <a:schemeClr val="accent1"/>
+            </a:effectRef>
+            <a:fontRef idx="minor">
+              <a:schemeClr val="lt1"/>
+            </a:fontRef>
+          </p:style>
+          <p:txBody>
+            <a:bodyPr rtlCol="0" anchor="ctr"/>
+            <a:lstStyle/>
+            <a:p>
+              <a:pPr algn="ctr"/>
+              <a:endParaRPr lang="en-US"/>
+            </a:p>
+          </p:txBody>
+        </p:sp>
+        <p:cxnSp>
+          <p:nvCxnSpPr>
+            <p:cNvPr id="62" name="Straight Connector 61"/>
+            <p:cNvCxnSpPr>
+              <a:stCxn id="39" idx="0"/>
+            </p:cNvCxnSpPr>
+            <p:nvPr/>
+          </p:nvCxnSpPr>
+          <p:spPr>
+            <a:xfrm flipH="1" flipV="1">
+              <a:off x="7038975" y="2661508"/>
+              <a:ext cx="570417" cy="475179"/>
+            </a:xfrm>
+            <a:prstGeom prst="line">
+              <a:avLst/>
+            </a:prstGeom>
+            <a:ln w="10160">
+              <a:solidFill>
+                <a:srgbClr val="000000"/>
+              </a:solidFill>
+            </a:ln>
+          </p:spPr>
+          <p:style>
+            <a:lnRef idx="1">
+              <a:schemeClr val="accent1"/>
+            </a:lnRef>
+            <a:fillRef idx="0">
+              <a:schemeClr val="accent1"/>
+            </a:fillRef>
+            <a:effectRef idx="0">
+              <a:schemeClr val="accent1"/>
+            </a:effectRef>
+            <a:fontRef idx="minor">
+              <a:schemeClr val="tx1"/>
+            </a:fontRef>
+          </p:style>
+        </p:cxnSp>
+        <p:sp>
+          <p:nvSpPr>
+            <p:cNvPr id="39" name="Arc 38"/>
+            <p:cNvSpPr/>
+            <p:nvPr/>
+          </p:nvSpPr>
+          <p:spPr>
+            <a:xfrm rot="1533850">
+              <a:off x="6645636" y="3003406"/>
+              <a:ext cx="1212707" cy="1045977"/>
+            </a:xfrm>
+            <a:prstGeom prst="arc">
+              <a:avLst>
+                <a:gd name="adj1" fmla="val 17217594"/>
+                <a:gd name="adj2" fmla="val 20673712"/>
+              </a:avLst>
+            </a:prstGeom>
+            <a:ln w="10160">
+              <a:solidFill>
+                <a:schemeClr val="tx1"/>
+              </a:solidFill>
+            </a:ln>
+          </p:spPr>
+          <p:style>
+            <a:lnRef idx="1">
+              <a:schemeClr val="accent1"/>
+            </a:lnRef>
+            <a:fillRef idx="0">
+              <a:schemeClr val="accent1"/>
+            </a:fillRef>
+            <a:effectRef idx="0">
+              <a:schemeClr val="accent1"/>
+            </a:effectRef>
+            <a:fontRef idx="minor">
+              <a:schemeClr val="tx1"/>
+            </a:fontRef>
+          </p:style>
+          <p:txBody>
+            <a:bodyPr rtlCol="0" anchor="ctr"/>
+            <a:lstStyle/>
+            <a:p>
+              <a:pPr algn="ctr"/>
+              <a:endParaRPr lang="en-US"/>
+            </a:p>
+          </p:txBody>
+        </p:sp>
+      </p:grpSp>
+      <p:grpSp>
+        <p:nvGrpSpPr>
+          <p:cNvPr id="81" name="Group 80"/>
+          <p:cNvGrpSpPr/>
           <p:nvPr/>
-        </p:nvSpPr>
-        <p:spPr>
+        </p:nvGrpSpPr>
+        <p:grpSpPr>
           <a:xfrm>
-            <a:off x="6692054" y="3197085"/>
-            <a:ext cx="914400" cy="914400"/>
+            <a:off x="6544938" y="2224273"/>
+            <a:ext cx="607941" cy="699384"/>
+            <a:chOff x="6544938" y="2224273"/>
+            <a:chExt cx="607941" cy="699384"/>
           </a:xfrm>
-          <a:prstGeom prst="arc">
-            <a:avLst/>
-          </a:prstGeom>
-          <a:ln w="9525">
-            <a:solidFill>
-              <a:schemeClr val="tx1"/>
-            </a:solidFill>
-          </a:ln>
-        </p:spPr>
-        <p:style>
-          <a:lnRef idx="1">
-            <a:schemeClr val="accent1"/>
-          </a:lnRef>
-          <a:fillRef idx="0">
-            <a:schemeClr val="accent1"/>
-          </a:fillRef>
-          <a:effectRef idx="0">
-            <a:schemeClr val="accent1"/>
-          </a:effectRef>
-          <a:fontRef idx="minor">
-            <a:schemeClr val="tx1"/>
-          </a:fontRef>
-        </p:style>
-        <p:txBody>
-          <a:bodyPr rtlCol="0" anchor="ctr"/>
-          <a:lstStyle/>
-          <a:p>
-            <a:pPr algn="ctr"/>
-            <a:endParaRPr lang="en-US"/>
-          </a:p>
-        </p:txBody>
-      </p:sp>
+        </p:grpSpPr>
+        <p:grpSp>
+          <p:nvGrpSpPr>
+            <p:cNvPr id="78" name="Group 77"/>
+            <p:cNvGrpSpPr/>
+            <p:nvPr/>
+          </p:nvGrpSpPr>
+          <p:grpSpPr>
+            <a:xfrm>
+              <a:off x="6692814" y="2462016"/>
+              <a:ext cx="360000" cy="360000"/>
+              <a:chOff x="6219066" y="3068762"/>
+              <a:chExt cx="360000" cy="360000"/>
+            </a:xfrm>
+          </p:grpSpPr>
+          <p:cxnSp>
+            <p:nvCxnSpPr>
+              <p:cNvPr id="73" name="Straight Arrow Connector 72"/>
+              <p:cNvCxnSpPr/>
+              <p:nvPr/>
+            </p:nvCxnSpPr>
+            <p:spPr>
+              <a:xfrm flipV="1">
+                <a:off x="6575891" y="3068762"/>
+                <a:ext cx="0" cy="360000"/>
+              </a:xfrm>
+              <a:prstGeom prst="straightConnector1">
+                <a:avLst/>
+              </a:prstGeom>
+              <a:ln w="28575">
+                <a:tailEnd type="triangle"/>
+              </a:ln>
+            </p:spPr>
+            <p:style>
+              <a:lnRef idx="1">
+                <a:schemeClr val="accent1"/>
+              </a:lnRef>
+              <a:fillRef idx="0">
+                <a:schemeClr val="accent1"/>
+              </a:fillRef>
+              <a:effectRef idx="0">
+                <a:schemeClr val="accent1"/>
+              </a:effectRef>
+              <a:fontRef idx="minor">
+                <a:schemeClr val="tx1"/>
+              </a:fontRef>
+            </p:style>
+          </p:cxnSp>
+          <p:cxnSp>
+            <p:nvCxnSpPr>
+              <p:cNvPr id="76" name="Straight Arrow Connector 75"/>
+              <p:cNvCxnSpPr/>
+              <p:nvPr/>
+            </p:nvCxnSpPr>
+            <p:spPr>
+              <a:xfrm flipH="1">
+                <a:off x="6219066" y="3417827"/>
+                <a:ext cx="360000" cy="0"/>
+              </a:xfrm>
+              <a:prstGeom prst="straightConnector1">
+                <a:avLst/>
+              </a:prstGeom>
+              <a:ln w="28575">
+                <a:tailEnd type="triangle"/>
+              </a:ln>
+            </p:spPr>
+            <p:style>
+              <a:lnRef idx="1">
+                <a:schemeClr val="accent1"/>
+              </a:lnRef>
+              <a:fillRef idx="0">
+                <a:schemeClr val="accent1"/>
+              </a:fillRef>
+              <a:effectRef idx="0">
+                <a:schemeClr val="accent1"/>
+              </a:effectRef>
+              <a:fontRef idx="minor">
+                <a:schemeClr val="tx1"/>
+              </a:fontRef>
+            </p:style>
+          </p:cxnSp>
+        </p:grpSp>
+        <mc:AlternateContent xmlns:mc="http://schemas.openxmlformats.org/markup-compatibility/2006">
+          <mc:Choice xmlns:a14="http://schemas.microsoft.com/office/drawing/2010/main" Requires="a14">
+            <p:sp>
+              <p:nvSpPr>
+                <p:cNvPr id="79" name="TextBox 78">
+                  <a:extLst>
+                    <a:ext uri="{FF2B5EF4-FFF2-40B4-BE49-F238E27FC236}">
+                      <a16:creationId xmlns:a16="http://schemas.microsoft.com/office/drawing/2014/main" xmlns="" id="{86B2737E-8299-40AD-8FE7-CC051936CBAD}"/>
+                    </a:ext>
+                  </a:extLst>
+                </p:cNvPr>
+                <p:cNvSpPr txBox="1"/>
+                <p:nvPr/>
+              </p:nvSpPr>
+              <p:spPr>
+                <a:xfrm>
+                  <a:off x="6544938" y="2646658"/>
+                  <a:ext cx="183319" cy="276999"/>
+                </a:xfrm>
+                <a:prstGeom prst="rect">
+                  <a:avLst/>
+                </a:prstGeom>
+                <a:noFill/>
+              </p:spPr>
+              <p:txBody>
+                <a:bodyPr wrap="none" lIns="0" tIns="0" rIns="0" bIns="0" rtlCol="0">
+                  <a:spAutoFit/>
+                </a:bodyPr>
+                <a:lstStyle/>
+                <a:p>
+                  <a:pPr/>
+                  <a14:m>
+                    <m:oMathPara xmlns:m="http://schemas.openxmlformats.org/officeDocument/2006/math">
+                      <m:oMathParaPr>
+                        <m:jc m:val="centerGroup"/>
+                      </m:oMathParaPr>
+                      <m:oMath xmlns:m="http://schemas.openxmlformats.org/officeDocument/2006/math">
+                        <m:r>
+                          <a:rPr lang="en-CA" b="0" i="1" smtClean="0">
+                            <a:latin typeface="Cambria Math" charset="0"/>
+                          </a:rPr>
+                          <m:t>𝑥</m:t>
+                        </m:r>
+                      </m:oMath>
+                    </m:oMathPara>
+                  </a14:m>
+                  <a:endParaRPr lang="en-US" dirty="0"/>
+                </a:p>
+              </p:txBody>
+            </p:sp>
+          </mc:Choice>
+          <mc:Fallback>
+            <p:sp>
+              <p:nvSpPr>
+                <p:cNvPr id="79" name="TextBox 78">
+                  <a:extLst>
+                    <a:ext uri="{FF2B5EF4-FFF2-40B4-BE49-F238E27FC236}">
+                      <a16:creationId xmlns:a16="http://schemas.microsoft.com/office/drawing/2014/main" xmlns="" xmlns:a14="http://schemas.microsoft.com/office/drawing/2010/main" id="{86B2737E-8299-40AD-8FE7-CC051936CBAD}"/>
+                    </a:ext>
+                  </a:extLst>
+                </p:cNvPr>
+                <p:cNvSpPr txBox="1">
+                  <a:spLocks noRot="1" noChangeAspect="1" noMove="1" noResize="1" noEditPoints="1" noAdjustHandles="1" noChangeArrowheads="1" noChangeShapeType="1" noTextEdit="1"/>
+                </p:cNvSpPr>
+                <p:nvPr/>
+              </p:nvSpPr>
+              <p:spPr>
+                <a:xfrm>
+                  <a:off x="6544938" y="2646658"/>
+                  <a:ext cx="183319" cy="276999"/>
+                </a:xfrm>
+                <a:prstGeom prst="rect">
+                  <a:avLst/>
+                </a:prstGeom>
+                <a:blipFill rotWithShape="0">
+                  <a:blip r:embed="rId12"/>
+                  <a:stretch>
+                    <a:fillRect l="-20000" r="-10000"/>
+                  </a:stretch>
+                </a:blipFill>
+              </p:spPr>
+              <p:txBody>
+                <a:bodyPr/>
+                <a:lstStyle/>
+                <a:p>
+                  <a:r>
+                    <a:rPr lang="en-US">
+                      <a:noFill/>
+                    </a:rPr>
+                    <a:t> </a:t>
+                  </a:r>
+                </a:p>
+              </p:txBody>
+            </p:sp>
+          </mc:Fallback>
+        </mc:AlternateContent>
+        <mc:AlternateContent xmlns:mc="http://schemas.openxmlformats.org/markup-compatibility/2006">
+          <mc:Choice xmlns:a14="http://schemas.microsoft.com/office/drawing/2010/main" Requires="a14">
+            <p:sp>
+              <p:nvSpPr>
+                <p:cNvPr id="80" name="TextBox 79">
+                  <a:extLst>
+                    <a:ext uri="{FF2B5EF4-FFF2-40B4-BE49-F238E27FC236}">
+                      <a16:creationId xmlns:a16="http://schemas.microsoft.com/office/drawing/2014/main" xmlns="" id="{86B2737E-8299-40AD-8FE7-CC051936CBAD}"/>
+                    </a:ext>
+                  </a:extLst>
+                </p:cNvPr>
+                <p:cNvSpPr txBox="1"/>
+                <p:nvPr/>
+              </p:nvSpPr>
+              <p:spPr>
+                <a:xfrm>
+                  <a:off x="6983795" y="2224273"/>
+                  <a:ext cx="169084" cy="276999"/>
+                </a:xfrm>
+                <a:prstGeom prst="rect">
+                  <a:avLst/>
+                </a:prstGeom>
+                <a:noFill/>
+              </p:spPr>
+              <p:txBody>
+                <a:bodyPr wrap="none" lIns="0" tIns="0" rIns="0" bIns="0" rtlCol="0">
+                  <a:spAutoFit/>
+                </a:bodyPr>
+                <a:lstStyle/>
+                <a:p>
+                  <a:pPr/>
+                  <a14:m>
+                    <m:oMathPara xmlns:m="http://schemas.openxmlformats.org/officeDocument/2006/math">
+                      <m:oMathParaPr>
+                        <m:jc m:val="centerGroup"/>
+                      </m:oMathParaPr>
+                      <m:oMath xmlns:m="http://schemas.openxmlformats.org/officeDocument/2006/math">
+                        <m:r>
+                          <a:rPr lang="en-CA" b="0" i="1" smtClean="0">
+                            <a:latin typeface="Cambria Math" charset="0"/>
+                          </a:rPr>
+                          <m:t>𝑧</m:t>
+                        </m:r>
+                      </m:oMath>
+                    </m:oMathPara>
+                  </a14:m>
+                  <a:endParaRPr lang="en-US" dirty="0"/>
+                </a:p>
+              </p:txBody>
+            </p:sp>
+          </mc:Choice>
+          <mc:Fallback>
+            <p:sp>
+              <p:nvSpPr>
+                <p:cNvPr id="80" name="TextBox 79">
+                  <a:extLst>
+                    <a:ext uri="{FF2B5EF4-FFF2-40B4-BE49-F238E27FC236}">
+                      <a16:creationId xmlns:a16="http://schemas.microsoft.com/office/drawing/2014/main" xmlns="" xmlns:a14="http://schemas.microsoft.com/office/drawing/2010/main" id="{86B2737E-8299-40AD-8FE7-CC051936CBAD}"/>
+                    </a:ext>
+                  </a:extLst>
+                </p:cNvPr>
+                <p:cNvSpPr txBox="1">
+                  <a:spLocks noRot="1" noChangeAspect="1" noMove="1" noResize="1" noEditPoints="1" noAdjustHandles="1" noChangeArrowheads="1" noChangeShapeType="1" noTextEdit="1"/>
+                </p:cNvSpPr>
+                <p:nvPr/>
+              </p:nvSpPr>
+              <p:spPr>
+                <a:xfrm>
+                  <a:off x="6983795" y="2224273"/>
+                  <a:ext cx="169084" cy="276999"/>
+                </a:xfrm>
+                <a:prstGeom prst="rect">
+                  <a:avLst/>
+                </a:prstGeom>
+                <a:blipFill rotWithShape="0">
+                  <a:blip r:embed="rId13"/>
+                  <a:stretch>
+                    <a:fillRect l="-22222" r="-14815"/>
+                  </a:stretch>
+                </a:blipFill>
+              </p:spPr>
+              <p:txBody>
+                <a:bodyPr/>
+                <a:lstStyle/>
+                <a:p>
+                  <a:r>
+                    <a:rPr lang="en-US">
+                      <a:noFill/>
+                    </a:rPr>
+                    <a:t> </a:t>
+                  </a:r>
+                </a:p>
+              </p:txBody>
+            </p:sp>
+          </mc:Fallback>
+        </mc:AlternateContent>
+      </p:grpSp>
+      <p:grpSp>
+        <p:nvGrpSpPr>
+          <p:cNvPr id="82" name="Group 81"/>
+          <p:cNvGrpSpPr/>
+          <p:nvPr/>
+        </p:nvGrpSpPr>
+        <p:grpSpPr>
+          <a:xfrm>
+            <a:off x="6175576" y="4402382"/>
+            <a:ext cx="607941" cy="699384"/>
+            <a:chOff x="6544938" y="2224273"/>
+            <a:chExt cx="607941" cy="699384"/>
+          </a:xfrm>
+        </p:grpSpPr>
+        <p:grpSp>
+          <p:nvGrpSpPr>
+            <p:cNvPr id="83" name="Group 82"/>
+            <p:cNvGrpSpPr/>
+            <p:nvPr/>
+          </p:nvGrpSpPr>
+          <p:grpSpPr>
+            <a:xfrm>
+              <a:off x="6692814" y="2462016"/>
+              <a:ext cx="360000" cy="360000"/>
+              <a:chOff x="6219066" y="3068762"/>
+              <a:chExt cx="360000" cy="360000"/>
+            </a:xfrm>
+          </p:grpSpPr>
+          <p:cxnSp>
+            <p:nvCxnSpPr>
+              <p:cNvPr id="86" name="Straight Arrow Connector 85"/>
+              <p:cNvCxnSpPr/>
+              <p:nvPr/>
+            </p:nvCxnSpPr>
+            <p:spPr>
+              <a:xfrm flipV="1">
+                <a:off x="6575891" y="3068762"/>
+                <a:ext cx="0" cy="360000"/>
+              </a:xfrm>
+              <a:prstGeom prst="straightConnector1">
+                <a:avLst/>
+              </a:prstGeom>
+              <a:ln w="28575">
+                <a:tailEnd type="triangle"/>
+              </a:ln>
+            </p:spPr>
+            <p:style>
+              <a:lnRef idx="1">
+                <a:schemeClr val="accent1"/>
+              </a:lnRef>
+              <a:fillRef idx="0">
+                <a:schemeClr val="accent1"/>
+              </a:fillRef>
+              <a:effectRef idx="0">
+                <a:schemeClr val="accent1"/>
+              </a:effectRef>
+              <a:fontRef idx="minor">
+                <a:schemeClr val="tx1"/>
+              </a:fontRef>
+            </p:style>
+          </p:cxnSp>
+          <p:cxnSp>
+            <p:nvCxnSpPr>
+              <p:cNvPr id="87" name="Straight Arrow Connector 86"/>
+              <p:cNvCxnSpPr/>
+              <p:nvPr/>
+            </p:nvCxnSpPr>
+            <p:spPr>
+              <a:xfrm flipH="1">
+                <a:off x="6219066" y="3417827"/>
+                <a:ext cx="360000" cy="0"/>
+              </a:xfrm>
+              <a:prstGeom prst="straightConnector1">
+                <a:avLst/>
+              </a:prstGeom>
+              <a:ln w="28575">
+                <a:tailEnd type="triangle"/>
+              </a:ln>
+            </p:spPr>
+            <p:style>
+              <a:lnRef idx="1">
+                <a:schemeClr val="accent1"/>
+              </a:lnRef>
+              <a:fillRef idx="0">
+                <a:schemeClr val="accent1"/>
+              </a:fillRef>
+              <a:effectRef idx="0">
+                <a:schemeClr val="accent1"/>
+              </a:effectRef>
+              <a:fontRef idx="minor">
+                <a:schemeClr val="tx1"/>
+              </a:fontRef>
+            </p:style>
+          </p:cxnSp>
+        </p:grpSp>
+        <mc:AlternateContent xmlns:mc="http://schemas.openxmlformats.org/markup-compatibility/2006">
+          <mc:Choice xmlns:a14="http://schemas.microsoft.com/office/drawing/2010/main" Requires="a14">
+            <p:sp>
+              <p:nvSpPr>
+                <p:cNvPr id="84" name="TextBox 83">
+                  <a:extLst>
+                    <a:ext uri="{FF2B5EF4-FFF2-40B4-BE49-F238E27FC236}">
+                      <a16:creationId xmlns:a16="http://schemas.microsoft.com/office/drawing/2014/main" xmlns="" id="{86B2737E-8299-40AD-8FE7-CC051936CBAD}"/>
+                    </a:ext>
+                  </a:extLst>
+                </p:cNvPr>
+                <p:cNvSpPr txBox="1"/>
+                <p:nvPr/>
+              </p:nvSpPr>
+              <p:spPr>
+                <a:xfrm>
+                  <a:off x="6544938" y="2646658"/>
+                  <a:ext cx="183319" cy="276999"/>
+                </a:xfrm>
+                <a:prstGeom prst="rect">
+                  <a:avLst/>
+                </a:prstGeom>
+                <a:noFill/>
+              </p:spPr>
+              <p:txBody>
+                <a:bodyPr wrap="none" lIns="0" tIns="0" rIns="0" bIns="0" rtlCol="0">
+                  <a:spAutoFit/>
+                </a:bodyPr>
+                <a:lstStyle/>
+                <a:p>
+                  <a:pPr/>
+                  <a14:m>
+                    <m:oMathPara xmlns:m="http://schemas.openxmlformats.org/officeDocument/2006/math">
+                      <m:oMathParaPr>
+                        <m:jc m:val="centerGroup"/>
+                      </m:oMathParaPr>
+                      <m:oMath xmlns:m="http://schemas.openxmlformats.org/officeDocument/2006/math">
+                        <m:r>
+                          <a:rPr lang="en-CA" b="0" i="1" smtClean="0">
+                            <a:latin typeface="Cambria Math" charset="0"/>
+                          </a:rPr>
+                          <m:t>𝑥</m:t>
+                        </m:r>
+                      </m:oMath>
+                    </m:oMathPara>
+                  </a14:m>
+                  <a:endParaRPr lang="en-US" dirty="0"/>
+                </a:p>
+              </p:txBody>
+            </p:sp>
+          </mc:Choice>
+          <mc:Fallback>
+            <p:sp>
+              <p:nvSpPr>
+                <p:cNvPr id="84" name="TextBox 83">
+                  <a:extLst>
+                    <a:ext uri="{FF2B5EF4-FFF2-40B4-BE49-F238E27FC236}">
+                      <a16:creationId xmlns:a16="http://schemas.microsoft.com/office/drawing/2014/main" xmlns="" xmlns:a14="http://schemas.microsoft.com/office/drawing/2010/main" id="{86B2737E-8299-40AD-8FE7-CC051936CBAD}"/>
+                    </a:ext>
+                  </a:extLst>
+                </p:cNvPr>
+                <p:cNvSpPr txBox="1">
+                  <a:spLocks noRot="1" noChangeAspect="1" noMove="1" noResize="1" noEditPoints="1" noAdjustHandles="1" noChangeArrowheads="1" noChangeShapeType="1" noTextEdit="1"/>
+                </p:cNvSpPr>
+                <p:nvPr/>
+              </p:nvSpPr>
+              <p:spPr>
+                <a:xfrm>
+                  <a:off x="6544938" y="2646658"/>
+                  <a:ext cx="183319" cy="276999"/>
+                </a:xfrm>
+                <a:prstGeom prst="rect">
+                  <a:avLst/>
+                </a:prstGeom>
+                <a:blipFill rotWithShape="0">
+                  <a:blip r:embed="rId12"/>
+                  <a:stretch>
+                    <a:fillRect l="-16667" r="-13333"/>
+                  </a:stretch>
+                </a:blipFill>
+              </p:spPr>
+              <p:txBody>
+                <a:bodyPr/>
+                <a:lstStyle/>
+                <a:p>
+                  <a:r>
+                    <a:rPr lang="en-US">
+                      <a:noFill/>
+                    </a:rPr>
+                    <a:t> </a:t>
+                  </a:r>
+                </a:p>
+              </p:txBody>
+            </p:sp>
+          </mc:Fallback>
+        </mc:AlternateContent>
+        <mc:AlternateContent xmlns:mc="http://schemas.openxmlformats.org/markup-compatibility/2006">
+          <mc:Choice xmlns:a14="http://schemas.microsoft.com/office/drawing/2010/main" Requires="a14">
+            <p:sp>
+              <p:nvSpPr>
+                <p:cNvPr id="85" name="TextBox 84">
+                  <a:extLst>
+                    <a:ext uri="{FF2B5EF4-FFF2-40B4-BE49-F238E27FC236}">
+                      <a16:creationId xmlns:a16="http://schemas.microsoft.com/office/drawing/2014/main" xmlns="" id="{86B2737E-8299-40AD-8FE7-CC051936CBAD}"/>
+                    </a:ext>
+                  </a:extLst>
+                </p:cNvPr>
+                <p:cNvSpPr txBox="1"/>
+                <p:nvPr/>
+              </p:nvSpPr>
+              <p:spPr>
+                <a:xfrm>
+                  <a:off x="6983795" y="2224273"/>
+                  <a:ext cx="169084" cy="276999"/>
+                </a:xfrm>
+                <a:prstGeom prst="rect">
+                  <a:avLst/>
+                </a:prstGeom>
+                <a:noFill/>
+              </p:spPr>
+              <p:txBody>
+                <a:bodyPr wrap="none" lIns="0" tIns="0" rIns="0" bIns="0" rtlCol="0">
+                  <a:spAutoFit/>
+                </a:bodyPr>
+                <a:lstStyle/>
+                <a:p>
+                  <a:pPr/>
+                  <a14:m>
+                    <m:oMathPara xmlns:m="http://schemas.openxmlformats.org/officeDocument/2006/math">
+                      <m:oMathParaPr>
+                        <m:jc m:val="centerGroup"/>
+                      </m:oMathParaPr>
+                      <m:oMath xmlns:m="http://schemas.openxmlformats.org/officeDocument/2006/math">
+                        <m:r>
+                          <a:rPr lang="en-CA" b="0" i="1" smtClean="0">
+                            <a:latin typeface="Cambria Math" charset="0"/>
+                          </a:rPr>
+                          <m:t>𝑧</m:t>
+                        </m:r>
+                      </m:oMath>
+                    </m:oMathPara>
+                  </a14:m>
+                  <a:endParaRPr lang="en-US" dirty="0"/>
+                </a:p>
+              </p:txBody>
+            </p:sp>
+          </mc:Choice>
+          <mc:Fallback>
+            <p:sp>
+              <p:nvSpPr>
+                <p:cNvPr id="85" name="TextBox 84">
+                  <a:extLst>
+                    <a:ext uri="{FF2B5EF4-FFF2-40B4-BE49-F238E27FC236}">
+                      <a16:creationId xmlns:a16="http://schemas.microsoft.com/office/drawing/2014/main" xmlns="" xmlns:a14="http://schemas.microsoft.com/office/drawing/2010/main" id="{86B2737E-8299-40AD-8FE7-CC051936CBAD}"/>
+                    </a:ext>
+                  </a:extLst>
+                </p:cNvPr>
+                <p:cNvSpPr txBox="1">
+                  <a:spLocks noRot="1" noChangeAspect="1" noMove="1" noResize="1" noEditPoints="1" noAdjustHandles="1" noChangeArrowheads="1" noChangeShapeType="1" noTextEdit="1"/>
+                </p:cNvSpPr>
+                <p:nvPr/>
+              </p:nvSpPr>
+              <p:spPr>
+                <a:xfrm>
+                  <a:off x="6983795" y="2224273"/>
+                  <a:ext cx="169084" cy="276999"/>
+                </a:xfrm>
+                <a:prstGeom prst="rect">
+                  <a:avLst/>
+                </a:prstGeom>
+                <a:blipFill rotWithShape="0">
+                  <a:blip r:embed="rId14"/>
+                  <a:stretch>
+                    <a:fillRect l="-17857" r="-14286"/>
+                  </a:stretch>
+                </a:blipFill>
+              </p:spPr>
+              <p:txBody>
+                <a:bodyPr/>
+                <a:lstStyle/>
+                <a:p>
+                  <a:r>
+                    <a:rPr lang="en-US">
+                      <a:noFill/>
+                    </a:rPr>
+                    <a:t> </a:t>
+                  </a:r>
+                </a:p>
+              </p:txBody>
+            </p:sp>
+          </mc:Fallback>
+        </mc:AlternateContent>
+      </p:grpSp>
+      <p:grpSp>
+        <p:nvGrpSpPr>
+          <p:cNvPr id="88" name="Group 87"/>
+          <p:cNvGrpSpPr/>
+          <p:nvPr/>
+        </p:nvGrpSpPr>
+        <p:grpSpPr>
+          <a:xfrm rot="18057984">
+            <a:off x="5375873" y="2450129"/>
+            <a:ext cx="607941" cy="699384"/>
+            <a:chOff x="6544938" y="2224273"/>
+            <a:chExt cx="607941" cy="699384"/>
+          </a:xfrm>
+        </p:grpSpPr>
+        <p:grpSp>
+          <p:nvGrpSpPr>
+            <p:cNvPr id="89" name="Group 88"/>
+            <p:cNvGrpSpPr/>
+            <p:nvPr/>
+          </p:nvGrpSpPr>
+          <p:grpSpPr>
+            <a:xfrm>
+              <a:off x="6692814" y="2462016"/>
+              <a:ext cx="360000" cy="360000"/>
+              <a:chOff x="6219066" y="3068762"/>
+              <a:chExt cx="360000" cy="360000"/>
+            </a:xfrm>
+          </p:grpSpPr>
+          <p:cxnSp>
+            <p:nvCxnSpPr>
+              <p:cNvPr id="92" name="Straight Arrow Connector 91"/>
+              <p:cNvCxnSpPr/>
+              <p:nvPr/>
+            </p:nvCxnSpPr>
+            <p:spPr>
+              <a:xfrm flipV="1">
+                <a:off x="6575891" y="3068762"/>
+                <a:ext cx="0" cy="360000"/>
+              </a:xfrm>
+              <a:prstGeom prst="straightConnector1">
+                <a:avLst/>
+              </a:prstGeom>
+              <a:ln w="28575">
+                <a:tailEnd type="triangle"/>
+              </a:ln>
+            </p:spPr>
+            <p:style>
+              <a:lnRef idx="1">
+                <a:schemeClr val="accent1"/>
+              </a:lnRef>
+              <a:fillRef idx="0">
+                <a:schemeClr val="accent1"/>
+              </a:fillRef>
+              <a:effectRef idx="0">
+                <a:schemeClr val="accent1"/>
+              </a:effectRef>
+              <a:fontRef idx="minor">
+                <a:schemeClr val="tx1"/>
+              </a:fontRef>
+            </p:style>
+          </p:cxnSp>
+          <p:cxnSp>
+            <p:nvCxnSpPr>
+              <p:cNvPr id="93" name="Straight Arrow Connector 92"/>
+              <p:cNvCxnSpPr/>
+              <p:nvPr/>
+            </p:nvCxnSpPr>
+            <p:spPr>
+              <a:xfrm flipH="1">
+                <a:off x="6219066" y="3417827"/>
+                <a:ext cx="360000" cy="0"/>
+              </a:xfrm>
+              <a:prstGeom prst="straightConnector1">
+                <a:avLst/>
+              </a:prstGeom>
+              <a:ln w="28575">
+                <a:tailEnd type="triangle"/>
+              </a:ln>
+            </p:spPr>
+            <p:style>
+              <a:lnRef idx="1">
+                <a:schemeClr val="accent1"/>
+              </a:lnRef>
+              <a:fillRef idx="0">
+                <a:schemeClr val="accent1"/>
+              </a:fillRef>
+              <a:effectRef idx="0">
+                <a:schemeClr val="accent1"/>
+              </a:effectRef>
+              <a:fontRef idx="minor">
+                <a:schemeClr val="tx1"/>
+              </a:fontRef>
+            </p:style>
+          </p:cxnSp>
+        </p:grpSp>
+        <mc:AlternateContent xmlns:mc="http://schemas.openxmlformats.org/markup-compatibility/2006">
+          <mc:Choice xmlns:a14="http://schemas.microsoft.com/office/drawing/2010/main" Requires="a14">
+            <p:sp>
+              <p:nvSpPr>
+                <p:cNvPr id="90" name="TextBox 89">
+                  <a:extLst>
+                    <a:ext uri="{FF2B5EF4-FFF2-40B4-BE49-F238E27FC236}">
+                      <a16:creationId xmlns:a16="http://schemas.microsoft.com/office/drawing/2014/main" xmlns="" id="{86B2737E-8299-40AD-8FE7-CC051936CBAD}"/>
+                    </a:ext>
+                  </a:extLst>
+                </p:cNvPr>
+                <p:cNvSpPr txBox="1"/>
+                <p:nvPr/>
+              </p:nvSpPr>
+              <p:spPr>
+                <a:xfrm>
+                  <a:off x="6544938" y="2646658"/>
+                  <a:ext cx="183319" cy="276999"/>
+                </a:xfrm>
+                <a:prstGeom prst="rect">
+                  <a:avLst/>
+                </a:prstGeom>
+                <a:noFill/>
+              </p:spPr>
+              <p:txBody>
+                <a:bodyPr wrap="none" lIns="0" tIns="0" rIns="0" bIns="0" rtlCol="0">
+                  <a:spAutoFit/>
+                </a:bodyPr>
+                <a:lstStyle/>
+                <a:p>
+                  <a:pPr/>
+                  <a14:m>
+                    <m:oMathPara xmlns:m="http://schemas.openxmlformats.org/officeDocument/2006/math">
+                      <m:oMathParaPr>
+                        <m:jc m:val="centerGroup"/>
+                      </m:oMathParaPr>
+                      <m:oMath xmlns:m="http://schemas.openxmlformats.org/officeDocument/2006/math">
+                        <m:r>
+                          <a:rPr lang="en-CA" b="0" i="1" smtClean="0">
+                            <a:latin typeface="Cambria Math" charset="0"/>
+                          </a:rPr>
+                          <m:t>𝑥</m:t>
+                        </m:r>
+                      </m:oMath>
+                    </m:oMathPara>
+                  </a14:m>
+                  <a:endParaRPr lang="en-US" dirty="0"/>
+                </a:p>
+              </p:txBody>
+            </p:sp>
+          </mc:Choice>
+          <mc:Fallback>
+            <p:sp>
+              <p:nvSpPr>
+                <p:cNvPr id="90" name="TextBox 89">
+                  <a:extLst>
+                    <a:ext uri="{FF2B5EF4-FFF2-40B4-BE49-F238E27FC236}">
+                      <a16:creationId xmlns:a16="http://schemas.microsoft.com/office/drawing/2014/main" xmlns="" xmlns:a14="http://schemas.microsoft.com/office/drawing/2010/main" id="{86B2737E-8299-40AD-8FE7-CC051936CBAD}"/>
+                    </a:ext>
+                  </a:extLst>
+                </p:cNvPr>
+                <p:cNvSpPr txBox="1">
+                  <a:spLocks noRot="1" noChangeAspect="1" noMove="1" noResize="1" noEditPoints="1" noAdjustHandles="1" noChangeArrowheads="1" noChangeShapeType="1" noTextEdit="1"/>
+                </p:cNvSpPr>
+                <p:nvPr/>
+              </p:nvSpPr>
+              <p:spPr>
+                <a:xfrm>
+                  <a:off x="6544938" y="2646658"/>
+                  <a:ext cx="183319" cy="276999"/>
+                </a:xfrm>
+                <a:prstGeom prst="rect">
+                  <a:avLst/>
+                </a:prstGeom>
+                <a:blipFill rotWithShape="0">
+                  <a:blip r:embed="rId15"/>
+                  <a:stretch>
+                    <a:fillRect r="-1818" b="-8000"/>
+                  </a:stretch>
+                </a:blipFill>
+              </p:spPr>
+              <p:txBody>
+                <a:bodyPr/>
+                <a:lstStyle/>
+                <a:p>
+                  <a:r>
+                    <a:rPr lang="en-US">
+                      <a:noFill/>
+                    </a:rPr>
+                    <a:t> </a:t>
+                  </a:r>
+                </a:p>
+              </p:txBody>
+            </p:sp>
+          </mc:Fallback>
+        </mc:AlternateContent>
+        <mc:AlternateContent xmlns:mc="http://schemas.openxmlformats.org/markup-compatibility/2006">
+          <mc:Choice xmlns:a14="http://schemas.microsoft.com/office/drawing/2010/main" Requires="a14">
+            <p:sp>
+              <p:nvSpPr>
+                <p:cNvPr id="91" name="TextBox 90">
+                  <a:extLst>
+                    <a:ext uri="{FF2B5EF4-FFF2-40B4-BE49-F238E27FC236}">
+                      <a16:creationId xmlns:a16="http://schemas.microsoft.com/office/drawing/2014/main" xmlns="" id="{86B2737E-8299-40AD-8FE7-CC051936CBAD}"/>
+                    </a:ext>
+                  </a:extLst>
+                </p:cNvPr>
+                <p:cNvSpPr txBox="1"/>
+                <p:nvPr/>
+              </p:nvSpPr>
+              <p:spPr>
+                <a:xfrm>
+                  <a:off x="6983795" y="2224273"/>
+                  <a:ext cx="169084" cy="276999"/>
+                </a:xfrm>
+                <a:prstGeom prst="rect">
+                  <a:avLst/>
+                </a:prstGeom>
+                <a:noFill/>
+              </p:spPr>
+              <p:txBody>
+                <a:bodyPr wrap="none" lIns="0" tIns="0" rIns="0" bIns="0" rtlCol="0">
+                  <a:spAutoFit/>
+                </a:bodyPr>
+                <a:lstStyle/>
+                <a:p>
+                  <a:pPr/>
+                  <a14:m>
+                    <m:oMathPara xmlns:m="http://schemas.openxmlformats.org/officeDocument/2006/math">
+                      <m:oMathParaPr>
+                        <m:jc m:val="centerGroup"/>
+                      </m:oMathParaPr>
+                      <m:oMath xmlns:m="http://schemas.openxmlformats.org/officeDocument/2006/math">
+                        <m:r>
+                          <a:rPr lang="en-CA" b="0" i="1" smtClean="0">
+                            <a:latin typeface="Cambria Math" charset="0"/>
+                          </a:rPr>
+                          <m:t>𝑧</m:t>
+                        </m:r>
+                      </m:oMath>
+                    </m:oMathPara>
+                  </a14:m>
+                  <a:endParaRPr lang="en-US" dirty="0"/>
+                </a:p>
+              </p:txBody>
+            </p:sp>
+          </mc:Choice>
+          <mc:Fallback>
+            <p:sp>
+              <p:nvSpPr>
+                <p:cNvPr id="91" name="TextBox 90">
+                  <a:extLst>
+                    <a:ext uri="{FF2B5EF4-FFF2-40B4-BE49-F238E27FC236}">
+                      <a16:creationId xmlns:a16="http://schemas.microsoft.com/office/drawing/2014/main" xmlns="" xmlns:a14="http://schemas.microsoft.com/office/drawing/2010/main" id="{86B2737E-8299-40AD-8FE7-CC051936CBAD}"/>
+                    </a:ext>
+                  </a:extLst>
+                </p:cNvPr>
+                <p:cNvSpPr txBox="1">
+                  <a:spLocks noRot="1" noChangeAspect="1" noMove="1" noResize="1" noEditPoints="1" noAdjustHandles="1" noChangeArrowheads="1" noChangeShapeType="1" noTextEdit="1"/>
+                </p:cNvSpPr>
+                <p:nvPr/>
+              </p:nvSpPr>
+              <p:spPr>
+                <a:xfrm>
+                  <a:off x="6983795" y="2224273"/>
+                  <a:ext cx="169084" cy="276999"/>
+                </a:xfrm>
+                <a:prstGeom prst="rect">
+                  <a:avLst/>
+                </a:prstGeom>
+                <a:blipFill rotWithShape="0">
+                  <a:blip r:embed="rId16"/>
+                  <a:stretch>
+                    <a:fillRect b="-6250"/>
+                  </a:stretch>
+                </a:blipFill>
+              </p:spPr>
+              <p:txBody>
+                <a:bodyPr/>
+                <a:lstStyle/>
+                <a:p>
+                  <a:r>
+                    <a:rPr lang="en-US">
+                      <a:noFill/>
+                    </a:rPr>
+                    <a:t> </a:t>
+                  </a:r>
+                </a:p>
+              </p:txBody>
+            </p:sp>
+          </mc:Fallback>
+        </mc:AlternateContent>
+      </p:grpSp>
     </p:spTree>
     <p:extLst>
       <p:ext uri="{BB962C8B-B14F-4D97-AF65-F5344CB8AC3E}">
@@ -13949,10 +15159,63 @@
       </p:grpSpPr>
       <p:pic>
         <p:nvPicPr>
+          <p:cNvPr id="4" name="Picture 3"/>
+          <p:cNvPicPr>
+            <a:picLocks noChangeAspect="1"/>
+          </p:cNvPicPr>
+          <p:nvPr/>
+        </p:nvPicPr>
+        <p:blipFill rotWithShape="1">
+          <a:blip r:embed="rId2"/>
+          <a:srcRect l="7304"/>
+          <a:stretch/>
+        </p:blipFill>
+        <p:spPr>
+          <a:xfrm>
+            <a:off x="2609384" y="524108"/>
+            <a:ext cx="3308794" cy="4839630"/>
+          </a:xfrm>
+          <a:prstGeom prst="rect">
+            <a:avLst/>
+          </a:prstGeom>
+        </p:spPr>
+      </p:pic>
+    </p:spTree>
+    <p:extLst>
+      <p:ext uri="{BB962C8B-B14F-4D97-AF65-F5344CB8AC3E}">
+        <p14:creationId xmlns:p14="http://schemas.microsoft.com/office/powerpoint/2010/main" val="438098425"/>
+      </p:ext>
+    </p:extLst>
+  </p:cSld>
+  <p:clrMapOvr>
+    <a:masterClrMapping/>
+  </p:clrMapOvr>
+</p:sld>
+</file>
+
+<file path=ppt/slides/slide5.xml><?xml version="1.0" encoding="utf-8"?>
+<p:sld xmlns:a="http://schemas.openxmlformats.org/drawingml/2006/main" xmlns:r="http://schemas.openxmlformats.org/officeDocument/2006/relationships" xmlns:p="http://schemas.openxmlformats.org/presentationml/2006/main">
+  <p:cSld>
+    <p:spTree>
+      <p:nvGrpSpPr>
+        <p:cNvPr id="1" name=""/>
+        <p:cNvGrpSpPr/>
+        <p:nvPr/>
+      </p:nvGrpSpPr>
+      <p:grpSpPr>
+        <a:xfrm>
+          <a:off x="0" y="0"/>
+          <a:ext cx="0" cy="0"/>
+          <a:chOff x="0" y="0"/>
+          <a:chExt cx="0" cy="0"/>
+        </a:xfrm>
+      </p:grpSpPr>
+      <p:pic>
+        <p:nvPicPr>
           <p:cNvPr id="4" name="Picture 3">
             <a:extLst>
               <a:ext uri="{FF2B5EF4-FFF2-40B4-BE49-F238E27FC236}">
-                <a16:creationId xmlns="" xmlns:a16="http://schemas.microsoft.com/office/drawing/2014/main" id="{62A4373C-1B5B-47E3-AB4D-B3695AAA5772}"/>
+                <a16:creationId xmlns:a16="http://schemas.microsoft.com/office/drawing/2014/main" xmlns="" id="{62A4373C-1B5B-47E3-AB4D-B3695AAA5772}"/>
               </a:ext>
             </a:extLst>
           </p:cNvPr>
@@ -13999,7 +15262,7 @@
           <p:cNvPr id="6" name="Group 5">
             <a:extLst>
               <a:ext uri="{FF2B5EF4-FFF2-40B4-BE49-F238E27FC236}">
-                <a16:creationId xmlns="" xmlns:a16="http://schemas.microsoft.com/office/drawing/2014/main" id="{D2F03AA5-DF80-4DD3-B039-30D93BA68B90}"/>
+                <a16:creationId xmlns:a16="http://schemas.microsoft.com/office/drawing/2014/main" xmlns="" id="{D2F03AA5-DF80-4DD3-B039-30D93BA68B90}"/>
               </a:ext>
             </a:extLst>
           </p:cNvPr>
@@ -14019,7 +15282,7 @@
             <p:cNvPr id="7" name="Group 6">
               <a:extLst>
                 <a:ext uri="{FF2B5EF4-FFF2-40B4-BE49-F238E27FC236}">
-                  <a16:creationId xmlns="" xmlns:a16="http://schemas.microsoft.com/office/drawing/2014/main" id="{BA8BC6A6-A14E-4AAE-A262-0BE9B89D4404}"/>
+                  <a16:creationId xmlns:a16="http://schemas.microsoft.com/office/drawing/2014/main" xmlns="" id="{BA8BC6A6-A14E-4AAE-A262-0BE9B89D4404}"/>
                 </a:ext>
               </a:extLst>
             </p:cNvPr>
@@ -14039,7 +15302,7 @@
               <p:cNvPr id="9" name="Straight Arrow Connector 8">
                 <a:extLst>
                   <a:ext uri="{FF2B5EF4-FFF2-40B4-BE49-F238E27FC236}">
-                    <a16:creationId xmlns="" xmlns:a16="http://schemas.microsoft.com/office/drawing/2014/main" id="{80685602-FEF8-4D73-9935-6CE4A8B167FC}"/>
+                    <a16:creationId xmlns:a16="http://schemas.microsoft.com/office/drawing/2014/main" xmlns="" id="{80685602-FEF8-4D73-9935-6CE4A8B167FC}"/>
                   </a:ext>
                 </a:extLst>
               </p:cNvPr>
@@ -14083,7 +15346,7 @@
               <p:cNvPr id="10" name="Straight Arrow Connector 9">
                 <a:extLst>
                   <a:ext uri="{FF2B5EF4-FFF2-40B4-BE49-F238E27FC236}">
-                    <a16:creationId xmlns="" xmlns:a16="http://schemas.microsoft.com/office/drawing/2014/main" id="{CD94400D-D55B-4157-A696-FF6574932066}"/>
+                    <a16:creationId xmlns:a16="http://schemas.microsoft.com/office/drawing/2014/main" xmlns="" id="{CD94400D-D55B-4157-A696-FF6574932066}"/>
                   </a:ext>
                 </a:extLst>
               </p:cNvPr>
@@ -14123,7 +15386,7 @@
             <p:cNvPr id="8" name="Oval 7">
               <a:extLst>
                 <a:ext uri="{FF2B5EF4-FFF2-40B4-BE49-F238E27FC236}">
-                  <a16:creationId xmlns="" xmlns:a16="http://schemas.microsoft.com/office/drawing/2014/main" id="{E9DF099D-6017-4C0B-A19B-7DF182B81B0E}"/>
+                  <a16:creationId xmlns:a16="http://schemas.microsoft.com/office/drawing/2014/main" xmlns="" id="{E9DF099D-6017-4C0B-A19B-7DF182B81B0E}"/>
                 </a:ext>
               </a:extLst>
             </p:cNvPr>
